--- a/Presentación.pptx
+++ b/Presentación.pptx
@@ -5,7 +5,7 @@
     <p:sldMasterId id="2147483659" r:id="rId1"/>
   </p:sldMasterIdLst>
   <p:notesMasterIdLst>
-    <p:notesMasterId r:id="rId15"/>
+    <p:notesMasterId r:id="rId22"/>
   </p:notesMasterIdLst>
   <p:sldIdLst>
     <p:sldId id="256" r:id="rId2"/>
@@ -13,38 +13,45 @@
     <p:sldId id="258" r:id="rId4"/>
     <p:sldId id="259" r:id="rId5"/>
     <p:sldId id="260" r:id="rId6"/>
-    <p:sldId id="261" r:id="rId7"/>
-    <p:sldId id="265" r:id="rId8"/>
-    <p:sldId id="266" r:id="rId9"/>
-    <p:sldId id="267" r:id="rId10"/>
-    <p:sldId id="268" r:id="rId11"/>
-    <p:sldId id="262" r:id="rId12"/>
-    <p:sldId id="263" r:id="rId13"/>
-    <p:sldId id="264" r:id="rId14"/>
+    <p:sldId id="273" r:id="rId7"/>
+    <p:sldId id="261" r:id="rId8"/>
+    <p:sldId id="265" r:id="rId9"/>
+    <p:sldId id="266" r:id="rId10"/>
+    <p:sldId id="267" r:id="rId11"/>
+    <p:sldId id="268" r:id="rId12"/>
+    <p:sldId id="274" r:id="rId13"/>
+    <p:sldId id="275" r:id="rId14"/>
+    <p:sldId id="269" r:id="rId15"/>
+    <p:sldId id="270" r:id="rId16"/>
+    <p:sldId id="271" r:id="rId17"/>
+    <p:sldId id="272" r:id="rId18"/>
+    <p:sldId id="262" r:id="rId19"/>
+    <p:sldId id="263" r:id="rId20"/>
+    <p:sldId id="264" r:id="rId21"/>
   </p:sldIdLst>
   <p:sldSz cx="9144000" cy="5143500" type="screen16x9"/>
   <p:notesSz cx="6858000" cy="9144000"/>
   <p:embeddedFontLst>
     <p:embeddedFont>
       <p:font typeface="Lato" panose="020B0604020202020204" charset="0"/>
-      <p:regular r:id="rId16"/>
-      <p:bold r:id="rId17"/>
-      <p:italic r:id="rId18"/>
-      <p:boldItalic r:id="rId19"/>
+      <p:regular r:id="rId23"/>
+      <p:bold r:id="rId24"/>
+      <p:italic r:id="rId25"/>
+      <p:boldItalic r:id="rId26"/>
     </p:embeddedFont>
     <p:embeddedFont>
       <p:font typeface="Montserrat" panose="020B0604020202020204" charset="0"/>
-      <p:regular r:id="rId20"/>
-      <p:bold r:id="rId21"/>
-      <p:italic r:id="rId22"/>
-      <p:boldItalic r:id="rId23"/>
+      <p:regular r:id="rId27"/>
+      <p:bold r:id="rId28"/>
+      <p:italic r:id="rId29"/>
+      <p:boldItalic r:id="rId30"/>
     </p:embeddedFont>
     <p:embeddedFont>
       <p:font typeface="Roboto" panose="020B0604020202020204" charset="0"/>
-      <p:regular r:id="rId24"/>
-      <p:bold r:id="rId25"/>
-      <p:italic r:id="rId26"/>
-      <p:boldItalic r:id="rId27"/>
+      <p:regular r:id="rId31"/>
+      <p:bold r:id="rId32"/>
+      <p:italic r:id="rId33"/>
+      <p:boldItalic r:id="rId34"/>
     </p:embeddedFont>
   </p:embeddedFontLst>
   <p:defaultTextStyle>
@@ -277,6 +284,42 @@
     </a:lvl9pPr>
   </p:defaultTextStyle>
   <p:extLst>
+    <p:ext uri="{521415D9-36F7-43E2-AB2F-B90AF26B5E84}">
+      <p14:sectionLst xmlns:p14="http://schemas.microsoft.com/office/powerpoint/2010/main">
+        <p14:section name="Presentación" id="{560570D4-F634-4517-A469-01F5831C2A68}">
+          <p14:sldIdLst>
+            <p14:sldId id="256"/>
+            <p14:sldId id="257"/>
+            <p14:sldId id="258"/>
+            <p14:sldId id="259"/>
+            <p14:sldId id="260"/>
+            <p14:sldId id="273"/>
+            <p14:sldId id="261"/>
+            <p14:sldId id="265"/>
+            <p14:sldId id="266"/>
+            <p14:sldId id="267"/>
+            <p14:sldId id="268"/>
+            <p14:sldId id="274"/>
+            <p14:sldId id="275"/>
+          </p14:sldIdLst>
+        </p14:section>
+        <p14:section name="Gráficos de ayuda" id="{0B90B45D-5C42-4C9B-A7CB-9C05738A94DC}">
+          <p14:sldIdLst>
+            <p14:sldId id="269"/>
+            <p14:sldId id="270"/>
+            <p14:sldId id="271"/>
+            <p14:sldId id="272"/>
+          </p14:sldIdLst>
+        </p14:section>
+        <p14:section name="Definiciones" id="{274E77A4-141C-493F-8DD5-D38B7058A1BF}">
+          <p14:sldIdLst>
+            <p14:sldId id="262"/>
+            <p14:sldId id="263"/>
+            <p14:sldId id="264"/>
+          </p14:sldIdLst>
+        </p14:section>
+      </p14:sectionLst>
+    </p:ext>
     <p:ext uri="{EFAFB233-063F-42B5-8137-9DF3F51BA10A}">
       <p15:sldGuideLst xmlns:p15="http://schemas.microsoft.com/office/powerpoint/2012/main">
         <p15:guide id="1" orient="horz" pos="1620">
@@ -845,6 +888,764 @@
   <p:cSld>
     <p:spTree>
       <p:nvGrpSpPr>
+        <p:cNvPr id="1" name="Shape 161"/>
+        <p:cNvGrpSpPr/>
+        <p:nvPr/>
+      </p:nvGrpSpPr>
+      <p:grpSpPr>
+        <a:xfrm>
+          <a:off x="0" y="0"/>
+          <a:ext cx="0" cy="0"/>
+          <a:chOff x="0" y="0"/>
+          <a:chExt cx="0" cy="0"/>
+        </a:xfrm>
+      </p:grpSpPr>
+      <p:sp>
+        <p:nvSpPr>
+          <p:cNvPr id="162" name="Google Shape;162;g12f747b4c7f_0_153:notes"/>
+          <p:cNvSpPr>
+            <a:spLocks noGrp="1" noRot="1" noChangeAspect="1"/>
+          </p:cNvSpPr>
+          <p:nvPr>
+            <p:ph type="sldImg" idx="2"/>
+          </p:nvPr>
+        </p:nvSpPr>
+        <p:spPr>
+          <a:xfrm>
+            <a:off x="381000" y="685800"/>
+            <a:ext cx="6096000" cy="3429000"/>
+          </a:xfrm>
+          <a:custGeom>
+            <a:avLst/>
+            <a:gdLst/>
+            <a:ahLst/>
+            <a:cxnLst/>
+            <a:rect l="l" t="t" r="r" b="b"/>
+            <a:pathLst>
+              <a:path w="120000" h="120000" extrusionOk="0">
+                <a:moveTo>
+                  <a:pt x="0" y="0"/>
+                </a:moveTo>
+                <a:lnTo>
+                  <a:pt x="120000" y="0"/>
+                </a:lnTo>
+                <a:lnTo>
+                  <a:pt x="120000" y="120000"/>
+                </a:lnTo>
+                <a:lnTo>
+                  <a:pt x="0" y="120000"/>
+                </a:lnTo>
+                <a:close/>
+              </a:path>
+            </a:pathLst>
+          </a:custGeom>
+        </p:spPr>
+      </p:sp>
+      <p:sp>
+        <p:nvSpPr>
+          <p:cNvPr id="163" name="Google Shape;163;g12f747b4c7f_0_153:notes"/>
+          <p:cNvSpPr txBox="1">
+            <a:spLocks noGrp="1"/>
+          </p:cNvSpPr>
+          <p:nvPr>
+            <p:ph type="body" idx="1"/>
+          </p:nvPr>
+        </p:nvSpPr>
+        <p:spPr>
+          <a:xfrm>
+            <a:off x="685800" y="4343400"/>
+            <a:ext cx="5486400" cy="4114800"/>
+          </a:xfrm>
+          <a:prstGeom prst="rect">
+            <a:avLst/>
+          </a:prstGeom>
+        </p:spPr>
+        <p:txBody>
+          <a:bodyPr spcFirstLastPara="1" wrap="square" lIns="91425" tIns="91425" rIns="91425" bIns="91425" anchor="t" anchorCtr="0">
+            <a:noAutofit/>
+          </a:bodyPr>
+          <a:lstStyle/>
+          <a:p>
+            <a:pPr marL="0" lvl="0" indent="0" algn="l" rtl="0">
+              <a:spcBef>
+                <a:spcPts val="0"/>
+              </a:spcBef>
+              <a:spcAft>
+                <a:spcPts val="0"/>
+              </a:spcAft>
+              <a:buNone/>
+            </a:pPr>
+            <a:endParaRPr/>
+          </a:p>
+        </p:txBody>
+      </p:sp>
+    </p:spTree>
+    <p:extLst>
+      <p:ext uri="{BB962C8B-B14F-4D97-AF65-F5344CB8AC3E}">
+        <p14:creationId xmlns:p14="http://schemas.microsoft.com/office/powerpoint/2010/main" val="3072329965"/>
+      </p:ext>
+    </p:extLst>
+  </p:cSld>
+  <p:clrMapOvr>
+    <a:masterClrMapping/>
+  </p:clrMapOvr>
+</p:notes>
+</file>
+
+<file path=ppt/notesSlides/notesSlide11.xml><?xml version="1.0" encoding="utf-8"?>
+<p:notes xmlns:a="http://schemas.openxmlformats.org/drawingml/2006/main" xmlns:r="http://schemas.openxmlformats.org/officeDocument/2006/relationships" xmlns:p="http://schemas.openxmlformats.org/presentationml/2006/main" showMasterSp="0" showMasterPhAnim="0">
+  <p:cSld>
+    <p:spTree>
+      <p:nvGrpSpPr>
+        <p:cNvPr id="1" name="Shape 161"/>
+        <p:cNvGrpSpPr/>
+        <p:nvPr/>
+      </p:nvGrpSpPr>
+      <p:grpSpPr>
+        <a:xfrm>
+          <a:off x="0" y="0"/>
+          <a:ext cx="0" cy="0"/>
+          <a:chOff x="0" y="0"/>
+          <a:chExt cx="0" cy="0"/>
+        </a:xfrm>
+      </p:grpSpPr>
+      <p:sp>
+        <p:nvSpPr>
+          <p:cNvPr id="162" name="Google Shape;162;g12f747b4c7f_0_153:notes"/>
+          <p:cNvSpPr>
+            <a:spLocks noGrp="1" noRot="1" noChangeAspect="1"/>
+          </p:cNvSpPr>
+          <p:nvPr>
+            <p:ph type="sldImg" idx="2"/>
+          </p:nvPr>
+        </p:nvSpPr>
+        <p:spPr>
+          <a:xfrm>
+            <a:off x="381000" y="685800"/>
+            <a:ext cx="6096000" cy="3429000"/>
+          </a:xfrm>
+          <a:custGeom>
+            <a:avLst/>
+            <a:gdLst/>
+            <a:ahLst/>
+            <a:cxnLst/>
+            <a:rect l="l" t="t" r="r" b="b"/>
+            <a:pathLst>
+              <a:path w="120000" h="120000" extrusionOk="0">
+                <a:moveTo>
+                  <a:pt x="0" y="0"/>
+                </a:moveTo>
+                <a:lnTo>
+                  <a:pt x="120000" y="0"/>
+                </a:lnTo>
+                <a:lnTo>
+                  <a:pt x="120000" y="120000"/>
+                </a:lnTo>
+                <a:lnTo>
+                  <a:pt x="0" y="120000"/>
+                </a:lnTo>
+                <a:close/>
+              </a:path>
+            </a:pathLst>
+          </a:custGeom>
+        </p:spPr>
+      </p:sp>
+      <p:sp>
+        <p:nvSpPr>
+          <p:cNvPr id="163" name="Google Shape;163;g12f747b4c7f_0_153:notes"/>
+          <p:cNvSpPr txBox="1">
+            <a:spLocks noGrp="1"/>
+          </p:cNvSpPr>
+          <p:nvPr>
+            <p:ph type="body" idx="1"/>
+          </p:nvPr>
+        </p:nvSpPr>
+        <p:spPr>
+          <a:xfrm>
+            <a:off x="685800" y="4343400"/>
+            <a:ext cx="5486400" cy="4114800"/>
+          </a:xfrm>
+          <a:prstGeom prst="rect">
+            <a:avLst/>
+          </a:prstGeom>
+        </p:spPr>
+        <p:txBody>
+          <a:bodyPr spcFirstLastPara="1" wrap="square" lIns="91425" tIns="91425" rIns="91425" bIns="91425" anchor="t" anchorCtr="0">
+            <a:noAutofit/>
+          </a:bodyPr>
+          <a:lstStyle/>
+          <a:p>
+            <a:pPr marL="0" lvl="0" indent="0" algn="l" rtl="0">
+              <a:spcBef>
+                <a:spcPts val="0"/>
+              </a:spcBef>
+              <a:spcAft>
+                <a:spcPts val="0"/>
+              </a:spcAft>
+              <a:buNone/>
+            </a:pPr>
+            <a:endParaRPr/>
+          </a:p>
+        </p:txBody>
+      </p:sp>
+    </p:spTree>
+    <p:extLst>
+      <p:ext uri="{BB962C8B-B14F-4D97-AF65-F5344CB8AC3E}">
+        <p14:creationId xmlns:p14="http://schemas.microsoft.com/office/powerpoint/2010/main" val="3378296100"/>
+      </p:ext>
+    </p:extLst>
+  </p:cSld>
+  <p:clrMapOvr>
+    <a:masterClrMapping/>
+  </p:clrMapOvr>
+</p:notes>
+</file>
+
+<file path=ppt/notesSlides/notesSlide12.xml><?xml version="1.0" encoding="utf-8"?>
+<p:notes xmlns:a="http://schemas.openxmlformats.org/drawingml/2006/main" xmlns:r="http://schemas.openxmlformats.org/officeDocument/2006/relationships" xmlns:p="http://schemas.openxmlformats.org/presentationml/2006/main" showMasterSp="0" showMasterPhAnim="0">
+  <p:cSld>
+    <p:spTree>
+      <p:nvGrpSpPr>
+        <p:cNvPr id="1" name="Shape 161"/>
+        <p:cNvGrpSpPr/>
+        <p:nvPr/>
+      </p:nvGrpSpPr>
+      <p:grpSpPr>
+        <a:xfrm>
+          <a:off x="0" y="0"/>
+          <a:ext cx="0" cy="0"/>
+          <a:chOff x="0" y="0"/>
+          <a:chExt cx="0" cy="0"/>
+        </a:xfrm>
+      </p:grpSpPr>
+      <p:sp>
+        <p:nvSpPr>
+          <p:cNvPr id="162" name="Google Shape;162;g12f747b4c7f_0_153:notes"/>
+          <p:cNvSpPr>
+            <a:spLocks noGrp="1" noRot="1" noChangeAspect="1"/>
+          </p:cNvSpPr>
+          <p:nvPr>
+            <p:ph type="sldImg" idx="2"/>
+          </p:nvPr>
+        </p:nvSpPr>
+        <p:spPr>
+          <a:xfrm>
+            <a:off x="381000" y="685800"/>
+            <a:ext cx="6096000" cy="3429000"/>
+          </a:xfrm>
+          <a:custGeom>
+            <a:avLst/>
+            <a:gdLst/>
+            <a:ahLst/>
+            <a:cxnLst/>
+            <a:rect l="l" t="t" r="r" b="b"/>
+            <a:pathLst>
+              <a:path w="120000" h="120000" extrusionOk="0">
+                <a:moveTo>
+                  <a:pt x="0" y="0"/>
+                </a:moveTo>
+                <a:lnTo>
+                  <a:pt x="120000" y="0"/>
+                </a:lnTo>
+                <a:lnTo>
+                  <a:pt x="120000" y="120000"/>
+                </a:lnTo>
+                <a:lnTo>
+                  <a:pt x="0" y="120000"/>
+                </a:lnTo>
+                <a:close/>
+              </a:path>
+            </a:pathLst>
+          </a:custGeom>
+        </p:spPr>
+      </p:sp>
+      <p:sp>
+        <p:nvSpPr>
+          <p:cNvPr id="163" name="Google Shape;163;g12f747b4c7f_0_153:notes"/>
+          <p:cNvSpPr txBox="1">
+            <a:spLocks noGrp="1"/>
+          </p:cNvSpPr>
+          <p:nvPr>
+            <p:ph type="body" idx="1"/>
+          </p:nvPr>
+        </p:nvSpPr>
+        <p:spPr>
+          <a:xfrm>
+            <a:off x="685800" y="4343400"/>
+            <a:ext cx="5486400" cy="4114800"/>
+          </a:xfrm>
+          <a:prstGeom prst="rect">
+            <a:avLst/>
+          </a:prstGeom>
+        </p:spPr>
+        <p:txBody>
+          <a:bodyPr spcFirstLastPara="1" wrap="square" lIns="91425" tIns="91425" rIns="91425" bIns="91425" anchor="t" anchorCtr="0">
+            <a:noAutofit/>
+          </a:bodyPr>
+          <a:lstStyle/>
+          <a:p>
+            <a:pPr marL="0" lvl="0" indent="0" algn="l" rtl="0">
+              <a:spcBef>
+                <a:spcPts val="0"/>
+              </a:spcBef>
+              <a:spcAft>
+                <a:spcPts val="0"/>
+              </a:spcAft>
+              <a:buNone/>
+            </a:pPr>
+            <a:endParaRPr/>
+          </a:p>
+        </p:txBody>
+      </p:sp>
+    </p:spTree>
+    <p:extLst>
+      <p:ext uri="{BB962C8B-B14F-4D97-AF65-F5344CB8AC3E}">
+        <p14:creationId xmlns:p14="http://schemas.microsoft.com/office/powerpoint/2010/main" val="3596503171"/>
+      </p:ext>
+    </p:extLst>
+  </p:cSld>
+  <p:clrMapOvr>
+    <a:masterClrMapping/>
+  </p:clrMapOvr>
+</p:notes>
+</file>
+
+<file path=ppt/notesSlides/notesSlide13.xml><?xml version="1.0" encoding="utf-8"?>
+<p:notes xmlns:a="http://schemas.openxmlformats.org/drawingml/2006/main" xmlns:r="http://schemas.openxmlformats.org/officeDocument/2006/relationships" xmlns:p="http://schemas.openxmlformats.org/presentationml/2006/main" showMasterSp="0" showMasterPhAnim="0">
+  <p:cSld>
+    <p:spTree>
+      <p:nvGrpSpPr>
+        <p:cNvPr id="1" name="Shape 161"/>
+        <p:cNvGrpSpPr/>
+        <p:nvPr/>
+      </p:nvGrpSpPr>
+      <p:grpSpPr>
+        <a:xfrm>
+          <a:off x="0" y="0"/>
+          <a:ext cx="0" cy="0"/>
+          <a:chOff x="0" y="0"/>
+          <a:chExt cx="0" cy="0"/>
+        </a:xfrm>
+      </p:grpSpPr>
+      <p:sp>
+        <p:nvSpPr>
+          <p:cNvPr id="162" name="Google Shape;162;g12f747b4c7f_0_153:notes"/>
+          <p:cNvSpPr>
+            <a:spLocks noGrp="1" noRot="1" noChangeAspect="1"/>
+          </p:cNvSpPr>
+          <p:nvPr>
+            <p:ph type="sldImg" idx="2"/>
+          </p:nvPr>
+        </p:nvSpPr>
+        <p:spPr>
+          <a:xfrm>
+            <a:off x="381000" y="685800"/>
+            <a:ext cx="6096000" cy="3429000"/>
+          </a:xfrm>
+          <a:custGeom>
+            <a:avLst/>
+            <a:gdLst/>
+            <a:ahLst/>
+            <a:cxnLst/>
+            <a:rect l="l" t="t" r="r" b="b"/>
+            <a:pathLst>
+              <a:path w="120000" h="120000" extrusionOk="0">
+                <a:moveTo>
+                  <a:pt x="0" y="0"/>
+                </a:moveTo>
+                <a:lnTo>
+                  <a:pt x="120000" y="0"/>
+                </a:lnTo>
+                <a:lnTo>
+                  <a:pt x="120000" y="120000"/>
+                </a:lnTo>
+                <a:lnTo>
+                  <a:pt x="0" y="120000"/>
+                </a:lnTo>
+                <a:close/>
+              </a:path>
+            </a:pathLst>
+          </a:custGeom>
+        </p:spPr>
+      </p:sp>
+      <p:sp>
+        <p:nvSpPr>
+          <p:cNvPr id="163" name="Google Shape;163;g12f747b4c7f_0_153:notes"/>
+          <p:cNvSpPr txBox="1">
+            <a:spLocks noGrp="1"/>
+          </p:cNvSpPr>
+          <p:nvPr>
+            <p:ph type="body" idx="1"/>
+          </p:nvPr>
+        </p:nvSpPr>
+        <p:spPr>
+          <a:xfrm>
+            <a:off x="685800" y="4343400"/>
+            <a:ext cx="5486400" cy="4114800"/>
+          </a:xfrm>
+          <a:prstGeom prst="rect">
+            <a:avLst/>
+          </a:prstGeom>
+        </p:spPr>
+        <p:txBody>
+          <a:bodyPr spcFirstLastPara="1" wrap="square" lIns="91425" tIns="91425" rIns="91425" bIns="91425" anchor="t" anchorCtr="0">
+            <a:noAutofit/>
+          </a:bodyPr>
+          <a:lstStyle/>
+          <a:p>
+            <a:pPr marL="0" lvl="0" indent="0" algn="l" rtl="0">
+              <a:spcBef>
+                <a:spcPts val="0"/>
+              </a:spcBef>
+              <a:spcAft>
+                <a:spcPts val="0"/>
+              </a:spcAft>
+              <a:buNone/>
+            </a:pPr>
+            <a:endParaRPr/>
+          </a:p>
+        </p:txBody>
+      </p:sp>
+    </p:spTree>
+    <p:extLst>
+      <p:ext uri="{BB962C8B-B14F-4D97-AF65-F5344CB8AC3E}">
+        <p14:creationId xmlns:p14="http://schemas.microsoft.com/office/powerpoint/2010/main" val="2139892513"/>
+      </p:ext>
+    </p:extLst>
+  </p:cSld>
+  <p:clrMapOvr>
+    <a:masterClrMapping/>
+  </p:clrMapOvr>
+</p:notes>
+</file>
+
+<file path=ppt/notesSlides/notesSlide14.xml><?xml version="1.0" encoding="utf-8"?>
+<p:notes xmlns:a="http://schemas.openxmlformats.org/drawingml/2006/main" xmlns:r="http://schemas.openxmlformats.org/officeDocument/2006/relationships" xmlns:p="http://schemas.openxmlformats.org/presentationml/2006/main" showMasterSp="0" showMasterPhAnim="0">
+  <p:cSld>
+    <p:spTree>
+      <p:nvGrpSpPr>
+        <p:cNvPr id="1" name="Shape 161"/>
+        <p:cNvGrpSpPr/>
+        <p:nvPr/>
+      </p:nvGrpSpPr>
+      <p:grpSpPr>
+        <a:xfrm>
+          <a:off x="0" y="0"/>
+          <a:ext cx="0" cy="0"/>
+          <a:chOff x="0" y="0"/>
+          <a:chExt cx="0" cy="0"/>
+        </a:xfrm>
+      </p:grpSpPr>
+      <p:sp>
+        <p:nvSpPr>
+          <p:cNvPr id="162" name="Google Shape;162;g12f747b4c7f_0_153:notes"/>
+          <p:cNvSpPr>
+            <a:spLocks noGrp="1" noRot="1" noChangeAspect="1"/>
+          </p:cNvSpPr>
+          <p:nvPr>
+            <p:ph type="sldImg" idx="2"/>
+          </p:nvPr>
+        </p:nvSpPr>
+        <p:spPr>
+          <a:xfrm>
+            <a:off x="381000" y="685800"/>
+            <a:ext cx="6096000" cy="3429000"/>
+          </a:xfrm>
+          <a:custGeom>
+            <a:avLst/>
+            <a:gdLst/>
+            <a:ahLst/>
+            <a:cxnLst/>
+            <a:rect l="l" t="t" r="r" b="b"/>
+            <a:pathLst>
+              <a:path w="120000" h="120000" extrusionOk="0">
+                <a:moveTo>
+                  <a:pt x="0" y="0"/>
+                </a:moveTo>
+                <a:lnTo>
+                  <a:pt x="120000" y="0"/>
+                </a:lnTo>
+                <a:lnTo>
+                  <a:pt x="120000" y="120000"/>
+                </a:lnTo>
+                <a:lnTo>
+                  <a:pt x="0" y="120000"/>
+                </a:lnTo>
+                <a:close/>
+              </a:path>
+            </a:pathLst>
+          </a:custGeom>
+        </p:spPr>
+      </p:sp>
+      <p:sp>
+        <p:nvSpPr>
+          <p:cNvPr id="163" name="Google Shape;163;g12f747b4c7f_0_153:notes"/>
+          <p:cNvSpPr txBox="1">
+            <a:spLocks noGrp="1"/>
+          </p:cNvSpPr>
+          <p:nvPr>
+            <p:ph type="body" idx="1"/>
+          </p:nvPr>
+        </p:nvSpPr>
+        <p:spPr>
+          <a:xfrm>
+            <a:off x="685800" y="4343400"/>
+            <a:ext cx="5486400" cy="4114800"/>
+          </a:xfrm>
+          <a:prstGeom prst="rect">
+            <a:avLst/>
+          </a:prstGeom>
+        </p:spPr>
+        <p:txBody>
+          <a:bodyPr spcFirstLastPara="1" wrap="square" lIns="91425" tIns="91425" rIns="91425" bIns="91425" anchor="t" anchorCtr="0">
+            <a:noAutofit/>
+          </a:bodyPr>
+          <a:lstStyle/>
+          <a:p>
+            <a:pPr marL="0" lvl="0" indent="0" algn="l" rtl="0">
+              <a:spcBef>
+                <a:spcPts val="0"/>
+              </a:spcBef>
+              <a:spcAft>
+                <a:spcPts val="0"/>
+              </a:spcAft>
+              <a:buNone/>
+            </a:pPr>
+            <a:endParaRPr/>
+          </a:p>
+        </p:txBody>
+      </p:sp>
+    </p:spTree>
+    <p:extLst>
+      <p:ext uri="{BB962C8B-B14F-4D97-AF65-F5344CB8AC3E}">
+        <p14:creationId xmlns:p14="http://schemas.microsoft.com/office/powerpoint/2010/main" val="4166701826"/>
+      </p:ext>
+    </p:extLst>
+  </p:cSld>
+  <p:clrMapOvr>
+    <a:masterClrMapping/>
+  </p:clrMapOvr>
+</p:notes>
+</file>
+
+<file path=ppt/notesSlides/notesSlide15.xml><?xml version="1.0" encoding="utf-8"?>
+<p:notes xmlns:a="http://schemas.openxmlformats.org/drawingml/2006/main" xmlns:r="http://schemas.openxmlformats.org/officeDocument/2006/relationships" xmlns:p="http://schemas.openxmlformats.org/presentationml/2006/main" showMasterSp="0" showMasterPhAnim="0">
+  <p:cSld>
+    <p:spTree>
+      <p:nvGrpSpPr>
+        <p:cNvPr id="1" name="Shape 161"/>
+        <p:cNvGrpSpPr/>
+        <p:nvPr/>
+      </p:nvGrpSpPr>
+      <p:grpSpPr>
+        <a:xfrm>
+          <a:off x="0" y="0"/>
+          <a:ext cx="0" cy="0"/>
+          <a:chOff x="0" y="0"/>
+          <a:chExt cx="0" cy="0"/>
+        </a:xfrm>
+      </p:grpSpPr>
+      <p:sp>
+        <p:nvSpPr>
+          <p:cNvPr id="162" name="Google Shape;162;g12f747b4c7f_0_153:notes"/>
+          <p:cNvSpPr>
+            <a:spLocks noGrp="1" noRot="1" noChangeAspect="1"/>
+          </p:cNvSpPr>
+          <p:nvPr>
+            <p:ph type="sldImg" idx="2"/>
+          </p:nvPr>
+        </p:nvSpPr>
+        <p:spPr>
+          <a:xfrm>
+            <a:off x="381000" y="685800"/>
+            <a:ext cx="6096000" cy="3429000"/>
+          </a:xfrm>
+          <a:custGeom>
+            <a:avLst/>
+            <a:gdLst/>
+            <a:ahLst/>
+            <a:cxnLst/>
+            <a:rect l="l" t="t" r="r" b="b"/>
+            <a:pathLst>
+              <a:path w="120000" h="120000" extrusionOk="0">
+                <a:moveTo>
+                  <a:pt x="0" y="0"/>
+                </a:moveTo>
+                <a:lnTo>
+                  <a:pt x="120000" y="0"/>
+                </a:lnTo>
+                <a:lnTo>
+                  <a:pt x="120000" y="120000"/>
+                </a:lnTo>
+                <a:lnTo>
+                  <a:pt x="0" y="120000"/>
+                </a:lnTo>
+                <a:close/>
+              </a:path>
+            </a:pathLst>
+          </a:custGeom>
+        </p:spPr>
+      </p:sp>
+      <p:sp>
+        <p:nvSpPr>
+          <p:cNvPr id="163" name="Google Shape;163;g12f747b4c7f_0_153:notes"/>
+          <p:cNvSpPr txBox="1">
+            <a:spLocks noGrp="1"/>
+          </p:cNvSpPr>
+          <p:nvPr>
+            <p:ph type="body" idx="1"/>
+          </p:nvPr>
+        </p:nvSpPr>
+        <p:spPr>
+          <a:xfrm>
+            <a:off x="685800" y="4343400"/>
+            <a:ext cx="5486400" cy="4114800"/>
+          </a:xfrm>
+          <a:prstGeom prst="rect">
+            <a:avLst/>
+          </a:prstGeom>
+        </p:spPr>
+        <p:txBody>
+          <a:bodyPr spcFirstLastPara="1" wrap="square" lIns="91425" tIns="91425" rIns="91425" bIns="91425" anchor="t" anchorCtr="0">
+            <a:noAutofit/>
+          </a:bodyPr>
+          <a:lstStyle/>
+          <a:p>
+            <a:pPr marL="0" lvl="0" indent="0" algn="l" rtl="0">
+              <a:spcBef>
+                <a:spcPts val="0"/>
+              </a:spcBef>
+              <a:spcAft>
+                <a:spcPts val="0"/>
+              </a:spcAft>
+              <a:buNone/>
+            </a:pPr>
+            <a:endParaRPr/>
+          </a:p>
+        </p:txBody>
+      </p:sp>
+    </p:spTree>
+    <p:extLst>
+      <p:ext uri="{BB962C8B-B14F-4D97-AF65-F5344CB8AC3E}">
+        <p14:creationId xmlns:p14="http://schemas.microsoft.com/office/powerpoint/2010/main" val="2285486978"/>
+      </p:ext>
+    </p:extLst>
+  </p:cSld>
+  <p:clrMapOvr>
+    <a:masterClrMapping/>
+  </p:clrMapOvr>
+</p:notes>
+</file>
+
+<file path=ppt/notesSlides/notesSlide16.xml><?xml version="1.0" encoding="utf-8"?>
+<p:notes xmlns:a="http://schemas.openxmlformats.org/drawingml/2006/main" xmlns:r="http://schemas.openxmlformats.org/officeDocument/2006/relationships" xmlns:p="http://schemas.openxmlformats.org/presentationml/2006/main" showMasterSp="0" showMasterPhAnim="0">
+  <p:cSld>
+    <p:spTree>
+      <p:nvGrpSpPr>
+        <p:cNvPr id="1" name="Shape 168"/>
+        <p:cNvGrpSpPr/>
+        <p:nvPr/>
+      </p:nvGrpSpPr>
+      <p:grpSpPr>
+        <a:xfrm>
+          <a:off x="0" y="0"/>
+          <a:ext cx="0" cy="0"/>
+          <a:chOff x="0" y="0"/>
+          <a:chExt cx="0" cy="0"/>
+        </a:xfrm>
+      </p:grpSpPr>
+      <p:sp>
+        <p:nvSpPr>
+          <p:cNvPr id="169" name="Google Shape;169;g1302ca9c754_0_1:notes"/>
+          <p:cNvSpPr>
+            <a:spLocks noGrp="1" noRot="1" noChangeAspect="1"/>
+          </p:cNvSpPr>
+          <p:nvPr>
+            <p:ph type="sldImg" idx="2"/>
+          </p:nvPr>
+        </p:nvSpPr>
+        <p:spPr>
+          <a:xfrm>
+            <a:off x="381000" y="685800"/>
+            <a:ext cx="6096000" cy="3429000"/>
+          </a:xfrm>
+          <a:custGeom>
+            <a:avLst/>
+            <a:gdLst/>
+            <a:ahLst/>
+            <a:cxnLst/>
+            <a:rect l="l" t="t" r="r" b="b"/>
+            <a:pathLst>
+              <a:path w="120000" h="120000" extrusionOk="0">
+                <a:moveTo>
+                  <a:pt x="0" y="0"/>
+                </a:moveTo>
+                <a:lnTo>
+                  <a:pt x="120000" y="0"/>
+                </a:lnTo>
+                <a:lnTo>
+                  <a:pt x="120000" y="120000"/>
+                </a:lnTo>
+                <a:lnTo>
+                  <a:pt x="0" y="120000"/>
+                </a:lnTo>
+                <a:close/>
+              </a:path>
+            </a:pathLst>
+          </a:custGeom>
+        </p:spPr>
+      </p:sp>
+      <p:sp>
+        <p:nvSpPr>
+          <p:cNvPr id="170" name="Google Shape;170;g1302ca9c754_0_1:notes"/>
+          <p:cNvSpPr txBox="1">
+            <a:spLocks noGrp="1"/>
+          </p:cNvSpPr>
+          <p:nvPr>
+            <p:ph type="body" idx="1"/>
+          </p:nvPr>
+        </p:nvSpPr>
+        <p:spPr>
+          <a:xfrm>
+            <a:off x="685800" y="4343400"/>
+            <a:ext cx="5486400" cy="4114800"/>
+          </a:xfrm>
+          <a:prstGeom prst="rect">
+            <a:avLst/>
+          </a:prstGeom>
+        </p:spPr>
+        <p:txBody>
+          <a:bodyPr spcFirstLastPara="1" wrap="square" lIns="91425" tIns="91425" rIns="91425" bIns="91425" anchor="t" anchorCtr="0">
+            <a:noAutofit/>
+          </a:bodyPr>
+          <a:lstStyle/>
+          <a:p>
+            <a:pPr marL="0" lvl="0" indent="0" algn="l" rtl="0">
+              <a:spcBef>
+                <a:spcPts val="0"/>
+              </a:spcBef>
+              <a:spcAft>
+                <a:spcPts val="0"/>
+              </a:spcAft>
+              <a:buNone/>
+            </a:pPr>
+            <a:endParaRPr/>
+          </a:p>
+        </p:txBody>
+      </p:sp>
+    </p:spTree>
+  </p:cSld>
+  <p:clrMapOvr>
+    <a:masterClrMapping/>
+  </p:clrMapOvr>
+</p:notes>
+</file>
+
+<file path=ppt/notesSlides/notesSlide17.xml><?xml version="1.0" encoding="utf-8"?>
+<p:notes xmlns:a="http://schemas.openxmlformats.org/drawingml/2006/main" xmlns:r="http://schemas.openxmlformats.org/officeDocument/2006/relationships" xmlns:p="http://schemas.openxmlformats.org/presentationml/2006/main" showMasterSp="0" showMasterPhAnim="0">
+  <p:cSld>
+    <p:spTree>
+      <p:nvGrpSpPr>
         <p:cNvPr id="1" name="Shape 174"/>
         <p:cNvGrpSpPr/>
         <p:nvPr/>
@@ -944,7 +1745,7 @@
 </p:notes>
 </file>
 
-<file path=ppt/notesSlides/notesSlide11.xml><?xml version="1.0" encoding="utf-8"?>
+<file path=ppt/notesSlides/notesSlide18.xml><?xml version="1.0" encoding="utf-8"?>
 <p:notes xmlns:a="http://schemas.openxmlformats.org/drawingml/2006/main" xmlns:r="http://schemas.openxmlformats.org/officeDocument/2006/relationships" xmlns:p="http://schemas.openxmlformats.org/presentationml/2006/main" showMasterSp="0" showMasterPhAnim="0">
   <p:cSld>
     <p:spTree>
@@ -1389,6 +2190,110 @@
         </p:nvSpPr>
         <p:spPr>
           <a:xfrm>
+            <a:off x="381000" y="685800"/>
+            <a:ext cx="6096000" cy="3429000"/>
+          </a:xfrm>
+          <a:custGeom>
+            <a:avLst/>
+            <a:gdLst/>
+            <a:ahLst/>
+            <a:cxnLst/>
+            <a:rect l="l" t="t" r="r" b="b"/>
+            <a:pathLst>
+              <a:path w="120000" h="120000" extrusionOk="0">
+                <a:moveTo>
+                  <a:pt x="0" y="0"/>
+                </a:moveTo>
+                <a:lnTo>
+                  <a:pt x="120000" y="0"/>
+                </a:lnTo>
+                <a:lnTo>
+                  <a:pt x="120000" y="120000"/>
+                </a:lnTo>
+                <a:lnTo>
+                  <a:pt x="0" y="120000"/>
+                </a:lnTo>
+                <a:close/>
+              </a:path>
+            </a:pathLst>
+          </a:custGeom>
+        </p:spPr>
+      </p:sp>
+      <p:sp>
+        <p:nvSpPr>
+          <p:cNvPr id="156" name="Google Shape;156;g12f747b4c7f_0_145:notes"/>
+          <p:cNvSpPr txBox="1">
+            <a:spLocks noGrp="1"/>
+          </p:cNvSpPr>
+          <p:nvPr>
+            <p:ph type="body" idx="1"/>
+          </p:nvPr>
+        </p:nvSpPr>
+        <p:spPr>
+          <a:xfrm>
+            <a:off x="685800" y="4343400"/>
+            <a:ext cx="5486400" cy="4114800"/>
+          </a:xfrm>
+          <a:prstGeom prst="rect">
+            <a:avLst/>
+          </a:prstGeom>
+        </p:spPr>
+        <p:txBody>
+          <a:bodyPr spcFirstLastPara="1" wrap="square" lIns="91425" tIns="91425" rIns="91425" bIns="91425" anchor="t" anchorCtr="0">
+            <a:noAutofit/>
+          </a:bodyPr>
+          <a:lstStyle/>
+          <a:p>
+            <a:pPr marL="0" lvl="0" indent="0" algn="l" rtl="0">
+              <a:spcBef>
+                <a:spcPts val="0"/>
+              </a:spcBef>
+              <a:spcAft>
+                <a:spcPts val="0"/>
+              </a:spcAft>
+              <a:buNone/>
+            </a:pPr>
+            <a:endParaRPr/>
+          </a:p>
+        </p:txBody>
+      </p:sp>
+    </p:spTree>
+  </p:cSld>
+  <p:clrMapOvr>
+    <a:masterClrMapping/>
+  </p:clrMapOvr>
+</p:notes>
+</file>
+
+<file path=ppt/notesSlides/notesSlide6.xml><?xml version="1.0" encoding="utf-8"?>
+<p:notes xmlns:a="http://schemas.openxmlformats.org/drawingml/2006/main" xmlns:r="http://schemas.openxmlformats.org/officeDocument/2006/relationships" xmlns:p="http://schemas.openxmlformats.org/presentationml/2006/main" showMasterSp="0" showMasterPhAnim="0">
+  <p:cSld>
+    <p:spTree>
+      <p:nvGrpSpPr>
+        <p:cNvPr id="1" name="Shape 154"/>
+        <p:cNvGrpSpPr/>
+        <p:nvPr/>
+      </p:nvGrpSpPr>
+      <p:grpSpPr>
+        <a:xfrm>
+          <a:off x="0" y="0"/>
+          <a:ext cx="0" cy="0"/>
+          <a:chOff x="0" y="0"/>
+          <a:chExt cx="0" cy="0"/>
+        </a:xfrm>
+      </p:grpSpPr>
+      <p:sp>
+        <p:nvSpPr>
+          <p:cNvPr id="155" name="Google Shape;155;g12f747b4c7f_0_145:notes"/>
+          <p:cNvSpPr>
+            <a:spLocks noGrp="1" noRot="1" noChangeAspect="1"/>
+          </p:cNvSpPr>
+          <p:nvPr>
+            <p:ph type="sldImg" idx="2"/>
+          </p:nvPr>
+        </p:nvSpPr>
+        <p:spPr>
+          <a:xfrm>
             <a:off x="381300" y="685800"/>
             <a:ext cx="6096000" cy="3429000"/>
           </a:xfrm>
@@ -1457,6 +2362,11 @@
         </p:txBody>
       </p:sp>
     </p:spTree>
+    <p:extLst>
+      <p:ext uri="{BB962C8B-B14F-4D97-AF65-F5344CB8AC3E}">
+        <p14:creationId xmlns:p14="http://schemas.microsoft.com/office/powerpoint/2010/main" val="522188229"/>
+      </p:ext>
+    </p:extLst>
   </p:cSld>
   <p:clrMapOvr>
     <a:masterClrMapping/>
@@ -1464,7 +2374,7 @@
 </p:notes>
 </file>
 
-<file path=ppt/notesSlides/notesSlide6.xml><?xml version="1.0" encoding="utf-8"?>
+<file path=ppt/notesSlides/notesSlide7.xml><?xml version="1.0" encoding="utf-8"?>
 <p:notes xmlns:a="http://schemas.openxmlformats.org/drawingml/2006/main" xmlns:r="http://schemas.openxmlformats.org/officeDocument/2006/relationships" xmlns:p="http://schemas.openxmlformats.org/presentationml/2006/main" showMasterSp="0" showMasterPhAnim="0">
   <p:cSld>
     <p:spTree>
@@ -1561,115 +2471,6 @@
         </p:txBody>
       </p:sp>
     </p:spTree>
-  </p:cSld>
-  <p:clrMapOvr>
-    <a:masterClrMapping/>
-  </p:clrMapOvr>
-</p:notes>
-</file>
-
-<file path=ppt/notesSlides/notesSlide7.xml><?xml version="1.0" encoding="utf-8"?>
-<p:notes xmlns:a="http://schemas.openxmlformats.org/drawingml/2006/main" xmlns:r="http://schemas.openxmlformats.org/officeDocument/2006/relationships" xmlns:p="http://schemas.openxmlformats.org/presentationml/2006/main" showMasterSp="0" showMasterPhAnim="0">
-  <p:cSld>
-    <p:spTree>
-      <p:nvGrpSpPr>
-        <p:cNvPr id="1" name="Shape 161"/>
-        <p:cNvGrpSpPr/>
-        <p:nvPr/>
-      </p:nvGrpSpPr>
-      <p:grpSpPr>
-        <a:xfrm>
-          <a:off x="0" y="0"/>
-          <a:ext cx="0" cy="0"/>
-          <a:chOff x="0" y="0"/>
-          <a:chExt cx="0" cy="0"/>
-        </a:xfrm>
-      </p:grpSpPr>
-      <p:sp>
-        <p:nvSpPr>
-          <p:cNvPr id="162" name="Google Shape;162;g12f747b4c7f_0_153:notes"/>
-          <p:cNvSpPr>
-            <a:spLocks noGrp="1" noRot="1" noChangeAspect="1"/>
-          </p:cNvSpPr>
-          <p:nvPr>
-            <p:ph type="sldImg" idx="2"/>
-          </p:nvPr>
-        </p:nvSpPr>
-        <p:spPr>
-          <a:xfrm>
-            <a:off x="381000" y="685800"/>
-            <a:ext cx="6096000" cy="3429000"/>
-          </a:xfrm>
-          <a:custGeom>
-            <a:avLst/>
-            <a:gdLst/>
-            <a:ahLst/>
-            <a:cxnLst/>
-            <a:rect l="l" t="t" r="r" b="b"/>
-            <a:pathLst>
-              <a:path w="120000" h="120000" extrusionOk="0">
-                <a:moveTo>
-                  <a:pt x="0" y="0"/>
-                </a:moveTo>
-                <a:lnTo>
-                  <a:pt x="120000" y="0"/>
-                </a:lnTo>
-                <a:lnTo>
-                  <a:pt x="120000" y="120000"/>
-                </a:lnTo>
-                <a:lnTo>
-                  <a:pt x="0" y="120000"/>
-                </a:lnTo>
-                <a:close/>
-              </a:path>
-            </a:pathLst>
-          </a:custGeom>
-        </p:spPr>
-      </p:sp>
-      <p:sp>
-        <p:nvSpPr>
-          <p:cNvPr id="163" name="Google Shape;163;g12f747b4c7f_0_153:notes"/>
-          <p:cNvSpPr txBox="1">
-            <a:spLocks noGrp="1"/>
-          </p:cNvSpPr>
-          <p:nvPr>
-            <p:ph type="body" idx="1"/>
-          </p:nvPr>
-        </p:nvSpPr>
-        <p:spPr>
-          <a:xfrm>
-            <a:off x="685800" y="4343400"/>
-            <a:ext cx="5486400" cy="4114800"/>
-          </a:xfrm>
-          <a:prstGeom prst="rect">
-            <a:avLst/>
-          </a:prstGeom>
-        </p:spPr>
-        <p:txBody>
-          <a:bodyPr spcFirstLastPara="1" wrap="square" lIns="91425" tIns="91425" rIns="91425" bIns="91425" anchor="t" anchorCtr="0">
-            <a:noAutofit/>
-          </a:bodyPr>
-          <a:lstStyle/>
-          <a:p>
-            <a:pPr marL="0" lvl="0" indent="0" algn="l" rtl="0">
-              <a:spcBef>
-                <a:spcPts val="0"/>
-              </a:spcBef>
-              <a:spcAft>
-                <a:spcPts val="0"/>
-              </a:spcAft>
-              <a:buNone/>
-            </a:pPr>
-            <a:endParaRPr/>
-          </a:p>
-        </p:txBody>
-      </p:sp>
-    </p:spTree>
-    <p:extLst>
-      <p:ext uri="{BB962C8B-B14F-4D97-AF65-F5344CB8AC3E}">
-        <p14:creationId xmlns:p14="http://schemas.microsoft.com/office/powerpoint/2010/main" val="3205694878"/>
-      </p:ext>
-    </p:extLst>
   </p:cSld>
   <p:clrMapOvr>
     <a:masterClrMapping/>
@@ -1776,7 +2577,7 @@
     </p:spTree>
     <p:extLst>
       <p:ext uri="{BB962C8B-B14F-4D97-AF65-F5344CB8AC3E}">
-        <p14:creationId xmlns:p14="http://schemas.microsoft.com/office/powerpoint/2010/main" val="3610944600"/>
+        <p14:creationId xmlns:p14="http://schemas.microsoft.com/office/powerpoint/2010/main" val="3205694878"/>
       </p:ext>
     </p:extLst>
   </p:cSld>
@@ -1791,7 +2592,7 @@
   <p:cSld>
     <p:spTree>
       <p:nvGrpSpPr>
-        <p:cNvPr id="1" name="Shape 168"/>
+        <p:cNvPr id="1" name="Shape 161"/>
         <p:cNvGrpSpPr/>
         <p:nvPr/>
       </p:nvGrpSpPr>
@@ -1805,7 +2606,7 @@
       </p:grpSpPr>
       <p:sp>
         <p:nvSpPr>
-          <p:cNvPr id="169" name="Google Shape;169;g1302ca9c754_0_1:notes"/>
+          <p:cNvPr id="162" name="Google Shape;162;g12f747b4c7f_0_153:notes"/>
           <p:cNvSpPr>
             <a:spLocks noGrp="1" noRot="1" noChangeAspect="1"/>
           </p:cNvSpPr>
@@ -1846,7 +2647,7 @@
       </p:sp>
       <p:sp>
         <p:nvSpPr>
-          <p:cNvPr id="170" name="Google Shape;170;g1302ca9c754_0_1:notes"/>
+          <p:cNvPr id="163" name="Google Shape;163;g12f747b4c7f_0_153:notes"/>
           <p:cNvSpPr txBox="1">
             <a:spLocks noGrp="1"/>
           </p:cNvSpPr>
@@ -1883,6 +2684,11 @@
         </p:txBody>
       </p:sp>
     </p:spTree>
+    <p:extLst>
+      <p:ext uri="{BB962C8B-B14F-4D97-AF65-F5344CB8AC3E}">
+        <p14:creationId xmlns:p14="http://schemas.microsoft.com/office/powerpoint/2010/main" val="3610944600"/>
+      </p:ext>
+    </p:extLst>
   </p:cSld>
   <p:clrMapOvr>
     <a:masterClrMapping/>
@@ -10015,10 +10821,10 @@
               <a:buNone/>
             </a:pPr>
             <a:r>
-              <a:rPr lang="es"/>
+              <a:rPr lang="es" dirty="0"/>
               <a:t>Predicción de deserción de clientes</a:t>
             </a:r>
-            <a:endParaRPr/>
+            <a:endParaRPr dirty="0"/>
           </a:p>
         </p:txBody>
       </p:sp>
@@ -10163,2750 +10969,6 @@
 </file>
 
 <file path=ppt/slides/slide10.xml><?xml version="1.0" encoding="utf-8"?>
-<p:sld xmlns:a="http://schemas.openxmlformats.org/drawingml/2006/main" xmlns:r="http://schemas.openxmlformats.org/officeDocument/2006/relationships" xmlns:p="http://schemas.openxmlformats.org/presentationml/2006/main">
-  <p:cSld>
-    <p:spTree>
-      <p:nvGrpSpPr>
-        <p:cNvPr id="1" name="Shape 164"/>
-        <p:cNvGrpSpPr/>
-        <p:nvPr/>
-      </p:nvGrpSpPr>
-      <p:grpSpPr>
-        <a:xfrm>
-          <a:off x="0" y="0"/>
-          <a:ext cx="0" cy="0"/>
-          <a:chOff x="0" y="0"/>
-          <a:chExt cx="0" cy="0"/>
-        </a:xfrm>
-      </p:grpSpPr>
-      <p:sp>
-        <p:nvSpPr>
-          <p:cNvPr id="166" name="Google Shape;166;p18"/>
-          <p:cNvSpPr txBox="1">
-            <a:spLocks noGrp="1"/>
-          </p:cNvSpPr>
-          <p:nvPr>
-            <p:ph type="title"/>
-          </p:nvPr>
-        </p:nvSpPr>
-        <p:spPr>
-          <a:xfrm>
-            <a:off x="1297500" y="393750"/>
-            <a:ext cx="7038900" cy="914100"/>
-          </a:xfrm>
-          <a:prstGeom prst="rect">
-            <a:avLst/>
-          </a:prstGeom>
-        </p:spPr>
-        <p:txBody>
-          <a:bodyPr spcFirstLastPara="1" wrap="square" lIns="91425" tIns="91425" rIns="91425" bIns="91425" anchor="t" anchorCtr="0">
-            <a:normAutofit/>
-          </a:bodyPr>
-          <a:lstStyle/>
-          <a:p>
-            <a:pPr marL="0" lvl="0" indent="0" algn="l" rtl="0">
-              <a:spcBef>
-                <a:spcPts val="0"/>
-              </a:spcBef>
-              <a:spcAft>
-                <a:spcPts val="0"/>
-              </a:spcAft>
-              <a:buNone/>
-            </a:pPr>
-            <a:r>
-              <a:rPr lang="es-AR" dirty="0"/>
-              <a:t>Elección del modelo</a:t>
-            </a:r>
-            <a:endParaRPr dirty="0"/>
-          </a:p>
-        </p:txBody>
-      </p:sp>
-      <p:sp>
-        <p:nvSpPr>
-          <p:cNvPr id="5" name="Google Shape;153;p16">
-            <a:extLst>
-              <a:ext uri="{FF2B5EF4-FFF2-40B4-BE49-F238E27FC236}">
-                <a16:creationId xmlns:a16="http://schemas.microsoft.com/office/drawing/2014/main" id="{F4530497-4234-4C55-8CD6-835F547B8810}"/>
-              </a:ext>
-            </a:extLst>
-          </p:cNvPr>
-          <p:cNvSpPr txBox="1">
-            <a:spLocks noGrp="1"/>
-          </p:cNvSpPr>
-          <p:nvPr>
-            <p:ph type="body" idx="1"/>
-          </p:nvPr>
-        </p:nvSpPr>
-        <p:spPr>
-          <a:xfrm>
-            <a:off x="1297500" y="1567550"/>
-            <a:ext cx="7038900" cy="2911200"/>
-          </a:xfrm>
-          <a:prstGeom prst="rect">
-            <a:avLst/>
-          </a:prstGeom>
-        </p:spPr>
-        <p:txBody>
-          <a:bodyPr spcFirstLastPara="1" wrap="square" lIns="91425" tIns="91425" rIns="91425" bIns="91425" anchor="t" anchorCtr="0">
-            <a:normAutofit/>
-          </a:bodyPr>
-          <a:lstStyle/>
-          <a:p>
-            <a:pPr>
-              <a:lnSpc>
-                <a:spcPct val="200000"/>
-              </a:lnSpc>
-            </a:pPr>
-            <a:r>
-              <a:rPr lang="es-AR" dirty="0"/>
-              <a:t>Gradient Boosting Classifier:</a:t>
-            </a:r>
-          </a:p>
-          <a:p>
-            <a:pPr lvl="1">
-              <a:lnSpc>
-                <a:spcPct val="200000"/>
-              </a:lnSpc>
-            </a:pPr>
-            <a:r>
-              <a:rPr lang="es-AR" dirty="0"/>
-              <a:t>Este modelo presenta la menor cantidad de falsos negativos.</a:t>
-            </a:r>
-          </a:p>
-          <a:p>
-            <a:pPr lvl="1">
-              <a:lnSpc>
-                <a:spcPct val="200000"/>
-              </a:lnSpc>
-            </a:pPr>
-            <a:r>
-              <a:rPr lang="es-AR" dirty="0"/>
-              <a:t>Tiene una capacidad de predecir cerca del 50% de los clientes que abandonan la plataforma.</a:t>
-            </a:r>
-          </a:p>
-          <a:p>
-            <a:pPr lvl="1">
-              <a:lnSpc>
-                <a:spcPct val="200000"/>
-              </a:lnSpc>
-            </a:pPr>
-            <a:r>
-              <a:rPr lang="es-AR" dirty="0"/>
-              <a:t>Tiene una buena presicion a la hora de determinar aquellos clientes que efectivamente no abandonan la plataforma. </a:t>
-            </a:r>
-          </a:p>
-          <a:p>
-            <a:pPr marL="146050" indent="0">
-              <a:buNone/>
-            </a:pPr>
-            <a:endParaRPr dirty="0">
-              <a:latin typeface="Montserrat"/>
-              <a:ea typeface="Montserrat"/>
-              <a:cs typeface="Montserrat"/>
-              <a:sym typeface="Montserrat"/>
-            </a:endParaRPr>
-          </a:p>
-        </p:txBody>
-      </p:sp>
-    </p:spTree>
-    <p:extLst>
-      <p:ext uri="{BB962C8B-B14F-4D97-AF65-F5344CB8AC3E}">
-        <p14:creationId xmlns:p14="http://schemas.microsoft.com/office/powerpoint/2010/main" val="3001752593"/>
-      </p:ext>
-    </p:extLst>
-  </p:cSld>
-  <p:clrMapOvr>
-    <a:masterClrMapping/>
-  </p:clrMapOvr>
-</p:sld>
-</file>
-
-<file path=ppt/slides/slide11.xml><?xml version="1.0" encoding="utf-8"?>
-<p:sld xmlns:a="http://schemas.openxmlformats.org/drawingml/2006/main" xmlns:r="http://schemas.openxmlformats.org/officeDocument/2006/relationships" xmlns:p="http://schemas.openxmlformats.org/presentationml/2006/main">
-  <p:cSld>
-    <p:spTree>
-      <p:nvGrpSpPr>
-        <p:cNvPr id="1" name="Shape 171"/>
-        <p:cNvGrpSpPr/>
-        <p:nvPr/>
-      </p:nvGrpSpPr>
-      <p:grpSpPr>
-        <a:xfrm>
-          <a:off x="0" y="0"/>
-          <a:ext cx="0" cy="0"/>
-          <a:chOff x="0" y="0"/>
-          <a:chExt cx="0" cy="0"/>
-        </a:xfrm>
-      </p:grpSpPr>
-      <p:sp>
-        <p:nvSpPr>
-          <p:cNvPr id="172" name="Google Shape;172;p19"/>
-          <p:cNvSpPr txBox="1">
-            <a:spLocks noGrp="1"/>
-          </p:cNvSpPr>
-          <p:nvPr>
-            <p:ph type="body" idx="1"/>
-          </p:nvPr>
-        </p:nvSpPr>
-        <p:spPr>
-          <a:xfrm>
-            <a:off x="1297500" y="2430175"/>
-            <a:ext cx="7038900" cy="2550600"/>
-          </a:xfrm>
-          <a:prstGeom prst="rect">
-            <a:avLst/>
-          </a:prstGeom>
-        </p:spPr>
-        <p:txBody>
-          <a:bodyPr spcFirstLastPara="1" wrap="square" lIns="91425" tIns="91425" rIns="91425" bIns="91425" anchor="t" anchorCtr="0">
-            <a:normAutofit/>
-          </a:bodyPr>
-          <a:lstStyle/>
-          <a:p>
-            <a:pPr marL="0" marR="38100" lvl="0" indent="0" algn="l" rtl="0">
-              <a:lnSpc>
-                <a:spcPct val="128571"/>
-              </a:lnSpc>
-              <a:spcBef>
-                <a:spcPts val="0"/>
-              </a:spcBef>
-              <a:spcAft>
-                <a:spcPts val="0"/>
-              </a:spcAft>
-              <a:buNone/>
-            </a:pPr>
-            <a:r>
-              <a:rPr lang="es">
-                <a:latin typeface="Montserrat"/>
-                <a:ea typeface="Montserrat"/>
-                <a:cs typeface="Montserrat"/>
-                <a:sym typeface="Montserrat"/>
-              </a:rPr>
-              <a:t>Consiste en un modelo que predice el valor de una variable objetivo mediante el aprendizaje de reglas de decisión simples deducidas de las características de los datos.</a:t>
-            </a:r>
-            <a:endParaRPr>
-              <a:latin typeface="Montserrat"/>
-              <a:ea typeface="Montserrat"/>
-              <a:cs typeface="Montserrat"/>
-              <a:sym typeface="Montserrat"/>
-            </a:endParaRPr>
-          </a:p>
-          <a:p>
-            <a:pPr marL="0" marR="38100" lvl="0" indent="0" algn="l" rtl="0">
-              <a:lnSpc>
-                <a:spcPct val="128571"/>
-              </a:lnSpc>
-              <a:spcBef>
-                <a:spcPts val="0"/>
-              </a:spcBef>
-              <a:spcAft>
-                <a:spcPts val="0"/>
-              </a:spcAft>
-              <a:buNone/>
-            </a:pPr>
-            <a:endParaRPr>
-              <a:latin typeface="Montserrat"/>
-              <a:ea typeface="Montserrat"/>
-              <a:cs typeface="Montserrat"/>
-              <a:sym typeface="Montserrat"/>
-            </a:endParaRPr>
-          </a:p>
-          <a:p>
-            <a:pPr marL="0" marR="38100" lvl="0" indent="0" algn="l" rtl="0">
-              <a:lnSpc>
-                <a:spcPct val="128571"/>
-              </a:lnSpc>
-              <a:spcBef>
-                <a:spcPts val="0"/>
-              </a:spcBef>
-              <a:spcAft>
-                <a:spcPts val="0"/>
-              </a:spcAft>
-              <a:buNone/>
-            </a:pPr>
-            <a:r>
-              <a:rPr lang="es">
-                <a:latin typeface="Montserrat"/>
-                <a:ea typeface="Montserrat"/>
-                <a:cs typeface="Montserrat"/>
-                <a:sym typeface="Montserrat"/>
-              </a:rPr>
-              <a:t>Algunas de sus características principales son:</a:t>
-            </a:r>
-            <a:endParaRPr>
-              <a:latin typeface="Montserrat"/>
-              <a:ea typeface="Montserrat"/>
-              <a:cs typeface="Montserrat"/>
-              <a:sym typeface="Montserrat"/>
-            </a:endParaRPr>
-          </a:p>
-          <a:p>
-            <a:pPr marL="457200" marR="38100" lvl="0" indent="-311150" algn="l" rtl="0">
-              <a:lnSpc>
-                <a:spcPct val="128571"/>
-              </a:lnSpc>
-              <a:spcBef>
-                <a:spcPts val="0"/>
-              </a:spcBef>
-              <a:spcAft>
-                <a:spcPts val="0"/>
-              </a:spcAft>
-              <a:buSzPts val="1300"/>
-              <a:buFont typeface="Montserrat"/>
-              <a:buChar char="●"/>
-            </a:pPr>
-            <a:r>
-              <a:rPr lang="es">
-                <a:latin typeface="Montserrat"/>
-                <a:ea typeface="Montserrat"/>
-                <a:cs typeface="Montserrat"/>
-                <a:sym typeface="Montserrat"/>
-              </a:rPr>
-              <a:t>Requiere poca preparación de los datos.</a:t>
-            </a:r>
-            <a:endParaRPr>
-              <a:latin typeface="Montserrat"/>
-              <a:ea typeface="Montserrat"/>
-              <a:cs typeface="Montserrat"/>
-              <a:sym typeface="Montserrat"/>
-            </a:endParaRPr>
-          </a:p>
-          <a:p>
-            <a:pPr marL="457200" marR="38100" lvl="0" indent="-311150" algn="l" rtl="0">
-              <a:lnSpc>
-                <a:spcPct val="128571"/>
-              </a:lnSpc>
-              <a:spcBef>
-                <a:spcPts val="0"/>
-              </a:spcBef>
-              <a:spcAft>
-                <a:spcPts val="0"/>
-              </a:spcAft>
-              <a:buSzPts val="1300"/>
-              <a:buFont typeface="Montserrat"/>
-              <a:buChar char="●"/>
-            </a:pPr>
-            <a:r>
-              <a:rPr lang="es">
-                <a:latin typeface="Montserrat"/>
-                <a:ea typeface="Montserrat"/>
-                <a:cs typeface="Montserrat"/>
-                <a:sym typeface="Montserrat"/>
-              </a:rPr>
-              <a:t>Posibilidad de validar un modelo mediante pruebas estadísticas.</a:t>
-            </a:r>
-            <a:endParaRPr>
-              <a:latin typeface="Montserrat"/>
-              <a:ea typeface="Montserrat"/>
-              <a:cs typeface="Montserrat"/>
-              <a:sym typeface="Montserrat"/>
-            </a:endParaRPr>
-          </a:p>
-          <a:p>
-            <a:pPr marL="457200" marR="38100" lvl="0" indent="-311150" algn="l" rtl="0">
-              <a:lnSpc>
-                <a:spcPct val="128571"/>
-              </a:lnSpc>
-              <a:spcBef>
-                <a:spcPts val="0"/>
-              </a:spcBef>
-              <a:spcAft>
-                <a:spcPts val="0"/>
-              </a:spcAft>
-              <a:buSzPts val="1300"/>
-              <a:buFont typeface="Montserrat"/>
-              <a:buChar char="●"/>
-            </a:pPr>
-            <a:r>
-              <a:rPr lang="es">
-                <a:latin typeface="Montserrat"/>
-                <a:ea typeface="Montserrat"/>
-                <a:cs typeface="Montserrat"/>
-                <a:sym typeface="Montserrat"/>
-              </a:rPr>
-              <a:t>Capaz de manejar datos numéricos y categóricos.</a:t>
-            </a:r>
-            <a:endParaRPr>
-              <a:latin typeface="Montserrat"/>
-              <a:ea typeface="Montserrat"/>
-              <a:cs typeface="Montserrat"/>
-              <a:sym typeface="Montserrat"/>
-            </a:endParaRPr>
-          </a:p>
-          <a:p>
-            <a:pPr marL="457200" marR="38100" lvl="0" indent="0" algn="l" rtl="0">
-              <a:lnSpc>
-                <a:spcPct val="128571"/>
-              </a:lnSpc>
-              <a:spcBef>
-                <a:spcPts val="0"/>
-              </a:spcBef>
-              <a:spcAft>
-                <a:spcPts val="0"/>
-              </a:spcAft>
-              <a:buNone/>
-            </a:pPr>
-            <a:endParaRPr>
-              <a:latin typeface="Montserrat"/>
-              <a:ea typeface="Montserrat"/>
-              <a:cs typeface="Montserrat"/>
-              <a:sym typeface="Montserrat"/>
-            </a:endParaRPr>
-          </a:p>
-          <a:p>
-            <a:pPr marL="457200" marR="38100" lvl="0" indent="0" algn="l" rtl="0">
-              <a:lnSpc>
-                <a:spcPct val="128571"/>
-              </a:lnSpc>
-              <a:spcBef>
-                <a:spcPts val="0"/>
-              </a:spcBef>
-              <a:spcAft>
-                <a:spcPts val="0"/>
-              </a:spcAft>
-              <a:buNone/>
-            </a:pPr>
-            <a:endParaRPr>
-              <a:latin typeface="Montserrat"/>
-              <a:ea typeface="Montserrat"/>
-              <a:cs typeface="Montserrat"/>
-              <a:sym typeface="Montserrat"/>
-            </a:endParaRPr>
-          </a:p>
-          <a:p>
-            <a:pPr marL="0" marR="38100" lvl="0" indent="0" algn="l" rtl="0">
-              <a:lnSpc>
-                <a:spcPct val="128571"/>
-              </a:lnSpc>
-              <a:spcBef>
-                <a:spcPts val="0"/>
-              </a:spcBef>
-              <a:spcAft>
-                <a:spcPts val="0"/>
-              </a:spcAft>
-              <a:buNone/>
-            </a:pPr>
-            <a:endParaRPr>
-              <a:latin typeface="Montserrat"/>
-              <a:ea typeface="Montserrat"/>
-              <a:cs typeface="Montserrat"/>
-              <a:sym typeface="Montserrat"/>
-            </a:endParaRPr>
-          </a:p>
-        </p:txBody>
-      </p:sp>
-      <p:sp>
-        <p:nvSpPr>
-          <p:cNvPr id="173" name="Google Shape;173;p19"/>
-          <p:cNvSpPr txBox="1">
-            <a:spLocks noGrp="1"/>
-          </p:cNvSpPr>
-          <p:nvPr>
-            <p:ph type="title"/>
-          </p:nvPr>
-        </p:nvSpPr>
-        <p:spPr>
-          <a:xfrm>
-            <a:off x="1297500" y="393750"/>
-            <a:ext cx="7038900" cy="1317300"/>
-          </a:xfrm>
-          <a:prstGeom prst="rect">
-            <a:avLst/>
-          </a:prstGeom>
-        </p:spPr>
-        <p:txBody>
-          <a:bodyPr spcFirstLastPara="1" wrap="square" lIns="91425" tIns="91425" rIns="91425" bIns="91425" anchor="t" anchorCtr="0">
-            <a:normAutofit/>
-          </a:bodyPr>
-          <a:lstStyle/>
-          <a:p>
-            <a:pPr marL="0" lvl="0" indent="0" algn="l" rtl="0">
-              <a:spcBef>
-                <a:spcPts val="0"/>
-              </a:spcBef>
-              <a:spcAft>
-                <a:spcPts val="0"/>
-              </a:spcAft>
-              <a:buNone/>
-            </a:pPr>
-            <a:r>
-              <a:rPr lang="es"/>
-              <a:t>Modelos Implementados</a:t>
-            </a:r>
-            <a:endParaRPr/>
-          </a:p>
-          <a:p>
-            <a:pPr marL="0" lvl="0" indent="0" algn="l" rtl="0">
-              <a:spcBef>
-                <a:spcPts val="0"/>
-              </a:spcBef>
-              <a:spcAft>
-                <a:spcPts val="0"/>
-              </a:spcAft>
-              <a:buNone/>
-            </a:pPr>
-            <a:endParaRPr/>
-          </a:p>
-          <a:p>
-            <a:pPr marL="457200" lvl="0" indent="-381000" algn="l" rtl="0">
-              <a:spcBef>
-                <a:spcPts val="0"/>
-              </a:spcBef>
-              <a:spcAft>
-                <a:spcPts val="0"/>
-              </a:spcAft>
-              <a:buSzPts val="2400"/>
-              <a:buAutoNum type="arabicPeriod"/>
-            </a:pPr>
-            <a:r>
-              <a:rPr lang="es"/>
-              <a:t>DecisionTreeClassifier</a:t>
-            </a:r>
-            <a:endParaRPr/>
-          </a:p>
-        </p:txBody>
-      </p:sp>
-    </p:spTree>
-  </p:cSld>
-  <p:clrMapOvr>
-    <a:masterClrMapping/>
-  </p:clrMapOvr>
-</p:sld>
-</file>
-
-<file path=ppt/slides/slide12.xml><?xml version="1.0" encoding="utf-8"?>
-<p:sld xmlns:a="http://schemas.openxmlformats.org/drawingml/2006/main" xmlns:r="http://schemas.openxmlformats.org/officeDocument/2006/relationships" xmlns:p="http://schemas.openxmlformats.org/presentationml/2006/main">
-  <p:cSld>
-    <p:spTree>
-      <p:nvGrpSpPr>
-        <p:cNvPr id="1" name="Shape 177"/>
-        <p:cNvGrpSpPr/>
-        <p:nvPr/>
-      </p:nvGrpSpPr>
-      <p:grpSpPr>
-        <a:xfrm>
-          <a:off x="0" y="0"/>
-          <a:ext cx="0" cy="0"/>
-          <a:chOff x="0" y="0"/>
-          <a:chExt cx="0" cy="0"/>
-        </a:xfrm>
-      </p:grpSpPr>
-      <p:sp>
-        <p:nvSpPr>
-          <p:cNvPr id="178" name="Google Shape;178;p20"/>
-          <p:cNvSpPr txBox="1">
-            <a:spLocks noGrp="1"/>
-          </p:cNvSpPr>
-          <p:nvPr>
-            <p:ph type="title"/>
-          </p:nvPr>
-        </p:nvSpPr>
-        <p:spPr>
-          <a:xfrm>
-            <a:off x="1297500" y="393750"/>
-            <a:ext cx="7038900" cy="1317300"/>
-          </a:xfrm>
-          <a:prstGeom prst="rect">
-            <a:avLst/>
-          </a:prstGeom>
-        </p:spPr>
-        <p:txBody>
-          <a:bodyPr spcFirstLastPara="1" wrap="square" lIns="91425" tIns="91425" rIns="91425" bIns="91425" anchor="t" anchorCtr="0">
-            <a:noAutofit/>
-          </a:bodyPr>
-          <a:lstStyle/>
-          <a:p>
-            <a:pPr marL="0" lvl="0" indent="0" algn="l" rtl="0">
-              <a:spcBef>
-                <a:spcPts val="0"/>
-              </a:spcBef>
-              <a:spcAft>
-                <a:spcPts val="0"/>
-              </a:spcAft>
-              <a:buNone/>
-            </a:pPr>
-            <a:endParaRPr/>
-          </a:p>
-          <a:p>
-            <a:pPr marL="0" lvl="0" indent="0" algn="l" rtl="0">
-              <a:spcBef>
-                <a:spcPts val="0"/>
-              </a:spcBef>
-              <a:spcAft>
-                <a:spcPts val="0"/>
-              </a:spcAft>
-              <a:buNone/>
-            </a:pPr>
-            <a:endParaRPr/>
-          </a:p>
-          <a:p>
-            <a:pPr marL="457200" lvl="0" indent="-381000" algn="l" rtl="0">
-              <a:spcBef>
-                <a:spcPts val="0"/>
-              </a:spcBef>
-              <a:spcAft>
-                <a:spcPts val="0"/>
-              </a:spcAft>
-              <a:buSzPts val="2400"/>
-              <a:buAutoNum type="arabicPeriod" startAt="2"/>
-            </a:pPr>
-            <a:r>
-              <a:rPr lang="es"/>
-              <a:t>KNN-</a:t>
-            </a:r>
-            <a:r>
-              <a:rPr lang="es" sz="2300">
-                <a:latin typeface="Roboto"/>
-                <a:ea typeface="Roboto"/>
-                <a:cs typeface="Roboto"/>
-                <a:sym typeface="Roboto"/>
-              </a:rPr>
-              <a:t>KNeighborsClassifier</a:t>
-            </a:r>
-            <a:endParaRPr sz="2300">
-              <a:latin typeface="Roboto"/>
-              <a:ea typeface="Roboto"/>
-              <a:cs typeface="Roboto"/>
-              <a:sym typeface="Roboto"/>
-            </a:endParaRPr>
-          </a:p>
-          <a:p>
-            <a:pPr marL="457200" lvl="0" indent="0" algn="l" rtl="0">
-              <a:spcBef>
-                <a:spcPts val="0"/>
-              </a:spcBef>
-              <a:spcAft>
-                <a:spcPts val="0"/>
-              </a:spcAft>
-              <a:buNone/>
-            </a:pPr>
-            <a:r>
-              <a:rPr lang="es"/>
-              <a:t> </a:t>
-            </a:r>
-            <a:endParaRPr/>
-          </a:p>
-        </p:txBody>
-      </p:sp>
-      <p:sp>
-        <p:nvSpPr>
-          <p:cNvPr id="179" name="Google Shape;179;p20"/>
-          <p:cNvSpPr txBox="1">
-            <a:spLocks noGrp="1"/>
-          </p:cNvSpPr>
-          <p:nvPr>
-            <p:ph type="body" idx="1"/>
-          </p:nvPr>
-        </p:nvSpPr>
-        <p:spPr>
-          <a:xfrm>
-            <a:off x="1297500" y="2430175"/>
-            <a:ext cx="7038900" cy="2550600"/>
-          </a:xfrm>
-          <a:prstGeom prst="rect">
-            <a:avLst/>
-          </a:prstGeom>
-        </p:spPr>
-        <p:txBody>
-          <a:bodyPr spcFirstLastPara="1" wrap="square" lIns="91425" tIns="91425" rIns="91425" bIns="91425" anchor="t" anchorCtr="0">
-            <a:normAutofit fontScale="77500" lnSpcReduction="20000"/>
-          </a:bodyPr>
-          <a:lstStyle/>
-          <a:p>
-            <a:pPr marL="0" marR="38100" lvl="0" indent="0" algn="l" rtl="0">
-              <a:lnSpc>
-                <a:spcPct val="128571"/>
-              </a:lnSpc>
-              <a:spcBef>
-                <a:spcPts val="0"/>
-              </a:spcBef>
-              <a:spcAft>
-                <a:spcPts val="0"/>
-              </a:spcAft>
-              <a:buNone/>
-            </a:pPr>
-            <a:r>
-              <a:rPr lang="es" sz="2100">
-                <a:latin typeface="Montserrat"/>
-                <a:ea typeface="Montserrat"/>
-                <a:cs typeface="Montserrat"/>
-                <a:sym typeface="Montserrat"/>
-              </a:rPr>
-              <a:t>La clasificación basada en vecinos es un tipo de aprendizaje basado en instancias o aprendizaje no generalizador: no intenta construir un modelo interno general, sino que simplemente almacena instancias de los datos de entrenamiento. La clasificación se calcula a partir de un voto de mayoría simple de los vecinos más cercanos de cada punto: a un punto de consulta se le asigna la clase de datos que tiene la mayor cantidad de representantes dentro de los vecinos más cercanos del punto.</a:t>
-            </a:r>
-            <a:endParaRPr sz="2100">
-              <a:latin typeface="Montserrat"/>
-              <a:ea typeface="Montserrat"/>
-              <a:cs typeface="Montserrat"/>
-              <a:sym typeface="Montserrat"/>
-            </a:endParaRPr>
-          </a:p>
-          <a:p>
-            <a:pPr marL="0" marR="38100" lvl="0" indent="0" algn="l" rtl="0">
-              <a:lnSpc>
-                <a:spcPct val="128571"/>
-              </a:lnSpc>
-              <a:spcBef>
-                <a:spcPts val="0"/>
-              </a:spcBef>
-              <a:spcAft>
-                <a:spcPts val="0"/>
-              </a:spcAft>
-              <a:buNone/>
-            </a:pPr>
-            <a:endParaRPr>
-              <a:latin typeface="Montserrat"/>
-              <a:ea typeface="Montserrat"/>
-              <a:cs typeface="Montserrat"/>
-              <a:sym typeface="Montserrat"/>
-            </a:endParaRPr>
-          </a:p>
-          <a:p>
-            <a:pPr marL="0" marR="38100" lvl="0" indent="0" algn="l" rtl="0">
-              <a:lnSpc>
-                <a:spcPct val="128571"/>
-              </a:lnSpc>
-              <a:spcBef>
-                <a:spcPts val="0"/>
-              </a:spcBef>
-              <a:spcAft>
-                <a:spcPts val="0"/>
-              </a:spcAft>
-              <a:buNone/>
-            </a:pPr>
-            <a:endParaRPr>
-              <a:latin typeface="Montserrat"/>
-              <a:ea typeface="Montserrat"/>
-              <a:cs typeface="Montserrat"/>
-              <a:sym typeface="Montserrat"/>
-            </a:endParaRPr>
-          </a:p>
-          <a:p>
-            <a:pPr marL="457200" marR="38100" lvl="0" indent="0" algn="l" rtl="0">
-              <a:lnSpc>
-                <a:spcPct val="128571"/>
-              </a:lnSpc>
-              <a:spcBef>
-                <a:spcPts val="0"/>
-              </a:spcBef>
-              <a:spcAft>
-                <a:spcPts val="0"/>
-              </a:spcAft>
-              <a:buNone/>
-            </a:pPr>
-            <a:endParaRPr>
-              <a:latin typeface="Montserrat"/>
-              <a:ea typeface="Montserrat"/>
-              <a:cs typeface="Montserrat"/>
-              <a:sym typeface="Montserrat"/>
-            </a:endParaRPr>
-          </a:p>
-          <a:p>
-            <a:pPr marL="457200" marR="38100" lvl="0" indent="0" algn="l" rtl="0">
-              <a:lnSpc>
-                <a:spcPct val="128571"/>
-              </a:lnSpc>
-              <a:spcBef>
-                <a:spcPts val="0"/>
-              </a:spcBef>
-              <a:spcAft>
-                <a:spcPts val="0"/>
-              </a:spcAft>
-              <a:buNone/>
-            </a:pPr>
-            <a:endParaRPr>
-              <a:latin typeface="Montserrat"/>
-              <a:ea typeface="Montserrat"/>
-              <a:cs typeface="Montserrat"/>
-              <a:sym typeface="Montserrat"/>
-            </a:endParaRPr>
-          </a:p>
-          <a:p>
-            <a:pPr marL="0" marR="38100" lvl="0" indent="0" algn="l" rtl="0">
-              <a:lnSpc>
-                <a:spcPct val="128571"/>
-              </a:lnSpc>
-              <a:spcBef>
-                <a:spcPts val="0"/>
-              </a:spcBef>
-              <a:spcAft>
-                <a:spcPts val="0"/>
-              </a:spcAft>
-              <a:buNone/>
-            </a:pPr>
-            <a:endParaRPr>
-              <a:latin typeface="Montserrat"/>
-              <a:ea typeface="Montserrat"/>
-              <a:cs typeface="Montserrat"/>
-              <a:sym typeface="Montserrat"/>
-            </a:endParaRPr>
-          </a:p>
-        </p:txBody>
-      </p:sp>
-    </p:spTree>
-  </p:cSld>
-  <p:clrMapOvr>
-    <a:masterClrMapping/>
-  </p:clrMapOvr>
-</p:sld>
-</file>
-
-<file path=ppt/slides/slide13.xml><?xml version="1.0" encoding="utf-8"?>
-<p:sld xmlns:a="http://schemas.openxmlformats.org/drawingml/2006/main" xmlns:r="http://schemas.openxmlformats.org/officeDocument/2006/relationships" xmlns:p="http://schemas.openxmlformats.org/presentationml/2006/main">
-  <p:cSld>
-    <p:spTree>
-      <p:nvGrpSpPr>
-        <p:cNvPr id="1" name="Shape 183"/>
-        <p:cNvGrpSpPr/>
-        <p:nvPr/>
-      </p:nvGrpSpPr>
-      <p:grpSpPr>
-        <a:xfrm>
-          <a:off x="0" y="0"/>
-          <a:ext cx="0" cy="0"/>
-          <a:chOff x="0" y="0"/>
-          <a:chExt cx="0" cy="0"/>
-        </a:xfrm>
-      </p:grpSpPr>
-      <p:sp>
-        <p:nvSpPr>
-          <p:cNvPr id="184" name="Google Shape;184;p21"/>
-          <p:cNvSpPr txBox="1">
-            <a:spLocks noGrp="1"/>
-          </p:cNvSpPr>
-          <p:nvPr>
-            <p:ph type="title"/>
-          </p:nvPr>
-        </p:nvSpPr>
-        <p:spPr>
-          <a:xfrm>
-            <a:off x="1297500" y="393750"/>
-            <a:ext cx="7038900" cy="1317300"/>
-          </a:xfrm>
-          <a:prstGeom prst="rect">
-            <a:avLst/>
-          </a:prstGeom>
-        </p:spPr>
-        <p:txBody>
-          <a:bodyPr spcFirstLastPara="1" wrap="square" lIns="91425" tIns="91425" rIns="91425" bIns="91425" anchor="t" anchorCtr="0">
-            <a:noAutofit/>
-          </a:bodyPr>
-          <a:lstStyle/>
-          <a:p>
-            <a:pPr marL="0" lvl="0" indent="0" algn="l" rtl="0">
-              <a:spcBef>
-                <a:spcPts val="0"/>
-              </a:spcBef>
-              <a:spcAft>
-                <a:spcPts val="0"/>
-              </a:spcAft>
-              <a:buNone/>
-            </a:pPr>
-            <a:endParaRPr/>
-          </a:p>
-          <a:p>
-            <a:pPr marL="0" lvl="0" indent="0" algn="l" rtl="0">
-              <a:spcBef>
-                <a:spcPts val="0"/>
-              </a:spcBef>
-              <a:spcAft>
-                <a:spcPts val="0"/>
-              </a:spcAft>
-              <a:buNone/>
-            </a:pPr>
-            <a:endParaRPr/>
-          </a:p>
-          <a:p>
-            <a:pPr marL="457200" lvl="0" indent="-381000" algn="l" rtl="0">
-              <a:spcBef>
-                <a:spcPts val="0"/>
-              </a:spcBef>
-              <a:spcAft>
-                <a:spcPts val="0"/>
-              </a:spcAft>
-              <a:buSzPts val="2400"/>
-              <a:buAutoNum type="arabicPeriod" startAt="3"/>
-            </a:pPr>
-            <a:r>
-              <a:rPr lang="es"/>
-              <a:t>Gradient Boosting Classifier</a:t>
-            </a:r>
-            <a:endParaRPr/>
-          </a:p>
-        </p:txBody>
-      </p:sp>
-      <p:sp>
-        <p:nvSpPr>
-          <p:cNvPr id="185" name="Google Shape;185;p21"/>
-          <p:cNvSpPr txBox="1">
-            <a:spLocks noGrp="1"/>
-          </p:cNvSpPr>
-          <p:nvPr>
-            <p:ph type="body" idx="1"/>
-          </p:nvPr>
-        </p:nvSpPr>
-        <p:spPr>
-          <a:xfrm>
-            <a:off x="1297500" y="2185900"/>
-            <a:ext cx="7038900" cy="2550600"/>
-          </a:xfrm>
-          <a:prstGeom prst="rect">
-            <a:avLst/>
-          </a:prstGeom>
-        </p:spPr>
-        <p:txBody>
-          <a:bodyPr spcFirstLastPara="1" wrap="square" lIns="91425" tIns="91425" rIns="91425" bIns="91425" anchor="t" anchorCtr="0">
-            <a:normAutofit fontScale="92500"/>
-          </a:bodyPr>
-          <a:lstStyle/>
-          <a:p>
-            <a:pPr marL="0" marR="38100" lvl="0" indent="0" algn="l" rtl="0">
-              <a:lnSpc>
-                <a:spcPct val="128571"/>
-              </a:lnSpc>
-              <a:spcBef>
-                <a:spcPts val="0"/>
-              </a:spcBef>
-              <a:spcAft>
-                <a:spcPts val="0"/>
-              </a:spcAft>
-              <a:buNone/>
-            </a:pPr>
-            <a:endParaRPr>
-              <a:latin typeface="Montserrat"/>
-              <a:ea typeface="Montserrat"/>
-              <a:cs typeface="Montserrat"/>
-              <a:sym typeface="Montserrat"/>
-            </a:endParaRPr>
-          </a:p>
-          <a:p>
-            <a:pPr marL="0" marR="38100" lvl="0" indent="0" algn="l" rtl="0">
-              <a:lnSpc>
-                <a:spcPct val="128571"/>
-              </a:lnSpc>
-              <a:spcBef>
-                <a:spcPts val="0"/>
-              </a:spcBef>
-              <a:spcAft>
-                <a:spcPts val="0"/>
-              </a:spcAft>
-              <a:buNone/>
-            </a:pPr>
-            <a:r>
-              <a:rPr lang="es" sz="1567">
-                <a:latin typeface="Montserrat"/>
-                <a:ea typeface="Montserrat"/>
-                <a:cs typeface="Montserrat"/>
-                <a:sym typeface="Montserrat"/>
-              </a:rPr>
-              <a:t>Gradient Boosting construye un modelo aditivo en una forma avanzada por etapas; permite la optimización de funciones de pérdida diferenciables arbitrarias.</a:t>
-            </a:r>
-            <a:endParaRPr>
-              <a:latin typeface="Montserrat"/>
-              <a:ea typeface="Montserrat"/>
-              <a:cs typeface="Montserrat"/>
-              <a:sym typeface="Montserrat"/>
-            </a:endParaRPr>
-          </a:p>
-          <a:p>
-            <a:pPr marL="0" marR="38100" lvl="0" indent="0" algn="l" rtl="0">
-              <a:lnSpc>
-                <a:spcPct val="128571"/>
-              </a:lnSpc>
-              <a:spcBef>
-                <a:spcPts val="0"/>
-              </a:spcBef>
-              <a:spcAft>
-                <a:spcPts val="0"/>
-              </a:spcAft>
-              <a:buNone/>
-            </a:pPr>
-            <a:endParaRPr>
-              <a:latin typeface="Montserrat"/>
-              <a:ea typeface="Montserrat"/>
-              <a:cs typeface="Montserrat"/>
-              <a:sym typeface="Montserrat"/>
-            </a:endParaRPr>
-          </a:p>
-          <a:p>
-            <a:pPr marL="0" marR="38100" lvl="0" indent="0" algn="l" rtl="0">
-              <a:lnSpc>
-                <a:spcPct val="128571"/>
-              </a:lnSpc>
-              <a:spcBef>
-                <a:spcPts val="0"/>
-              </a:spcBef>
-              <a:spcAft>
-                <a:spcPts val="0"/>
-              </a:spcAft>
-              <a:buNone/>
-            </a:pPr>
-            <a:r>
-              <a:rPr lang="es" sz="1535">
-                <a:latin typeface="Montserrat"/>
-                <a:ea typeface="Montserrat"/>
-                <a:cs typeface="Montserrat"/>
-                <a:sym typeface="Montserrat"/>
-              </a:rPr>
-              <a:t>Es un procedimiento listo para usar, preciso y efectivo que se puede usar tanto para problemas de regresión como de clasificación en una variedad de áreas que incluyen clasificación de búsqueda web y ecología.</a:t>
-            </a:r>
-            <a:endParaRPr sz="1535">
-              <a:latin typeface="Montserrat"/>
-              <a:ea typeface="Montserrat"/>
-              <a:cs typeface="Montserrat"/>
-              <a:sym typeface="Montserrat"/>
-            </a:endParaRPr>
-          </a:p>
-          <a:p>
-            <a:pPr marL="0" marR="38100" lvl="0" indent="0" algn="l" rtl="0">
-              <a:lnSpc>
-                <a:spcPct val="128571"/>
-              </a:lnSpc>
-              <a:spcBef>
-                <a:spcPts val="0"/>
-              </a:spcBef>
-              <a:spcAft>
-                <a:spcPts val="0"/>
-              </a:spcAft>
-              <a:buNone/>
-            </a:pPr>
-            <a:endParaRPr>
-              <a:latin typeface="Montserrat"/>
-              <a:ea typeface="Montserrat"/>
-              <a:cs typeface="Montserrat"/>
-              <a:sym typeface="Montserrat"/>
-            </a:endParaRPr>
-          </a:p>
-          <a:p>
-            <a:pPr marL="457200" marR="38100" lvl="0" indent="0" algn="l" rtl="0">
-              <a:lnSpc>
-                <a:spcPct val="128571"/>
-              </a:lnSpc>
-              <a:spcBef>
-                <a:spcPts val="0"/>
-              </a:spcBef>
-              <a:spcAft>
-                <a:spcPts val="0"/>
-              </a:spcAft>
-              <a:buNone/>
-            </a:pPr>
-            <a:endParaRPr>
-              <a:latin typeface="Montserrat"/>
-              <a:ea typeface="Montserrat"/>
-              <a:cs typeface="Montserrat"/>
-              <a:sym typeface="Montserrat"/>
-            </a:endParaRPr>
-          </a:p>
-          <a:p>
-            <a:pPr marL="457200" marR="38100" lvl="0" indent="0" algn="l" rtl="0">
-              <a:lnSpc>
-                <a:spcPct val="128571"/>
-              </a:lnSpc>
-              <a:spcBef>
-                <a:spcPts val="0"/>
-              </a:spcBef>
-              <a:spcAft>
-                <a:spcPts val="0"/>
-              </a:spcAft>
-              <a:buNone/>
-            </a:pPr>
-            <a:endParaRPr>
-              <a:latin typeface="Montserrat"/>
-              <a:ea typeface="Montserrat"/>
-              <a:cs typeface="Montserrat"/>
-              <a:sym typeface="Montserrat"/>
-            </a:endParaRPr>
-          </a:p>
-          <a:p>
-            <a:pPr marL="0" marR="38100" lvl="0" indent="0" algn="l" rtl="0">
-              <a:lnSpc>
-                <a:spcPct val="128571"/>
-              </a:lnSpc>
-              <a:spcBef>
-                <a:spcPts val="0"/>
-              </a:spcBef>
-              <a:spcAft>
-                <a:spcPts val="0"/>
-              </a:spcAft>
-              <a:buNone/>
-            </a:pPr>
-            <a:endParaRPr>
-              <a:latin typeface="Montserrat"/>
-              <a:ea typeface="Montserrat"/>
-              <a:cs typeface="Montserrat"/>
-              <a:sym typeface="Montserrat"/>
-            </a:endParaRPr>
-          </a:p>
-        </p:txBody>
-      </p:sp>
-    </p:spTree>
-  </p:cSld>
-  <p:clrMapOvr>
-    <a:masterClrMapping/>
-  </p:clrMapOvr>
-</p:sld>
-</file>
-
-<file path=ppt/slides/slide2.xml><?xml version="1.0" encoding="utf-8"?>
-<p:sld xmlns:a="http://schemas.openxmlformats.org/drawingml/2006/main" xmlns:r="http://schemas.openxmlformats.org/officeDocument/2006/relationships" xmlns:p="http://schemas.openxmlformats.org/presentationml/2006/main">
-  <p:cSld>
-    <p:spTree>
-      <p:nvGrpSpPr>
-        <p:cNvPr id="1" name="Shape 139"/>
-        <p:cNvGrpSpPr/>
-        <p:nvPr/>
-      </p:nvGrpSpPr>
-      <p:grpSpPr>
-        <a:xfrm>
-          <a:off x="0" y="0"/>
-          <a:ext cx="0" cy="0"/>
-          <a:chOff x="0" y="0"/>
-          <a:chExt cx="0" cy="0"/>
-        </a:xfrm>
-      </p:grpSpPr>
-      <p:sp>
-        <p:nvSpPr>
-          <p:cNvPr id="140" name="Google Shape;140;p14"/>
-          <p:cNvSpPr txBox="1">
-            <a:spLocks noGrp="1"/>
-          </p:cNvSpPr>
-          <p:nvPr>
-            <p:ph type="title"/>
-          </p:nvPr>
-        </p:nvSpPr>
-        <p:spPr>
-          <a:xfrm>
-            <a:off x="1297500" y="393750"/>
-            <a:ext cx="7038900" cy="914100"/>
-          </a:xfrm>
-          <a:prstGeom prst="rect">
-            <a:avLst/>
-          </a:prstGeom>
-        </p:spPr>
-        <p:txBody>
-          <a:bodyPr spcFirstLastPara="1" wrap="square" lIns="91425" tIns="91425" rIns="91425" bIns="91425" anchor="t" anchorCtr="0">
-            <a:normAutofit/>
-          </a:bodyPr>
-          <a:lstStyle/>
-          <a:p>
-            <a:pPr marL="0" lvl="0" indent="0" algn="l" rtl="0">
-              <a:spcBef>
-                <a:spcPts val="0"/>
-              </a:spcBef>
-              <a:spcAft>
-                <a:spcPts val="0"/>
-              </a:spcAft>
-              <a:buNone/>
-            </a:pPr>
-            <a:r>
-              <a:rPr lang="es"/>
-              <a:t>Problema</a:t>
-            </a:r>
-            <a:endParaRPr/>
-          </a:p>
-        </p:txBody>
-      </p:sp>
-      <p:sp>
-        <p:nvSpPr>
-          <p:cNvPr id="141" name="Google Shape;141;p14"/>
-          <p:cNvSpPr txBox="1">
-            <a:spLocks noGrp="1"/>
-          </p:cNvSpPr>
-          <p:nvPr>
-            <p:ph type="body" idx="1"/>
-          </p:nvPr>
-        </p:nvSpPr>
-        <p:spPr>
-          <a:xfrm>
-            <a:off x="1297500" y="1567550"/>
-            <a:ext cx="7038900" cy="2911200"/>
-          </a:xfrm>
-          <a:prstGeom prst="rect">
-            <a:avLst/>
-          </a:prstGeom>
-        </p:spPr>
-        <p:txBody>
-          <a:bodyPr spcFirstLastPara="1" wrap="square" lIns="91425" tIns="91425" rIns="91425" bIns="91425" anchor="t" anchorCtr="0">
-            <a:normAutofit/>
-          </a:bodyPr>
-          <a:lstStyle/>
-          <a:p>
-            <a:pPr marL="0" lvl="0" indent="0" algn="l" rtl="0">
-              <a:lnSpc>
-                <a:spcPct val="200000"/>
-              </a:lnSpc>
-              <a:spcBef>
-                <a:spcPts val="0"/>
-              </a:spcBef>
-              <a:spcAft>
-                <a:spcPts val="0"/>
-              </a:spcAft>
-              <a:buNone/>
-            </a:pPr>
-            <a:r>
-              <a:rPr lang="es" sz="1050">
-                <a:latin typeface="Montserrat"/>
-                <a:ea typeface="Montserrat"/>
-                <a:cs typeface="Montserrat"/>
-                <a:sym typeface="Montserrat"/>
-              </a:rPr>
-              <a:t>Una empresa que vende un producto X (desconocido) y tiene una lista de </a:t>
-            </a:r>
-            <a:r>
-              <a:rPr lang="es" sz="1050">
-                <a:highlight>
-                  <a:schemeClr val="accent1"/>
-                </a:highlight>
-                <a:latin typeface="Montserrat"/>
-                <a:ea typeface="Montserrat"/>
-                <a:cs typeface="Montserrat"/>
-                <a:sym typeface="Montserrat"/>
-              </a:rPr>
-              <a:t>10000</a:t>
-            </a:r>
-            <a:r>
-              <a:rPr lang="es" sz="1050">
-                <a:latin typeface="Montserrat"/>
-                <a:ea typeface="Montserrat"/>
-                <a:cs typeface="Montserrat"/>
-                <a:sym typeface="Montserrat"/>
-              </a:rPr>
-              <a:t> clientes que han usado la plataforma para realizar una compra de dicho producto. </a:t>
-            </a:r>
-            <a:endParaRPr sz="1050">
-              <a:latin typeface="Montserrat"/>
-              <a:ea typeface="Montserrat"/>
-              <a:cs typeface="Montserrat"/>
-              <a:sym typeface="Montserrat"/>
-            </a:endParaRPr>
-          </a:p>
-          <a:p>
-            <a:pPr marL="0" lvl="0" indent="0" algn="l" rtl="0">
-              <a:lnSpc>
-                <a:spcPct val="200000"/>
-              </a:lnSpc>
-              <a:spcBef>
-                <a:spcPts val="0"/>
-              </a:spcBef>
-              <a:spcAft>
-                <a:spcPts val="0"/>
-              </a:spcAft>
-              <a:buNone/>
-            </a:pPr>
-            <a:r>
-              <a:rPr lang="es" sz="1050">
-                <a:latin typeface="Montserrat"/>
-                <a:ea typeface="Montserrat"/>
-                <a:cs typeface="Montserrat"/>
-                <a:sym typeface="Montserrat"/>
-              </a:rPr>
-              <a:t>Algunos de sus clientes desertan de la plataforma de compras y es de interés para la empresa ser capaz de predecir la deserción de clientes de la manera más precisa posible con el fin de implementar estrategias de marketing para afianzar a dichos clientes. </a:t>
-            </a:r>
-            <a:endParaRPr sz="1050">
-              <a:latin typeface="Montserrat"/>
-              <a:ea typeface="Montserrat"/>
-              <a:cs typeface="Montserrat"/>
-              <a:sym typeface="Montserrat"/>
-            </a:endParaRPr>
-          </a:p>
-          <a:p>
-            <a:pPr marL="0" lvl="0" indent="0" algn="l" rtl="0">
-              <a:lnSpc>
-                <a:spcPct val="135714"/>
-              </a:lnSpc>
-              <a:spcBef>
-                <a:spcPts val="0"/>
-              </a:spcBef>
-              <a:spcAft>
-                <a:spcPts val="0"/>
-              </a:spcAft>
-              <a:buNone/>
-            </a:pPr>
-            <a:endParaRPr sz="1050">
-              <a:latin typeface="Montserrat"/>
-              <a:ea typeface="Montserrat"/>
-              <a:cs typeface="Montserrat"/>
-              <a:sym typeface="Montserrat"/>
-            </a:endParaRPr>
-          </a:p>
-          <a:p>
-            <a:pPr marL="0" lvl="0" indent="0" algn="l" rtl="0">
-              <a:spcBef>
-                <a:spcPts val="0"/>
-              </a:spcBef>
-              <a:spcAft>
-                <a:spcPts val="1200"/>
-              </a:spcAft>
-              <a:buNone/>
-            </a:pPr>
-            <a:endParaRPr/>
-          </a:p>
-        </p:txBody>
-      </p:sp>
-    </p:spTree>
-  </p:cSld>
-  <p:clrMapOvr>
-    <a:masterClrMapping/>
-  </p:clrMapOvr>
-</p:sld>
-</file>
-
-<file path=ppt/slides/slide3.xml><?xml version="1.0" encoding="utf-8"?>
-<p:sld xmlns:a="http://schemas.openxmlformats.org/drawingml/2006/main" xmlns:r="http://schemas.openxmlformats.org/officeDocument/2006/relationships" xmlns:p="http://schemas.openxmlformats.org/presentationml/2006/main">
-  <p:cSld>
-    <p:spTree>
-      <p:nvGrpSpPr>
-        <p:cNvPr id="1" name="Shape 145"/>
-        <p:cNvGrpSpPr/>
-        <p:nvPr/>
-      </p:nvGrpSpPr>
-      <p:grpSpPr>
-        <a:xfrm>
-          <a:off x="0" y="0"/>
-          <a:ext cx="0" cy="0"/>
-          <a:chOff x="0" y="0"/>
-          <a:chExt cx="0" cy="0"/>
-        </a:xfrm>
-      </p:grpSpPr>
-      <p:sp>
-        <p:nvSpPr>
-          <p:cNvPr id="146" name="Google Shape;146;p15"/>
-          <p:cNvSpPr txBox="1">
-            <a:spLocks noGrp="1"/>
-          </p:cNvSpPr>
-          <p:nvPr>
-            <p:ph type="title"/>
-          </p:nvPr>
-        </p:nvSpPr>
-        <p:spPr>
-          <a:xfrm>
-            <a:off x="1297500" y="393750"/>
-            <a:ext cx="7038900" cy="914100"/>
-          </a:xfrm>
-          <a:prstGeom prst="rect">
-            <a:avLst/>
-          </a:prstGeom>
-        </p:spPr>
-        <p:txBody>
-          <a:bodyPr spcFirstLastPara="1" wrap="square" lIns="91425" tIns="91425" rIns="91425" bIns="91425" anchor="t" anchorCtr="0">
-            <a:normAutofit/>
-          </a:bodyPr>
-          <a:lstStyle/>
-          <a:p>
-            <a:pPr marL="0" lvl="0" indent="0" algn="l" rtl="0">
-              <a:spcBef>
-                <a:spcPts val="0"/>
-              </a:spcBef>
-              <a:spcAft>
-                <a:spcPts val="0"/>
-              </a:spcAft>
-              <a:buNone/>
-            </a:pPr>
-            <a:r>
-              <a:rPr lang="es"/>
-              <a:t>Dataset</a:t>
-            </a:r>
-            <a:endParaRPr/>
-          </a:p>
-        </p:txBody>
-      </p:sp>
-      <p:sp>
-        <p:nvSpPr>
-          <p:cNvPr id="147" name="Google Shape;147;p15"/>
-          <p:cNvSpPr txBox="1">
-            <a:spLocks noGrp="1"/>
-          </p:cNvSpPr>
-          <p:nvPr>
-            <p:ph type="body" idx="1"/>
-          </p:nvPr>
-        </p:nvSpPr>
-        <p:spPr>
-          <a:xfrm>
-            <a:off x="1297500" y="1567550"/>
-            <a:ext cx="7038900" cy="2911200"/>
-          </a:xfrm>
-          <a:prstGeom prst="rect">
-            <a:avLst/>
-          </a:prstGeom>
-        </p:spPr>
-        <p:txBody>
-          <a:bodyPr spcFirstLastPara="1" wrap="square" lIns="91425" tIns="91425" rIns="91425" bIns="91425" anchor="t" anchorCtr="0">
-            <a:normAutofit fontScale="25000" lnSpcReduction="20000"/>
-          </a:bodyPr>
-          <a:lstStyle/>
-          <a:p>
-            <a:pPr marL="0" lvl="0" indent="0" algn="l" rtl="0">
-              <a:lnSpc>
-                <a:spcPct val="135714"/>
-              </a:lnSpc>
-              <a:spcBef>
-                <a:spcPts val="0"/>
-              </a:spcBef>
-              <a:spcAft>
-                <a:spcPts val="0"/>
-              </a:spcAft>
-              <a:buNone/>
-            </a:pPr>
-            <a:r>
-              <a:rPr lang="es" sz="4745">
-                <a:solidFill>
-                  <a:srgbClr val="D4D4D4"/>
-                </a:solidFill>
-                <a:latin typeface="Montserrat"/>
-                <a:ea typeface="Montserrat"/>
-                <a:cs typeface="Montserrat"/>
-                <a:sym typeface="Montserrat"/>
-              </a:rPr>
-              <a:t>El dataset contiene 10000 registros con las siguientes columnas:</a:t>
-            </a:r>
-            <a:endParaRPr sz="4745">
-              <a:solidFill>
-                <a:srgbClr val="D4D4D4"/>
-              </a:solidFill>
-              <a:latin typeface="Montserrat"/>
-              <a:ea typeface="Montserrat"/>
-              <a:cs typeface="Montserrat"/>
-              <a:sym typeface="Montserrat"/>
-            </a:endParaRPr>
-          </a:p>
-          <a:p>
-            <a:pPr marL="457200" lvl="0" indent="-306315" algn="l" rtl="0">
-              <a:lnSpc>
-                <a:spcPct val="135714"/>
-              </a:lnSpc>
-              <a:spcBef>
-                <a:spcPts val="0"/>
-              </a:spcBef>
-              <a:spcAft>
-                <a:spcPts val="0"/>
-              </a:spcAft>
-              <a:buClr>
-                <a:srgbClr val="D5D5D5"/>
-              </a:buClr>
-              <a:buSzPct val="103160"/>
-              <a:buFont typeface="Roboto"/>
-              <a:buChar char="●"/>
-            </a:pPr>
-            <a:r>
-              <a:rPr lang="es" sz="4745">
-                <a:solidFill>
-                  <a:srgbClr val="D4D4D4"/>
-                </a:solidFill>
-                <a:latin typeface="Montserrat"/>
-                <a:ea typeface="Montserrat"/>
-                <a:cs typeface="Montserrat"/>
-                <a:sym typeface="Montserrat"/>
-              </a:rPr>
-              <a:t>Score</a:t>
-            </a:r>
-            <a:endParaRPr sz="4745">
-              <a:solidFill>
-                <a:srgbClr val="D4D4D4"/>
-              </a:solidFill>
-              <a:latin typeface="Montserrat"/>
-              <a:ea typeface="Montserrat"/>
-              <a:cs typeface="Montserrat"/>
-              <a:sym typeface="Montserrat"/>
-            </a:endParaRPr>
-          </a:p>
-          <a:p>
-            <a:pPr marL="457200" lvl="0" indent="-306315" algn="l" rtl="0">
-              <a:lnSpc>
-                <a:spcPct val="135714"/>
-              </a:lnSpc>
-              <a:spcBef>
-                <a:spcPts val="0"/>
-              </a:spcBef>
-              <a:spcAft>
-                <a:spcPts val="0"/>
-              </a:spcAft>
-              <a:buClr>
-                <a:srgbClr val="D5D5D5"/>
-              </a:buClr>
-              <a:buSzPct val="103160"/>
-              <a:buFont typeface="Roboto"/>
-              <a:buChar char="●"/>
-            </a:pPr>
-            <a:r>
-              <a:rPr lang="es" sz="4745">
-                <a:solidFill>
-                  <a:srgbClr val="D4D4D4"/>
-                </a:solidFill>
-                <a:latin typeface="Montserrat"/>
-                <a:ea typeface="Montserrat"/>
-                <a:cs typeface="Montserrat"/>
-                <a:sym typeface="Montserrat"/>
-              </a:rPr>
-              <a:t>Nationality</a:t>
-            </a:r>
-            <a:endParaRPr sz="4745">
-              <a:solidFill>
-                <a:srgbClr val="D4D4D4"/>
-              </a:solidFill>
-              <a:latin typeface="Montserrat"/>
-              <a:ea typeface="Montserrat"/>
-              <a:cs typeface="Montserrat"/>
-              <a:sym typeface="Montserrat"/>
-            </a:endParaRPr>
-          </a:p>
-          <a:p>
-            <a:pPr marL="457200" lvl="0" indent="-306315" algn="l" rtl="0">
-              <a:lnSpc>
-                <a:spcPct val="135714"/>
-              </a:lnSpc>
-              <a:spcBef>
-                <a:spcPts val="0"/>
-              </a:spcBef>
-              <a:spcAft>
-                <a:spcPts val="0"/>
-              </a:spcAft>
-              <a:buClr>
-                <a:srgbClr val="D5D5D5"/>
-              </a:buClr>
-              <a:buSzPct val="103160"/>
-              <a:buFont typeface="Montserrat"/>
-              <a:buChar char="●"/>
-            </a:pPr>
-            <a:r>
-              <a:rPr lang="es" sz="4745">
-                <a:solidFill>
-                  <a:srgbClr val="D4D4D4"/>
-                </a:solidFill>
-                <a:latin typeface="Montserrat"/>
-                <a:ea typeface="Montserrat"/>
-                <a:cs typeface="Montserrat"/>
-                <a:sym typeface="Montserrat"/>
-              </a:rPr>
-              <a:t>Gender</a:t>
-            </a:r>
-            <a:endParaRPr sz="4745">
-              <a:solidFill>
-                <a:srgbClr val="D4D4D4"/>
-              </a:solidFill>
-              <a:latin typeface="Montserrat"/>
-              <a:ea typeface="Montserrat"/>
-              <a:cs typeface="Montserrat"/>
-              <a:sym typeface="Montserrat"/>
-            </a:endParaRPr>
-          </a:p>
-          <a:p>
-            <a:pPr marL="457200" lvl="0" indent="-306315" algn="l" rtl="0">
-              <a:lnSpc>
-                <a:spcPct val="135714"/>
-              </a:lnSpc>
-              <a:spcBef>
-                <a:spcPts val="0"/>
-              </a:spcBef>
-              <a:spcAft>
-                <a:spcPts val="0"/>
-              </a:spcAft>
-              <a:buClr>
-                <a:srgbClr val="D5D5D5"/>
-              </a:buClr>
-              <a:buSzPct val="103160"/>
-              <a:buFont typeface="Montserrat"/>
-              <a:buChar char="●"/>
-            </a:pPr>
-            <a:r>
-              <a:rPr lang="es" sz="4745">
-                <a:solidFill>
-                  <a:srgbClr val="D4D4D4"/>
-                </a:solidFill>
-                <a:latin typeface="Montserrat"/>
-                <a:ea typeface="Montserrat"/>
-                <a:cs typeface="Montserrat"/>
-                <a:sym typeface="Montserrat"/>
-              </a:rPr>
-              <a:t>Age</a:t>
-            </a:r>
-            <a:endParaRPr sz="4745">
-              <a:solidFill>
-                <a:srgbClr val="D4D4D4"/>
-              </a:solidFill>
-              <a:latin typeface="Montserrat"/>
-              <a:ea typeface="Montserrat"/>
-              <a:cs typeface="Montserrat"/>
-              <a:sym typeface="Montserrat"/>
-            </a:endParaRPr>
-          </a:p>
-          <a:p>
-            <a:pPr marL="457200" lvl="0" indent="-306315" algn="l" rtl="0">
-              <a:lnSpc>
-                <a:spcPct val="135714"/>
-              </a:lnSpc>
-              <a:spcBef>
-                <a:spcPts val="0"/>
-              </a:spcBef>
-              <a:spcAft>
-                <a:spcPts val="0"/>
-              </a:spcAft>
-              <a:buClr>
-                <a:srgbClr val="D5D5D5"/>
-              </a:buClr>
-              <a:buSzPct val="103160"/>
-              <a:buFont typeface="Montserrat"/>
-              <a:buChar char="●"/>
-            </a:pPr>
-            <a:r>
-              <a:rPr lang="es" sz="4745">
-                <a:solidFill>
-                  <a:srgbClr val="D4D4D4"/>
-                </a:solidFill>
-                <a:latin typeface="Montserrat"/>
-                <a:ea typeface="Montserrat"/>
-                <a:cs typeface="Montserrat"/>
-                <a:sym typeface="Montserrat"/>
-              </a:rPr>
-              <a:t>Tenure</a:t>
-            </a:r>
-            <a:endParaRPr sz="4745">
-              <a:solidFill>
-                <a:srgbClr val="D4D4D4"/>
-              </a:solidFill>
-              <a:latin typeface="Montserrat"/>
-              <a:ea typeface="Montserrat"/>
-              <a:cs typeface="Montserrat"/>
-              <a:sym typeface="Montserrat"/>
-            </a:endParaRPr>
-          </a:p>
-          <a:p>
-            <a:pPr marL="457200" lvl="0" indent="-306315" algn="l" rtl="0">
-              <a:lnSpc>
-                <a:spcPct val="135714"/>
-              </a:lnSpc>
-              <a:spcBef>
-                <a:spcPts val="0"/>
-              </a:spcBef>
-              <a:spcAft>
-                <a:spcPts val="0"/>
-              </a:spcAft>
-              <a:buClr>
-                <a:srgbClr val="D5D5D5"/>
-              </a:buClr>
-              <a:buSzPct val="103160"/>
-              <a:buFont typeface="Montserrat"/>
-              <a:buChar char="●"/>
-            </a:pPr>
-            <a:r>
-              <a:rPr lang="es" sz="4745">
-                <a:solidFill>
-                  <a:srgbClr val="D4D4D4"/>
-                </a:solidFill>
-                <a:latin typeface="Montserrat"/>
-                <a:ea typeface="Montserrat"/>
-                <a:cs typeface="Montserrat"/>
-                <a:sym typeface="Montserrat"/>
-              </a:rPr>
-              <a:t>Balance</a:t>
-            </a:r>
-            <a:endParaRPr sz="4745">
-              <a:solidFill>
-                <a:srgbClr val="D4D4D4"/>
-              </a:solidFill>
-              <a:latin typeface="Montserrat"/>
-              <a:ea typeface="Montserrat"/>
-              <a:cs typeface="Montserrat"/>
-              <a:sym typeface="Montserrat"/>
-            </a:endParaRPr>
-          </a:p>
-          <a:p>
-            <a:pPr marL="457200" lvl="0" indent="-306315" algn="l" rtl="0">
-              <a:lnSpc>
-                <a:spcPct val="135714"/>
-              </a:lnSpc>
-              <a:spcBef>
-                <a:spcPts val="0"/>
-              </a:spcBef>
-              <a:spcAft>
-                <a:spcPts val="0"/>
-              </a:spcAft>
-              <a:buClr>
-                <a:srgbClr val="D5D5D5"/>
-              </a:buClr>
-              <a:buSzPct val="103160"/>
-              <a:buFont typeface="Montserrat"/>
-              <a:buChar char="●"/>
-            </a:pPr>
-            <a:r>
-              <a:rPr lang="es" sz="4745">
-                <a:solidFill>
-                  <a:srgbClr val="D4D4D4"/>
-                </a:solidFill>
-                <a:latin typeface="Montserrat"/>
-                <a:ea typeface="Montserrat"/>
-                <a:cs typeface="Montserrat"/>
-                <a:sym typeface="Montserrat"/>
-              </a:rPr>
-              <a:t>Products</a:t>
-            </a:r>
-            <a:endParaRPr sz="4745">
-              <a:solidFill>
-                <a:srgbClr val="D4D4D4"/>
-              </a:solidFill>
-              <a:latin typeface="Montserrat"/>
-              <a:ea typeface="Montserrat"/>
-              <a:cs typeface="Montserrat"/>
-              <a:sym typeface="Montserrat"/>
-            </a:endParaRPr>
-          </a:p>
-          <a:p>
-            <a:pPr marL="457200" lvl="0" indent="-306315" algn="l" rtl="0">
-              <a:lnSpc>
-                <a:spcPct val="135714"/>
-              </a:lnSpc>
-              <a:spcBef>
-                <a:spcPts val="0"/>
-              </a:spcBef>
-              <a:spcAft>
-                <a:spcPts val="0"/>
-              </a:spcAft>
-              <a:buClr>
-                <a:srgbClr val="D5D5D5"/>
-              </a:buClr>
-              <a:buSzPct val="103160"/>
-              <a:buFont typeface="Montserrat"/>
-              <a:buChar char="●"/>
-            </a:pPr>
-            <a:r>
-              <a:rPr lang="es" sz="4745">
-                <a:solidFill>
-                  <a:srgbClr val="D4D4D4"/>
-                </a:solidFill>
-                <a:latin typeface="Montserrat"/>
-                <a:ea typeface="Montserrat"/>
-                <a:cs typeface="Montserrat"/>
-                <a:sym typeface="Montserrat"/>
-              </a:rPr>
-              <a:t>Card</a:t>
-            </a:r>
-            <a:endParaRPr sz="4745">
-              <a:solidFill>
-                <a:srgbClr val="D4D4D4"/>
-              </a:solidFill>
-              <a:latin typeface="Montserrat"/>
-              <a:ea typeface="Montserrat"/>
-              <a:cs typeface="Montserrat"/>
-              <a:sym typeface="Montserrat"/>
-            </a:endParaRPr>
-          </a:p>
-          <a:p>
-            <a:pPr marL="457200" lvl="0" indent="-306315" algn="l" rtl="0">
-              <a:lnSpc>
-                <a:spcPct val="135714"/>
-              </a:lnSpc>
-              <a:spcBef>
-                <a:spcPts val="0"/>
-              </a:spcBef>
-              <a:spcAft>
-                <a:spcPts val="0"/>
-              </a:spcAft>
-              <a:buClr>
-                <a:srgbClr val="D5D5D5"/>
-              </a:buClr>
-              <a:buSzPct val="103160"/>
-              <a:buFont typeface="Montserrat"/>
-              <a:buChar char="●"/>
-            </a:pPr>
-            <a:r>
-              <a:rPr lang="es" sz="4745">
-                <a:solidFill>
-                  <a:srgbClr val="D4D4D4"/>
-                </a:solidFill>
-                <a:latin typeface="Montserrat"/>
-                <a:ea typeface="Montserrat"/>
-                <a:cs typeface="Montserrat"/>
-                <a:sym typeface="Montserrat"/>
-              </a:rPr>
-              <a:t>Active</a:t>
-            </a:r>
-            <a:endParaRPr sz="4745">
-              <a:solidFill>
-                <a:srgbClr val="D4D4D4"/>
-              </a:solidFill>
-              <a:latin typeface="Montserrat"/>
-              <a:ea typeface="Montserrat"/>
-              <a:cs typeface="Montserrat"/>
-              <a:sym typeface="Montserrat"/>
-            </a:endParaRPr>
-          </a:p>
-          <a:p>
-            <a:pPr marL="457200" lvl="0" indent="-306315" algn="l" rtl="0">
-              <a:lnSpc>
-                <a:spcPct val="135714"/>
-              </a:lnSpc>
-              <a:spcBef>
-                <a:spcPts val="0"/>
-              </a:spcBef>
-              <a:spcAft>
-                <a:spcPts val="0"/>
-              </a:spcAft>
-              <a:buClr>
-                <a:srgbClr val="D5D5D5"/>
-              </a:buClr>
-              <a:buSzPct val="103160"/>
-              <a:buFont typeface="Montserrat"/>
-              <a:buChar char="●"/>
-            </a:pPr>
-            <a:r>
-              <a:rPr lang="es" sz="4745">
-                <a:solidFill>
-                  <a:srgbClr val="D4D4D4"/>
-                </a:solidFill>
-                <a:latin typeface="Montserrat"/>
-                <a:ea typeface="Montserrat"/>
-                <a:cs typeface="Montserrat"/>
-                <a:sym typeface="Montserrat"/>
-              </a:rPr>
-              <a:t>Salary</a:t>
-            </a:r>
-            <a:br>
-              <a:rPr lang="es" sz="4745">
-                <a:solidFill>
-                  <a:srgbClr val="D4D4D4"/>
-                </a:solidFill>
-                <a:latin typeface="Montserrat"/>
-                <a:ea typeface="Montserrat"/>
-                <a:cs typeface="Montserrat"/>
-                <a:sym typeface="Montserrat"/>
-              </a:rPr>
-            </a:br>
-            <a:endParaRPr sz="4745">
-              <a:solidFill>
-                <a:srgbClr val="D4D4D4"/>
-              </a:solidFill>
-              <a:latin typeface="Montserrat"/>
-              <a:ea typeface="Montserrat"/>
-              <a:cs typeface="Montserrat"/>
-              <a:sym typeface="Montserrat"/>
-            </a:endParaRPr>
-          </a:p>
-          <a:p>
-            <a:pPr marL="457200" lvl="0" indent="-306315" algn="l" rtl="0">
-              <a:lnSpc>
-                <a:spcPct val="135714"/>
-              </a:lnSpc>
-              <a:spcBef>
-                <a:spcPts val="0"/>
-              </a:spcBef>
-              <a:spcAft>
-                <a:spcPts val="0"/>
-              </a:spcAft>
-              <a:buClr>
-                <a:schemeClr val="lt1"/>
-              </a:buClr>
-              <a:buSzPct val="103160"/>
-              <a:buFont typeface="Montserrat"/>
-              <a:buChar char="●"/>
-            </a:pPr>
-            <a:r>
-              <a:rPr lang="es" sz="4745">
-                <a:highlight>
-                  <a:schemeClr val="accent1"/>
-                </a:highlight>
-                <a:latin typeface="Montserrat"/>
-                <a:ea typeface="Montserrat"/>
-                <a:cs typeface="Montserrat"/>
-                <a:sym typeface="Montserrat"/>
-              </a:rPr>
-              <a:t>Exited: variable target </a:t>
-            </a:r>
-            <a:endParaRPr sz="4745">
-              <a:highlight>
-                <a:schemeClr val="accent1"/>
-              </a:highlight>
-              <a:latin typeface="Montserrat"/>
-              <a:ea typeface="Montserrat"/>
-              <a:cs typeface="Montserrat"/>
-              <a:sym typeface="Montserrat"/>
-            </a:endParaRPr>
-          </a:p>
-          <a:p>
-            <a:pPr marL="457200" lvl="0" indent="0" algn="l" rtl="0">
-              <a:spcBef>
-                <a:spcPts val="600"/>
-              </a:spcBef>
-              <a:spcAft>
-                <a:spcPts val="0"/>
-              </a:spcAft>
-              <a:buNone/>
-            </a:pPr>
-            <a:endParaRPr sz="1050">
-              <a:solidFill>
-                <a:srgbClr val="82C6FF"/>
-              </a:solidFill>
-              <a:highlight>
-                <a:srgbClr val="1E1E1E"/>
-              </a:highlight>
-              <a:latin typeface="Montserrat"/>
-              <a:ea typeface="Montserrat"/>
-              <a:cs typeface="Montserrat"/>
-              <a:sym typeface="Montserrat"/>
-            </a:endParaRPr>
-          </a:p>
-          <a:p>
-            <a:pPr marL="0" lvl="0" indent="0" algn="l" rtl="0">
-              <a:spcBef>
-                <a:spcPts val="500"/>
-              </a:spcBef>
-              <a:spcAft>
-                <a:spcPts val="1200"/>
-              </a:spcAft>
-              <a:buNone/>
-            </a:pPr>
-            <a:endParaRPr>
-              <a:latin typeface="Montserrat"/>
-              <a:ea typeface="Montserrat"/>
-              <a:cs typeface="Montserrat"/>
-              <a:sym typeface="Montserrat"/>
-            </a:endParaRPr>
-          </a:p>
-        </p:txBody>
-      </p:sp>
-    </p:spTree>
-  </p:cSld>
-  <p:clrMapOvr>
-    <a:masterClrMapping/>
-  </p:clrMapOvr>
-</p:sld>
-</file>
-
-<file path=ppt/slides/slide4.xml><?xml version="1.0" encoding="utf-8"?>
-<p:sld xmlns:a="http://schemas.openxmlformats.org/drawingml/2006/main" xmlns:r="http://schemas.openxmlformats.org/officeDocument/2006/relationships" xmlns:p="http://schemas.openxmlformats.org/presentationml/2006/main">
-  <p:cSld>
-    <p:spTree>
-      <p:nvGrpSpPr>
-        <p:cNvPr id="1" name="Shape 151"/>
-        <p:cNvGrpSpPr/>
-        <p:nvPr/>
-      </p:nvGrpSpPr>
-      <p:grpSpPr>
-        <a:xfrm>
-          <a:off x="0" y="0"/>
-          <a:ext cx="0" cy="0"/>
-          <a:chOff x="0" y="0"/>
-          <a:chExt cx="0" cy="0"/>
-        </a:xfrm>
-      </p:grpSpPr>
-      <p:sp>
-        <p:nvSpPr>
-          <p:cNvPr id="152" name="Google Shape;152;p16"/>
-          <p:cNvSpPr txBox="1">
-            <a:spLocks noGrp="1"/>
-          </p:cNvSpPr>
-          <p:nvPr>
-            <p:ph type="title"/>
-          </p:nvPr>
-        </p:nvSpPr>
-        <p:spPr>
-          <a:xfrm>
-            <a:off x="1297500" y="393750"/>
-            <a:ext cx="7038900" cy="914100"/>
-          </a:xfrm>
-          <a:prstGeom prst="rect">
-            <a:avLst/>
-          </a:prstGeom>
-        </p:spPr>
-        <p:txBody>
-          <a:bodyPr spcFirstLastPara="1" wrap="square" lIns="91425" tIns="91425" rIns="91425" bIns="91425" anchor="t" anchorCtr="0">
-            <a:normAutofit/>
-          </a:bodyPr>
-          <a:lstStyle/>
-          <a:p>
-            <a:pPr marL="0" lvl="0" indent="0" algn="l" rtl="0">
-              <a:spcBef>
-                <a:spcPts val="0"/>
-              </a:spcBef>
-              <a:spcAft>
-                <a:spcPts val="0"/>
-              </a:spcAft>
-              <a:buNone/>
-            </a:pPr>
-            <a:r>
-              <a:rPr lang="es"/>
-              <a:t>Datos generales</a:t>
-            </a:r>
-            <a:endParaRPr/>
-          </a:p>
-        </p:txBody>
-      </p:sp>
-      <p:sp>
-        <p:nvSpPr>
-          <p:cNvPr id="153" name="Google Shape;153;p16"/>
-          <p:cNvSpPr txBox="1">
-            <a:spLocks noGrp="1"/>
-          </p:cNvSpPr>
-          <p:nvPr>
-            <p:ph type="body" idx="1"/>
-          </p:nvPr>
-        </p:nvSpPr>
-        <p:spPr>
-          <a:xfrm>
-            <a:off x="1297500" y="1567550"/>
-            <a:ext cx="7038900" cy="2911200"/>
-          </a:xfrm>
-          <a:prstGeom prst="rect">
-            <a:avLst/>
-          </a:prstGeom>
-        </p:spPr>
-        <p:txBody>
-          <a:bodyPr spcFirstLastPara="1" wrap="square" lIns="91425" tIns="91425" rIns="91425" bIns="91425" anchor="t" anchorCtr="0">
-            <a:normAutofit/>
-          </a:bodyPr>
-          <a:lstStyle/>
-          <a:p>
-            <a:pPr marL="457200" lvl="0" indent="-311150" algn="l" rtl="0">
-              <a:spcBef>
-                <a:spcPts val="0"/>
-              </a:spcBef>
-              <a:spcAft>
-                <a:spcPts val="0"/>
-              </a:spcAft>
-              <a:buSzPts val="1300"/>
-              <a:buFont typeface="Montserrat"/>
-              <a:buChar char="●"/>
-            </a:pPr>
-            <a:r>
-              <a:rPr lang="es" dirty="0">
-                <a:latin typeface="Montserrat"/>
-                <a:ea typeface="Montserrat"/>
-                <a:cs typeface="Montserrat"/>
-                <a:sym typeface="Montserrat"/>
-              </a:rPr>
-              <a:t>El 20 % del total de clientes han abandonado la plataforma en algún momento</a:t>
-            </a:r>
-            <a:endParaRPr dirty="0">
-              <a:latin typeface="Montserrat"/>
-              <a:ea typeface="Montserrat"/>
-              <a:cs typeface="Montserrat"/>
-              <a:sym typeface="Montserrat"/>
-            </a:endParaRPr>
-          </a:p>
-          <a:p>
-            <a:pPr marL="457200" lvl="0" indent="-311150" algn="l" rtl="0">
-              <a:spcBef>
-                <a:spcPts val="0"/>
-              </a:spcBef>
-              <a:spcAft>
-                <a:spcPts val="0"/>
-              </a:spcAft>
-              <a:buSzPts val="1300"/>
-              <a:buFont typeface="Montserrat"/>
-              <a:buChar char="●"/>
-            </a:pPr>
-            <a:r>
-              <a:rPr lang="es" dirty="0">
-                <a:latin typeface="Montserrat"/>
-                <a:ea typeface="Montserrat"/>
-                <a:cs typeface="Montserrat"/>
-                <a:sym typeface="Montserrat"/>
-              </a:rPr>
-              <a:t>El 50 % son franceses, el 25 % son españoles y el otro 25 % son alemanes</a:t>
-            </a:r>
-            <a:endParaRPr dirty="0">
-              <a:latin typeface="Montserrat"/>
-              <a:ea typeface="Montserrat"/>
-              <a:cs typeface="Montserrat"/>
-              <a:sym typeface="Montserrat"/>
-            </a:endParaRPr>
-          </a:p>
-          <a:p>
-            <a:pPr marL="457200" lvl="0" indent="-311150" algn="l" rtl="0">
-              <a:spcBef>
-                <a:spcPts val="0"/>
-              </a:spcBef>
-              <a:spcAft>
-                <a:spcPts val="0"/>
-              </a:spcAft>
-              <a:buSzPts val="1300"/>
-              <a:buFont typeface="Montserrat"/>
-              <a:buChar char="●"/>
-            </a:pPr>
-            <a:r>
-              <a:rPr lang="es" dirty="0">
-                <a:latin typeface="Montserrat"/>
-                <a:ea typeface="Montserrat"/>
-                <a:cs typeface="Montserrat"/>
-                <a:sym typeface="Montserrat"/>
-              </a:rPr>
-              <a:t>Los clientes tienen entre 18 y 92 años, pero el 50 % de los clientes se encuentran entre los 32 y 44 años. De quienes desertan, el 75 % tiene más de 38 años</a:t>
-            </a:r>
-            <a:endParaRPr dirty="0">
-              <a:latin typeface="Montserrat"/>
-              <a:ea typeface="Montserrat"/>
-              <a:cs typeface="Montserrat"/>
-              <a:sym typeface="Montserrat"/>
-            </a:endParaRPr>
-          </a:p>
-          <a:p>
-            <a:pPr marL="457200" lvl="0" indent="-311150" algn="l" rtl="0">
-              <a:spcBef>
-                <a:spcPts val="0"/>
-              </a:spcBef>
-              <a:spcAft>
-                <a:spcPts val="0"/>
-              </a:spcAft>
-              <a:buSzPts val="1300"/>
-              <a:buFont typeface="Montserrat"/>
-              <a:buChar char="●"/>
-            </a:pPr>
-            <a:r>
-              <a:rPr lang="es" dirty="0">
-                <a:latin typeface="Montserrat"/>
-                <a:ea typeface="Montserrat"/>
-                <a:cs typeface="Montserrat"/>
-                <a:sym typeface="Montserrat"/>
-              </a:rPr>
-              <a:t>No existen clientes que hayan comprado más de 4 veces y todos aquellos que han comprado 4 veces han abandonado definitivamente la plataforma</a:t>
-            </a:r>
-            <a:endParaRPr dirty="0">
-              <a:latin typeface="Montserrat"/>
-              <a:ea typeface="Montserrat"/>
-              <a:cs typeface="Montserrat"/>
-              <a:sym typeface="Montserrat"/>
-            </a:endParaRPr>
-          </a:p>
-          <a:p>
-            <a:pPr marL="457200" lvl="0" indent="-311150" algn="l" rtl="0">
-              <a:spcBef>
-                <a:spcPts val="0"/>
-              </a:spcBef>
-              <a:spcAft>
-                <a:spcPts val="0"/>
-              </a:spcAft>
-              <a:buSzPts val="1300"/>
-              <a:buFont typeface="Montserrat"/>
-              <a:buChar char="●"/>
-            </a:pPr>
-            <a:r>
-              <a:rPr lang="es" dirty="0">
-                <a:latin typeface="Montserrat"/>
-                <a:ea typeface="Montserrat"/>
-                <a:cs typeface="Montserrat"/>
-                <a:sym typeface="Montserrat"/>
-              </a:rPr>
-              <a:t>Todos los clientes con un score menor a 400 han abandonado la plataforma</a:t>
-            </a:r>
-            <a:endParaRPr dirty="0">
-              <a:latin typeface="Montserrat"/>
-              <a:ea typeface="Montserrat"/>
-              <a:cs typeface="Montserrat"/>
-              <a:sym typeface="Montserrat"/>
-            </a:endParaRPr>
-          </a:p>
-        </p:txBody>
-      </p:sp>
-    </p:spTree>
-  </p:cSld>
-  <p:clrMapOvr>
-    <a:masterClrMapping/>
-  </p:clrMapOvr>
-</p:sld>
-</file>
-
-<file path=ppt/slides/slide5.xml><?xml version="1.0" encoding="utf-8"?>
-<p:sld xmlns:a="http://schemas.openxmlformats.org/drawingml/2006/main" xmlns:r="http://schemas.openxmlformats.org/officeDocument/2006/relationships" xmlns:p="http://schemas.openxmlformats.org/presentationml/2006/main">
-  <p:cSld>
-    <p:spTree>
-      <p:nvGrpSpPr>
-        <p:cNvPr id="1" name="Shape 157"/>
-        <p:cNvGrpSpPr/>
-        <p:nvPr/>
-      </p:nvGrpSpPr>
-      <p:grpSpPr>
-        <a:xfrm>
-          <a:off x="0" y="0"/>
-          <a:ext cx="0" cy="0"/>
-          <a:chOff x="0" y="0"/>
-          <a:chExt cx="0" cy="0"/>
-        </a:xfrm>
-      </p:grpSpPr>
-      <p:sp>
-        <p:nvSpPr>
-          <p:cNvPr id="158" name="Google Shape;158;p17"/>
-          <p:cNvSpPr/>
-          <p:nvPr/>
-        </p:nvSpPr>
-        <p:spPr>
-          <a:xfrm>
-            <a:off x="1287725" y="1346925"/>
-            <a:ext cx="7200900" cy="3641100"/>
-          </a:xfrm>
-          <a:prstGeom prst="rect">
-            <a:avLst/>
-          </a:prstGeom>
-          <a:solidFill>
-            <a:schemeClr val="lt1"/>
-          </a:solidFill>
-          <a:ln w="9525" cap="flat" cmpd="sng">
-            <a:solidFill>
-              <a:schemeClr val="dk2"/>
-            </a:solidFill>
-            <a:prstDash val="solid"/>
-            <a:round/>
-            <a:headEnd type="none" w="sm" len="sm"/>
-            <a:tailEnd type="none" w="sm" len="sm"/>
-          </a:ln>
-        </p:spPr>
-        <p:txBody>
-          <a:bodyPr spcFirstLastPara="1" wrap="square" lIns="91425" tIns="91425" rIns="91425" bIns="91425" anchor="ctr" anchorCtr="0">
-            <a:noAutofit/>
-          </a:bodyPr>
-          <a:lstStyle/>
-          <a:p>
-            <a:pPr marL="0" lvl="0" indent="0" algn="l" rtl="0">
-              <a:spcBef>
-                <a:spcPts val="0"/>
-              </a:spcBef>
-              <a:spcAft>
-                <a:spcPts val="0"/>
-              </a:spcAft>
-              <a:buNone/>
-            </a:pPr>
-            <a:endParaRPr/>
-          </a:p>
-        </p:txBody>
-      </p:sp>
-      <p:sp>
-        <p:nvSpPr>
-          <p:cNvPr id="159" name="Google Shape;159;p17"/>
-          <p:cNvSpPr txBox="1">
-            <a:spLocks noGrp="1"/>
-          </p:cNvSpPr>
-          <p:nvPr>
-            <p:ph type="title"/>
-          </p:nvPr>
-        </p:nvSpPr>
-        <p:spPr>
-          <a:xfrm>
-            <a:off x="1297500" y="393750"/>
-            <a:ext cx="7038900" cy="914100"/>
-          </a:xfrm>
-          <a:prstGeom prst="rect">
-            <a:avLst/>
-          </a:prstGeom>
-        </p:spPr>
-        <p:txBody>
-          <a:bodyPr spcFirstLastPara="1" wrap="square" lIns="91425" tIns="91425" rIns="91425" bIns="91425" anchor="t" anchorCtr="0">
-            <a:normAutofit/>
-          </a:bodyPr>
-          <a:lstStyle/>
-          <a:p>
-            <a:pPr marL="0" lvl="0" indent="0" algn="l" rtl="0">
-              <a:spcBef>
-                <a:spcPts val="0"/>
-              </a:spcBef>
-              <a:spcAft>
-                <a:spcPts val="0"/>
-              </a:spcAft>
-              <a:buNone/>
-            </a:pPr>
-            <a:r>
-              <a:rPr lang="es"/>
-              <a:t>Edad</a:t>
-            </a:r>
-            <a:endParaRPr/>
-          </a:p>
-        </p:txBody>
-      </p:sp>
-      <p:pic>
-        <p:nvPicPr>
-          <p:cNvPr id="160" name="Google Shape;160;p17"/>
-          <p:cNvPicPr preferRelativeResize="0"/>
-          <p:nvPr/>
-        </p:nvPicPr>
-        <p:blipFill>
-          <a:blip r:embed="rId3">
-            <a:alphaModFix/>
-          </a:blip>
-          <a:stretch>
-            <a:fillRect/>
-          </a:stretch>
-        </p:blipFill>
-        <p:spPr>
-          <a:xfrm>
-            <a:off x="1271725" y="1349250"/>
-            <a:ext cx="7090440" cy="3530850"/>
-          </a:xfrm>
-          <a:prstGeom prst="rect">
-            <a:avLst/>
-          </a:prstGeom>
-          <a:noFill/>
-          <a:ln>
-            <a:noFill/>
-          </a:ln>
-        </p:spPr>
-      </p:pic>
-    </p:spTree>
-  </p:cSld>
-  <p:clrMapOvr>
-    <a:masterClrMapping/>
-  </p:clrMapOvr>
-</p:sld>
-</file>
-
-<file path=ppt/slides/slide6.xml><?xml version="1.0" encoding="utf-8"?>
-<p:sld xmlns:a="http://schemas.openxmlformats.org/drawingml/2006/main" xmlns:r="http://schemas.openxmlformats.org/officeDocument/2006/relationships" xmlns:p="http://schemas.openxmlformats.org/presentationml/2006/main">
-  <p:cSld>
-    <p:spTree>
-      <p:nvGrpSpPr>
-        <p:cNvPr id="1" name="Shape 164"/>
-        <p:cNvGrpSpPr/>
-        <p:nvPr/>
-      </p:nvGrpSpPr>
-      <p:grpSpPr>
-        <a:xfrm>
-          <a:off x="0" y="0"/>
-          <a:ext cx="0" cy="0"/>
-          <a:chOff x="0" y="0"/>
-          <a:chExt cx="0" cy="0"/>
-        </a:xfrm>
-      </p:grpSpPr>
-      <p:sp>
-        <p:nvSpPr>
-          <p:cNvPr id="165" name="Google Shape;165;p18"/>
-          <p:cNvSpPr/>
-          <p:nvPr/>
-        </p:nvSpPr>
-        <p:spPr>
-          <a:xfrm>
-            <a:off x="3232825" y="1652700"/>
-            <a:ext cx="3289200" cy="3028800"/>
-          </a:xfrm>
-          <a:prstGeom prst="rect">
-            <a:avLst/>
-          </a:prstGeom>
-          <a:solidFill>
-            <a:schemeClr val="lt1"/>
-          </a:solidFill>
-          <a:ln w="9525" cap="flat" cmpd="sng">
-            <a:solidFill>
-              <a:schemeClr val="dk2"/>
-            </a:solidFill>
-            <a:prstDash val="solid"/>
-            <a:round/>
-            <a:headEnd type="none" w="sm" len="sm"/>
-            <a:tailEnd type="none" w="sm" len="sm"/>
-          </a:ln>
-        </p:spPr>
-        <p:txBody>
-          <a:bodyPr spcFirstLastPara="1" wrap="square" lIns="91425" tIns="91425" rIns="91425" bIns="91425" anchor="ctr" anchorCtr="0">
-            <a:noAutofit/>
-          </a:bodyPr>
-          <a:lstStyle/>
-          <a:p>
-            <a:pPr marL="0" lvl="0" indent="0" algn="l" rtl="0">
-              <a:spcBef>
-                <a:spcPts val="0"/>
-              </a:spcBef>
-              <a:spcAft>
-                <a:spcPts val="0"/>
-              </a:spcAft>
-              <a:buNone/>
-            </a:pPr>
-            <a:endParaRPr/>
-          </a:p>
-        </p:txBody>
-      </p:sp>
-      <p:sp>
-        <p:nvSpPr>
-          <p:cNvPr id="166" name="Google Shape;166;p18"/>
-          <p:cNvSpPr txBox="1">
-            <a:spLocks noGrp="1"/>
-          </p:cNvSpPr>
-          <p:nvPr>
-            <p:ph type="title"/>
-          </p:nvPr>
-        </p:nvSpPr>
-        <p:spPr>
-          <a:xfrm>
-            <a:off x="1297500" y="393750"/>
-            <a:ext cx="7038900" cy="914100"/>
-          </a:xfrm>
-          <a:prstGeom prst="rect">
-            <a:avLst/>
-          </a:prstGeom>
-        </p:spPr>
-        <p:txBody>
-          <a:bodyPr spcFirstLastPara="1" wrap="square" lIns="91425" tIns="91425" rIns="91425" bIns="91425" anchor="t" anchorCtr="0">
-            <a:normAutofit/>
-          </a:bodyPr>
-          <a:lstStyle/>
-          <a:p>
-            <a:pPr marL="0" lvl="0" indent="0" algn="l" rtl="0">
-              <a:spcBef>
-                <a:spcPts val="0"/>
-              </a:spcBef>
-              <a:spcAft>
-                <a:spcPts val="0"/>
-              </a:spcAft>
-              <a:buNone/>
-            </a:pPr>
-            <a:r>
-              <a:rPr lang="es"/>
-              <a:t>Score vs Products</a:t>
-            </a:r>
-            <a:endParaRPr/>
-          </a:p>
-        </p:txBody>
-      </p:sp>
-      <p:pic>
-        <p:nvPicPr>
-          <p:cNvPr id="167" name="Google Shape;167;p18"/>
-          <p:cNvPicPr preferRelativeResize="0"/>
-          <p:nvPr/>
-        </p:nvPicPr>
-        <p:blipFill>
-          <a:blip r:embed="rId3">
-            <a:alphaModFix/>
-          </a:blip>
-          <a:stretch>
-            <a:fillRect/>
-          </a:stretch>
-        </p:blipFill>
-        <p:spPr>
-          <a:xfrm>
-            <a:off x="3235800" y="1671450"/>
-            <a:ext cx="3162300" cy="3009900"/>
-          </a:xfrm>
-          <a:prstGeom prst="rect">
-            <a:avLst/>
-          </a:prstGeom>
-          <a:noFill/>
-          <a:ln>
-            <a:noFill/>
-          </a:ln>
-        </p:spPr>
-      </p:pic>
-    </p:spTree>
-  </p:cSld>
-  <p:clrMapOvr>
-    <a:masterClrMapping/>
-  </p:clrMapOvr>
-</p:sld>
-</file>
-
-<file path=ppt/slides/slide7.xml><?xml version="1.0" encoding="utf-8"?>
-<p:sld xmlns:a="http://schemas.openxmlformats.org/drawingml/2006/main" xmlns:r="http://schemas.openxmlformats.org/officeDocument/2006/relationships" xmlns:p="http://schemas.openxmlformats.org/presentationml/2006/main">
-  <p:cSld>
-    <p:spTree>
-      <p:nvGrpSpPr>
-        <p:cNvPr id="1" name="Shape 164"/>
-        <p:cNvGrpSpPr/>
-        <p:nvPr/>
-      </p:nvGrpSpPr>
-      <p:grpSpPr>
-        <a:xfrm>
-          <a:off x="0" y="0"/>
-          <a:ext cx="0" cy="0"/>
-          <a:chOff x="0" y="0"/>
-          <a:chExt cx="0" cy="0"/>
-        </a:xfrm>
-      </p:grpSpPr>
-      <p:sp>
-        <p:nvSpPr>
-          <p:cNvPr id="166" name="Google Shape;166;p18"/>
-          <p:cNvSpPr txBox="1">
-            <a:spLocks noGrp="1"/>
-          </p:cNvSpPr>
-          <p:nvPr>
-            <p:ph type="title"/>
-          </p:nvPr>
-        </p:nvSpPr>
-        <p:spPr>
-          <a:xfrm>
-            <a:off x="1297500" y="393750"/>
-            <a:ext cx="7038900" cy="914100"/>
-          </a:xfrm>
-          <a:prstGeom prst="rect">
-            <a:avLst/>
-          </a:prstGeom>
-        </p:spPr>
-        <p:txBody>
-          <a:bodyPr spcFirstLastPara="1" wrap="square" lIns="91425" tIns="91425" rIns="91425" bIns="91425" anchor="t" anchorCtr="0">
-            <a:normAutofit/>
-          </a:bodyPr>
-          <a:lstStyle/>
-          <a:p>
-            <a:pPr marL="0" lvl="0" indent="0" algn="l" rtl="0">
-              <a:spcBef>
-                <a:spcPts val="0"/>
-              </a:spcBef>
-              <a:spcAft>
-                <a:spcPts val="0"/>
-              </a:spcAft>
-              <a:buNone/>
-            </a:pPr>
-            <a:r>
-              <a:rPr lang="es-AR" dirty="0"/>
-              <a:t>Modelos de predicción analizados</a:t>
-            </a:r>
-            <a:endParaRPr dirty="0"/>
-          </a:p>
-        </p:txBody>
-      </p:sp>
-      <p:sp>
-        <p:nvSpPr>
-          <p:cNvPr id="5" name="Google Shape;153;p16">
-            <a:extLst>
-              <a:ext uri="{FF2B5EF4-FFF2-40B4-BE49-F238E27FC236}">
-                <a16:creationId xmlns:a16="http://schemas.microsoft.com/office/drawing/2014/main" id="{F4530497-4234-4C55-8CD6-835F547B8810}"/>
-              </a:ext>
-            </a:extLst>
-          </p:cNvPr>
-          <p:cNvSpPr txBox="1">
-            <a:spLocks noGrp="1"/>
-          </p:cNvSpPr>
-          <p:nvPr>
-            <p:ph type="body" idx="1"/>
-          </p:nvPr>
-        </p:nvSpPr>
-        <p:spPr>
-          <a:xfrm>
-            <a:off x="1297500" y="1567550"/>
-            <a:ext cx="7038900" cy="2911200"/>
-          </a:xfrm>
-          <a:prstGeom prst="rect">
-            <a:avLst/>
-          </a:prstGeom>
-        </p:spPr>
-        <p:txBody>
-          <a:bodyPr spcFirstLastPara="1" wrap="square" lIns="91425" tIns="91425" rIns="91425" bIns="91425" anchor="t" anchorCtr="0">
-            <a:normAutofit lnSpcReduction="10000"/>
-          </a:bodyPr>
-          <a:lstStyle/>
-          <a:p>
-            <a:pPr>
-              <a:lnSpc>
-                <a:spcPct val="200000"/>
-              </a:lnSpc>
-            </a:pPr>
-            <a:r>
-              <a:rPr lang="es-AR" dirty="0"/>
-              <a:t>KNN: este modelo demostró tener la menor precisión y recall de los modelos probados.</a:t>
-            </a:r>
-          </a:p>
-          <a:p>
-            <a:pPr>
-              <a:lnSpc>
-                <a:spcPct val="200000"/>
-              </a:lnSpc>
-            </a:pPr>
-            <a:r>
-              <a:rPr lang="es-AR" dirty="0"/>
-              <a:t>Decision Tree Classifier: este modelo tuvo la mayor capacidad para  predecir aquellos clientes que abandonan la plataforma. Por otro  lado, este modelo sobreestima a los potenciales clientes que abandonan la plataforma.</a:t>
-            </a:r>
-          </a:p>
-          <a:p>
-            <a:pPr>
-              <a:lnSpc>
-                <a:spcPct val="200000"/>
-              </a:lnSpc>
-            </a:pPr>
-            <a:r>
-              <a:rPr lang="es-AR" dirty="0"/>
-              <a:t>Gradient Boosting Classifier: Este modelo tuvo un recall más bajo respecto al Decision Tree Classifier, pero no sobreestima en la misma medida la cantidad de clientes que abandonan la plataforma.</a:t>
-            </a:r>
-          </a:p>
-          <a:p>
-            <a:pPr marL="146050" indent="0">
-              <a:buNone/>
-            </a:pPr>
-            <a:endParaRPr dirty="0">
-              <a:latin typeface="Montserrat"/>
-              <a:ea typeface="Montserrat"/>
-              <a:cs typeface="Montserrat"/>
-              <a:sym typeface="Montserrat"/>
-            </a:endParaRPr>
-          </a:p>
-        </p:txBody>
-      </p:sp>
-    </p:spTree>
-    <p:extLst>
-      <p:ext uri="{BB962C8B-B14F-4D97-AF65-F5344CB8AC3E}">
-        <p14:creationId xmlns:p14="http://schemas.microsoft.com/office/powerpoint/2010/main" val="2900473979"/>
-      </p:ext>
-    </p:extLst>
-  </p:cSld>
-  <p:clrMapOvr>
-    <a:masterClrMapping/>
-  </p:clrMapOvr>
-</p:sld>
-</file>
-
-<file path=ppt/slides/slide8.xml><?xml version="1.0" encoding="utf-8"?>
-<p:sld xmlns:a="http://schemas.openxmlformats.org/drawingml/2006/main" xmlns:r="http://schemas.openxmlformats.org/officeDocument/2006/relationships" xmlns:p="http://schemas.openxmlformats.org/presentationml/2006/main">
-  <p:cSld>
-    <p:spTree>
-      <p:nvGrpSpPr>
-        <p:cNvPr id="1" name=""/>
-        <p:cNvGrpSpPr/>
-        <p:nvPr/>
-      </p:nvGrpSpPr>
-      <p:grpSpPr>
-        <a:xfrm>
-          <a:off x="0" y="0"/>
-          <a:ext cx="0" cy="0"/>
-          <a:chOff x="0" y="0"/>
-          <a:chExt cx="0" cy="0"/>
-        </a:xfrm>
-      </p:grpSpPr>
-      <p:graphicFrame>
-        <p:nvGraphicFramePr>
-          <p:cNvPr id="4" name="Tabla 4">
-            <a:extLst>
-              <a:ext uri="{FF2B5EF4-FFF2-40B4-BE49-F238E27FC236}">
-                <a16:creationId xmlns:a16="http://schemas.microsoft.com/office/drawing/2014/main" id="{414077D9-915E-498C-94CB-71F78D44C99E}"/>
-              </a:ext>
-            </a:extLst>
-          </p:cNvPr>
-          <p:cNvGraphicFramePr>
-            <a:graphicFrameLocks noGrp="1"/>
-          </p:cNvGraphicFramePr>
-          <p:nvPr>
-            <p:extLst>
-              <p:ext uri="{D42A27DB-BD31-4B8C-83A1-F6EECF244321}">
-                <p14:modId xmlns:p14="http://schemas.microsoft.com/office/powerpoint/2010/main" val="4066349866"/>
-              </p:ext>
-            </p:extLst>
-          </p:nvPr>
-        </p:nvGraphicFramePr>
-        <p:xfrm>
-          <a:off x="1524000" y="539750"/>
-          <a:ext cx="6096000" cy="370840"/>
-        </p:xfrm>
-        <a:graphic>
-          <a:graphicData uri="http://schemas.openxmlformats.org/drawingml/2006/table">
-            <a:tbl>
-              <a:tblPr firstRow="1" bandRow="1">
-                <a:tableStyleId>{5C22544A-7EE6-4342-B048-85BDC9FD1C3A}</a:tableStyleId>
-              </a:tblPr>
-              <a:tblGrid>
-                <a:gridCol w="3048000">
-                  <a:extLst>
-                    <a:ext uri="{9D8B030D-6E8A-4147-A177-3AD203B41FA5}">
-                      <a16:colId xmlns:a16="http://schemas.microsoft.com/office/drawing/2014/main" val="1899004143"/>
-                    </a:ext>
-                  </a:extLst>
-                </a:gridCol>
-                <a:gridCol w="3048000">
-                  <a:extLst>
-                    <a:ext uri="{9D8B030D-6E8A-4147-A177-3AD203B41FA5}">
-                      <a16:colId xmlns:a16="http://schemas.microsoft.com/office/drawing/2014/main" val="920999742"/>
-                    </a:ext>
-                  </a:extLst>
-                </a:gridCol>
-              </a:tblGrid>
-              <a:tr h="370840">
-                <a:tc>
-                  <a:txBody>
-                    <a:bodyPr/>
-                    <a:lstStyle/>
-                    <a:p>
-                      <a:r>
-                        <a:rPr lang="es-AR" dirty="0"/>
-                        <a:t>Gradient Boosting Classifier</a:t>
-                      </a:r>
-                    </a:p>
-                  </a:txBody>
-                  <a:tcPr/>
-                </a:tc>
-                <a:tc>
-                  <a:txBody>
-                    <a:bodyPr/>
-                    <a:lstStyle/>
-                    <a:p>
-                      <a:r>
-                        <a:rPr lang="es-AR" dirty="0"/>
-                        <a:t>Decision Tree Classifier</a:t>
-                      </a:r>
-                    </a:p>
-                  </a:txBody>
-                  <a:tcPr/>
-                </a:tc>
-                <a:extLst>
-                  <a:ext uri="{0D108BD9-81ED-4DB2-BD59-A6C34878D82A}">
-                    <a16:rowId xmlns:a16="http://schemas.microsoft.com/office/drawing/2014/main" val="2284280743"/>
-                  </a:ext>
-                </a:extLst>
-              </a:tr>
-            </a:tbl>
-          </a:graphicData>
-        </a:graphic>
-      </p:graphicFrame>
-      <p:pic>
-        <p:nvPicPr>
-          <p:cNvPr id="6" name="Imagen 5">
-            <a:extLst>
-              <a:ext uri="{FF2B5EF4-FFF2-40B4-BE49-F238E27FC236}">
-                <a16:creationId xmlns:a16="http://schemas.microsoft.com/office/drawing/2014/main" id="{163EFC5A-FB27-455C-B018-DC85ED19D6B7}"/>
-              </a:ext>
-            </a:extLst>
-          </p:cNvPr>
-          <p:cNvPicPr>
-            <a:picLocks noChangeAspect="1"/>
-          </p:cNvPicPr>
-          <p:nvPr/>
-        </p:nvPicPr>
-        <p:blipFill>
-          <a:blip r:embed="rId2"/>
-          <a:stretch>
-            <a:fillRect/>
-          </a:stretch>
-        </p:blipFill>
-        <p:spPr>
-          <a:xfrm>
-            <a:off x="1524000" y="910590"/>
-            <a:ext cx="3028950" cy="3200400"/>
-          </a:xfrm>
-          <a:prstGeom prst="rect">
-            <a:avLst/>
-          </a:prstGeom>
-        </p:spPr>
-      </p:pic>
-      <p:pic>
-        <p:nvPicPr>
-          <p:cNvPr id="7" name="Imagen 6">
-            <a:extLst>
-              <a:ext uri="{FF2B5EF4-FFF2-40B4-BE49-F238E27FC236}">
-                <a16:creationId xmlns:a16="http://schemas.microsoft.com/office/drawing/2014/main" id="{FBDE4D8A-3E36-46C3-A111-AA17DA92BA31}"/>
-              </a:ext>
-            </a:extLst>
-          </p:cNvPr>
-          <p:cNvPicPr>
-            <a:picLocks noChangeAspect="1"/>
-          </p:cNvPicPr>
-          <p:nvPr/>
-        </p:nvPicPr>
-        <p:blipFill>
-          <a:blip r:embed="rId3"/>
-          <a:stretch>
-            <a:fillRect/>
-          </a:stretch>
-        </p:blipFill>
-        <p:spPr>
-          <a:xfrm>
-            <a:off x="4591052" y="901065"/>
-            <a:ext cx="3019425" cy="3209925"/>
-          </a:xfrm>
-          <a:prstGeom prst="rect">
-            <a:avLst/>
-          </a:prstGeom>
-        </p:spPr>
-      </p:pic>
-    </p:spTree>
-    <p:extLst>
-      <p:ext uri="{BB962C8B-B14F-4D97-AF65-F5344CB8AC3E}">
-        <p14:creationId xmlns:p14="http://schemas.microsoft.com/office/powerpoint/2010/main" val="1238639256"/>
-      </p:ext>
-    </p:extLst>
-  </p:cSld>
-  <p:clrMapOvr>
-    <a:masterClrMapping/>
-  </p:clrMapOvr>
-</p:sld>
-</file>
-
-<file path=ppt/slides/slide9.xml><?xml version="1.0" encoding="utf-8"?>
 <p:sld xmlns:a="http://schemas.openxmlformats.org/drawingml/2006/main" xmlns:r="http://schemas.openxmlformats.org/officeDocument/2006/relationships" xmlns:p="http://schemas.openxmlformats.org/presentationml/2006/main">
   <p:cSld>
     <p:spTree>
@@ -13332,6 +11394,3631 @@
     <p:extLst>
       <p:ext uri="{BB962C8B-B14F-4D97-AF65-F5344CB8AC3E}">
         <p14:creationId xmlns:p14="http://schemas.microsoft.com/office/powerpoint/2010/main" val="3894207157"/>
+      </p:ext>
+    </p:extLst>
+  </p:cSld>
+  <p:clrMapOvr>
+    <a:masterClrMapping/>
+  </p:clrMapOvr>
+</p:sld>
+</file>
+
+<file path=ppt/slides/slide11.xml><?xml version="1.0" encoding="utf-8"?>
+<p:sld xmlns:a="http://schemas.openxmlformats.org/drawingml/2006/main" xmlns:r="http://schemas.openxmlformats.org/officeDocument/2006/relationships" xmlns:p="http://schemas.openxmlformats.org/presentationml/2006/main">
+  <p:cSld>
+    <p:spTree>
+      <p:nvGrpSpPr>
+        <p:cNvPr id="1" name="Shape 164"/>
+        <p:cNvGrpSpPr/>
+        <p:nvPr/>
+      </p:nvGrpSpPr>
+      <p:grpSpPr>
+        <a:xfrm>
+          <a:off x="0" y="0"/>
+          <a:ext cx="0" cy="0"/>
+          <a:chOff x="0" y="0"/>
+          <a:chExt cx="0" cy="0"/>
+        </a:xfrm>
+      </p:grpSpPr>
+      <p:sp>
+        <p:nvSpPr>
+          <p:cNvPr id="166" name="Google Shape;166;p18"/>
+          <p:cNvSpPr txBox="1">
+            <a:spLocks noGrp="1"/>
+          </p:cNvSpPr>
+          <p:nvPr>
+            <p:ph type="title"/>
+          </p:nvPr>
+        </p:nvSpPr>
+        <p:spPr>
+          <a:xfrm>
+            <a:off x="1297500" y="393750"/>
+            <a:ext cx="7038900" cy="914100"/>
+          </a:xfrm>
+          <a:prstGeom prst="rect">
+            <a:avLst/>
+          </a:prstGeom>
+        </p:spPr>
+        <p:txBody>
+          <a:bodyPr spcFirstLastPara="1" wrap="square" lIns="91425" tIns="91425" rIns="91425" bIns="91425" anchor="t" anchorCtr="0">
+            <a:normAutofit/>
+          </a:bodyPr>
+          <a:lstStyle/>
+          <a:p>
+            <a:pPr marL="0" lvl="0" indent="0" algn="l" rtl="0">
+              <a:spcBef>
+                <a:spcPts val="0"/>
+              </a:spcBef>
+              <a:spcAft>
+                <a:spcPts val="0"/>
+              </a:spcAft>
+              <a:buNone/>
+            </a:pPr>
+            <a:r>
+              <a:rPr lang="es-AR" dirty="0"/>
+              <a:t>Elección del modelo</a:t>
+            </a:r>
+            <a:endParaRPr dirty="0"/>
+          </a:p>
+        </p:txBody>
+      </p:sp>
+      <p:sp>
+        <p:nvSpPr>
+          <p:cNvPr id="5" name="Google Shape;153;p16">
+            <a:extLst>
+              <a:ext uri="{FF2B5EF4-FFF2-40B4-BE49-F238E27FC236}">
+                <a16:creationId xmlns:a16="http://schemas.microsoft.com/office/drawing/2014/main" id="{F4530497-4234-4C55-8CD6-835F547B8810}"/>
+              </a:ext>
+            </a:extLst>
+          </p:cNvPr>
+          <p:cNvSpPr txBox="1">
+            <a:spLocks noGrp="1"/>
+          </p:cNvSpPr>
+          <p:nvPr>
+            <p:ph type="body" idx="1"/>
+          </p:nvPr>
+        </p:nvSpPr>
+        <p:spPr>
+          <a:xfrm>
+            <a:off x="1297500" y="1567550"/>
+            <a:ext cx="7038900" cy="2911200"/>
+          </a:xfrm>
+          <a:prstGeom prst="rect">
+            <a:avLst/>
+          </a:prstGeom>
+        </p:spPr>
+        <p:txBody>
+          <a:bodyPr spcFirstLastPara="1" wrap="square" lIns="91425" tIns="91425" rIns="91425" bIns="91425" anchor="t" anchorCtr="0">
+            <a:normAutofit/>
+          </a:bodyPr>
+          <a:lstStyle/>
+          <a:p>
+            <a:pPr>
+              <a:lnSpc>
+                <a:spcPct val="200000"/>
+              </a:lnSpc>
+            </a:pPr>
+            <a:r>
+              <a:rPr lang="es-AR" dirty="0"/>
+              <a:t>Gradient Boosting Classifier:</a:t>
+            </a:r>
+          </a:p>
+          <a:p>
+            <a:pPr lvl="1">
+              <a:lnSpc>
+                <a:spcPct val="200000"/>
+              </a:lnSpc>
+            </a:pPr>
+            <a:r>
+              <a:rPr lang="es-AR" dirty="0"/>
+              <a:t>Este modelo presenta la menor cantidad de falsos negativos.</a:t>
+            </a:r>
+          </a:p>
+          <a:p>
+            <a:pPr lvl="1">
+              <a:lnSpc>
+                <a:spcPct val="200000"/>
+              </a:lnSpc>
+            </a:pPr>
+            <a:r>
+              <a:rPr lang="es-AR" dirty="0"/>
+              <a:t>Tiene una capacidad de predecir cerca del 50% de los clientes que abandonan la plataforma.</a:t>
+            </a:r>
+          </a:p>
+          <a:p>
+            <a:pPr lvl="1">
+              <a:lnSpc>
+                <a:spcPct val="200000"/>
+              </a:lnSpc>
+            </a:pPr>
+            <a:r>
+              <a:rPr lang="es-AR" dirty="0"/>
+              <a:t>Tiene una buena presicion a la hora de determinar aquellos clientes que efectivamente no abandonan la plataforma. </a:t>
+            </a:r>
+          </a:p>
+          <a:p>
+            <a:pPr marL="146050" indent="0">
+              <a:buNone/>
+            </a:pPr>
+            <a:endParaRPr dirty="0">
+              <a:latin typeface="Montserrat"/>
+              <a:ea typeface="Montserrat"/>
+              <a:cs typeface="Montserrat"/>
+              <a:sym typeface="Montserrat"/>
+            </a:endParaRPr>
+          </a:p>
+        </p:txBody>
+      </p:sp>
+    </p:spTree>
+    <p:extLst>
+      <p:ext uri="{BB962C8B-B14F-4D97-AF65-F5344CB8AC3E}">
+        <p14:creationId xmlns:p14="http://schemas.microsoft.com/office/powerpoint/2010/main" val="3001752593"/>
+      </p:ext>
+    </p:extLst>
+  </p:cSld>
+  <p:clrMapOvr>
+    <a:masterClrMapping/>
+  </p:clrMapOvr>
+</p:sld>
+</file>
+
+<file path=ppt/slides/slide12.xml><?xml version="1.0" encoding="utf-8"?>
+<p:sld xmlns:a="http://schemas.openxmlformats.org/drawingml/2006/main" xmlns:r="http://schemas.openxmlformats.org/officeDocument/2006/relationships" xmlns:p="http://schemas.openxmlformats.org/presentationml/2006/main">
+  <p:cSld>
+    <p:spTree>
+      <p:nvGrpSpPr>
+        <p:cNvPr id="1" name="Shape 164"/>
+        <p:cNvGrpSpPr/>
+        <p:nvPr/>
+      </p:nvGrpSpPr>
+      <p:grpSpPr>
+        <a:xfrm>
+          <a:off x="0" y="0"/>
+          <a:ext cx="0" cy="0"/>
+          <a:chOff x="0" y="0"/>
+          <a:chExt cx="0" cy="0"/>
+        </a:xfrm>
+      </p:grpSpPr>
+      <p:sp>
+        <p:nvSpPr>
+          <p:cNvPr id="166" name="Google Shape;166;p18"/>
+          <p:cNvSpPr txBox="1">
+            <a:spLocks noGrp="1"/>
+          </p:cNvSpPr>
+          <p:nvPr>
+            <p:ph type="title"/>
+          </p:nvPr>
+        </p:nvSpPr>
+        <p:spPr>
+          <a:xfrm>
+            <a:off x="1297500" y="393750"/>
+            <a:ext cx="7038900" cy="914100"/>
+          </a:xfrm>
+          <a:prstGeom prst="rect">
+            <a:avLst/>
+          </a:prstGeom>
+        </p:spPr>
+        <p:txBody>
+          <a:bodyPr spcFirstLastPara="1" wrap="square" lIns="91425" tIns="91425" rIns="91425" bIns="91425" anchor="t" anchorCtr="0">
+            <a:normAutofit/>
+          </a:bodyPr>
+          <a:lstStyle/>
+          <a:p>
+            <a:pPr marL="0" lvl="0" indent="0" algn="l" rtl="0">
+              <a:spcBef>
+                <a:spcPts val="0"/>
+              </a:spcBef>
+              <a:spcAft>
+                <a:spcPts val="0"/>
+              </a:spcAft>
+              <a:buNone/>
+            </a:pPr>
+            <a:r>
+              <a:rPr lang="es-AR" dirty="0"/>
+              <a:t>Elección del modelo</a:t>
+            </a:r>
+            <a:endParaRPr dirty="0"/>
+          </a:p>
+        </p:txBody>
+      </p:sp>
+      <p:sp>
+        <p:nvSpPr>
+          <p:cNvPr id="5" name="Google Shape;153;p16">
+            <a:extLst>
+              <a:ext uri="{FF2B5EF4-FFF2-40B4-BE49-F238E27FC236}">
+                <a16:creationId xmlns:a16="http://schemas.microsoft.com/office/drawing/2014/main" id="{F4530497-4234-4C55-8CD6-835F547B8810}"/>
+              </a:ext>
+            </a:extLst>
+          </p:cNvPr>
+          <p:cNvSpPr txBox="1">
+            <a:spLocks noGrp="1"/>
+          </p:cNvSpPr>
+          <p:nvPr>
+            <p:ph type="body" idx="1"/>
+          </p:nvPr>
+        </p:nvSpPr>
+        <p:spPr>
+          <a:xfrm>
+            <a:off x="1297500" y="1567550"/>
+            <a:ext cx="7038900" cy="2911200"/>
+          </a:xfrm>
+          <a:prstGeom prst="rect">
+            <a:avLst/>
+          </a:prstGeom>
+        </p:spPr>
+        <p:txBody>
+          <a:bodyPr spcFirstLastPara="1" wrap="square" lIns="91425" tIns="91425" rIns="91425" bIns="91425" anchor="t" anchorCtr="0">
+            <a:normAutofit/>
+          </a:bodyPr>
+          <a:lstStyle/>
+          <a:p>
+            <a:pPr>
+              <a:lnSpc>
+                <a:spcPct val="200000"/>
+              </a:lnSpc>
+            </a:pPr>
+            <a:r>
+              <a:rPr lang="es-AR" dirty="0"/>
+              <a:t>Gradient Boosting Classifier parámetros:</a:t>
+            </a:r>
+          </a:p>
+          <a:p>
+            <a:pPr lvl="1">
+              <a:lnSpc>
+                <a:spcPct val="200000"/>
+              </a:lnSpc>
+            </a:pPr>
+            <a:r>
+              <a:rPr lang="es-AR" dirty="0"/>
+              <a:t>learning_rate = 0,1</a:t>
+            </a:r>
+          </a:p>
+          <a:p>
+            <a:pPr lvl="1">
+              <a:lnSpc>
+                <a:spcPct val="200000"/>
+              </a:lnSpc>
+            </a:pPr>
+            <a:r>
+              <a:rPr lang="es-AR" dirty="0"/>
+              <a:t>max_depth = 3</a:t>
+            </a:r>
+          </a:p>
+          <a:p>
+            <a:pPr lvl="1">
+              <a:lnSpc>
+                <a:spcPct val="200000"/>
+              </a:lnSpc>
+            </a:pPr>
+            <a:r>
+              <a:rPr lang="es-AR" dirty="0"/>
+              <a:t>n_estimators = 200</a:t>
+            </a:r>
+          </a:p>
+          <a:p>
+            <a:pPr lvl="1">
+              <a:lnSpc>
+                <a:spcPct val="200000"/>
+              </a:lnSpc>
+            </a:pPr>
+            <a:r>
+              <a:rPr lang="es-AR" dirty="0">
+                <a:latin typeface="Montserrat"/>
+                <a:ea typeface="Montserrat"/>
+                <a:cs typeface="Montserrat"/>
+                <a:sym typeface="Montserrat"/>
+              </a:rPr>
+              <a:t>random_state = 42</a:t>
+            </a:r>
+          </a:p>
+          <a:p>
+            <a:pPr lvl="1">
+              <a:lnSpc>
+                <a:spcPct val="200000"/>
+              </a:lnSpc>
+            </a:pPr>
+            <a:r>
+              <a:rPr lang="es-AR" dirty="0">
+                <a:latin typeface="Montserrat"/>
+                <a:ea typeface="Montserrat"/>
+                <a:cs typeface="Montserrat"/>
+                <a:sym typeface="Montserrat"/>
+              </a:rPr>
+              <a:t>Subsample = 0,5</a:t>
+            </a:r>
+            <a:endParaRPr dirty="0">
+              <a:latin typeface="Montserrat"/>
+              <a:ea typeface="Montserrat"/>
+              <a:cs typeface="Montserrat"/>
+              <a:sym typeface="Montserrat"/>
+            </a:endParaRPr>
+          </a:p>
+        </p:txBody>
+      </p:sp>
+    </p:spTree>
+    <p:extLst>
+      <p:ext uri="{BB962C8B-B14F-4D97-AF65-F5344CB8AC3E}">
+        <p14:creationId xmlns:p14="http://schemas.microsoft.com/office/powerpoint/2010/main" val="1626454643"/>
+      </p:ext>
+    </p:extLst>
+  </p:cSld>
+  <p:clrMapOvr>
+    <a:masterClrMapping/>
+  </p:clrMapOvr>
+</p:sld>
+</file>
+
+<file path=ppt/slides/slide13.xml><?xml version="1.0" encoding="utf-8"?>
+<p:sld xmlns:a="http://schemas.openxmlformats.org/drawingml/2006/main" xmlns:r="http://schemas.openxmlformats.org/officeDocument/2006/relationships" xmlns:p="http://schemas.openxmlformats.org/presentationml/2006/main">
+  <p:cSld>
+    <p:spTree>
+      <p:nvGrpSpPr>
+        <p:cNvPr id="1" name="Shape 164"/>
+        <p:cNvGrpSpPr/>
+        <p:nvPr/>
+      </p:nvGrpSpPr>
+      <p:grpSpPr>
+        <a:xfrm>
+          <a:off x="0" y="0"/>
+          <a:ext cx="0" cy="0"/>
+          <a:chOff x="0" y="0"/>
+          <a:chExt cx="0" cy="0"/>
+        </a:xfrm>
+      </p:grpSpPr>
+      <p:sp>
+        <p:nvSpPr>
+          <p:cNvPr id="166" name="Google Shape;166;p18"/>
+          <p:cNvSpPr txBox="1">
+            <a:spLocks noGrp="1"/>
+          </p:cNvSpPr>
+          <p:nvPr>
+            <p:ph type="title"/>
+          </p:nvPr>
+        </p:nvSpPr>
+        <p:spPr>
+          <a:xfrm>
+            <a:off x="1297500" y="393750"/>
+            <a:ext cx="7038900" cy="914100"/>
+          </a:xfrm>
+          <a:prstGeom prst="rect">
+            <a:avLst/>
+          </a:prstGeom>
+        </p:spPr>
+        <p:txBody>
+          <a:bodyPr spcFirstLastPara="1" wrap="square" lIns="91425" tIns="91425" rIns="91425" bIns="91425" anchor="t" anchorCtr="0">
+            <a:normAutofit/>
+          </a:bodyPr>
+          <a:lstStyle/>
+          <a:p>
+            <a:pPr marL="0" lvl="0" indent="0" algn="l" rtl="0">
+              <a:spcBef>
+                <a:spcPts val="0"/>
+              </a:spcBef>
+              <a:spcAft>
+                <a:spcPts val="0"/>
+              </a:spcAft>
+              <a:buNone/>
+            </a:pPr>
+            <a:r>
+              <a:rPr lang="es-AR" dirty="0"/>
+              <a:t>Elección del modelo</a:t>
+            </a:r>
+            <a:endParaRPr dirty="0"/>
+          </a:p>
+        </p:txBody>
+      </p:sp>
+      <p:sp>
+        <p:nvSpPr>
+          <p:cNvPr id="5" name="Google Shape;153;p16">
+            <a:extLst>
+              <a:ext uri="{FF2B5EF4-FFF2-40B4-BE49-F238E27FC236}">
+                <a16:creationId xmlns:a16="http://schemas.microsoft.com/office/drawing/2014/main" id="{F4530497-4234-4C55-8CD6-835F547B8810}"/>
+              </a:ext>
+            </a:extLst>
+          </p:cNvPr>
+          <p:cNvSpPr txBox="1">
+            <a:spLocks noGrp="1"/>
+          </p:cNvSpPr>
+          <p:nvPr>
+            <p:ph type="body" idx="1"/>
+          </p:nvPr>
+        </p:nvSpPr>
+        <p:spPr>
+          <a:xfrm>
+            <a:off x="1297500" y="1567550"/>
+            <a:ext cx="7038900" cy="2911200"/>
+          </a:xfrm>
+          <a:prstGeom prst="rect">
+            <a:avLst/>
+          </a:prstGeom>
+        </p:spPr>
+        <p:txBody>
+          <a:bodyPr spcFirstLastPara="1" wrap="square" lIns="91425" tIns="91425" rIns="91425" bIns="91425" anchor="t" anchorCtr="0">
+            <a:normAutofit/>
+          </a:bodyPr>
+          <a:lstStyle/>
+          <a:p>
+            <a:pPr>
+              <a:lnSpc>
+                <a:spcPct val="200000"/>
+              </a:lnSpc>
+            </a:pPr>
+            <a:r>
+              <a:rPr lang="es-AR" dirty="0"/>
+              <a:t>Gradient Boosting Classifier parámetros:</a:t>
+            </a:r>
+          </a:p>
+          <a:p>
+            <a:pPr lvl="1">
+              <a:lnSpc>
+                <a:spcPct val="200000"/>
+              </a:lnSpc>
+            </a:pPr>
+            <a:r>
+              <a:rPr lang="es-AR" dirty="0"/>
+              <a:t>learning_rate = 0,1</a:t>
+            </a:r>
+          </a:p>
+          <a:p>
+            <a:pPr lvl="1">
+              <a:lnSpc>
+                <a:spcPct val="200000"/>
+              </a:lnSpc>
+            </a:pPr>
+            <a:r>
+              <a:rPr lang="es-AR" dirty="0"/>
+              <a:t>max_depth = 3</a:t>
+            </a:r>
+          </a:p>
+          <a:p>
+            <a:pPr lvl="1">
+              <a:lnSpc>
+                <a:spcPct val="200000"/>
+              </a:lnSpc>
+            </a:pPr>
+            <a:r>
+              <a:rPr lang="es-AR" dirty="0"/>
+              <a:t>n_estimators = 200</a:t>
+            </a:r>
+          </a:p>
+          <a:p>
+            <a:pPr lvl="1">
+              <a:lnSpc>
+                <a:spcPct val="200000"/>
+              </a:lnSpc>
+            </a:pPr>
+            <a:r>
+              <a:rPr lang="es-AR" dirty="0">
+                <a:latin typeface="Montserrat"/>
+                <a:ea typeface="Montserrat"/>
+                <a:cs typeface="Montserrat"/>
+                <a:sym typeface="Montserrat"/>
+              </a:rPr>
+              <a:t>random_state = 42</a:t>
+            </a:r>
+          </a:p>
+          <a:p>
+            <a:pPr lvl="1">
+              <a:lnSpc>
+                <a:spcPct val="200000"/>
+              </a:lnSpc>
+            </a:pPr>
+            <a:r>
+              <a:rPr lang="es-AR" dirty="0">
+                <a:latin typeface="Montserrat"/>
+                <a:ea typeface="Montserrat"/>
+                <a:cs typeface="Montserrat"/>
+                <a:sym typeface="Montserrat"/>
+              </a:rPr>
+              <a:t>Subsample = 0,5</a:t>
+            </a:r>
+            <a:endParaRPr dirty="0">
+              <a:latin typeface="Montserrat"/>
+              <a:ea typeface="Montserrat"/>
+              <a:cs typeface="Montserrat"/>
+              <a:sym typeface="Montserrat"/>
+            </a:endParaRPr>
+          </a:p>
+        </p:txBody>
+      </p:sp>
+    </p:spTree>
+    <p:extLst>
+      <p:ext uri="{BB962C8B-B14F-4D97-AF65-F5344CB8AC3E}">
+        <p14:creationId xmlns:p14="http://schemas.microsoft.com/office/powerpoint/2010/main" val="2998077907"/>
+      </p:ext>
+    </p:extLst>
+  </p:cSld>
+  <p:clrMapOvr>
+    <a:masterClrMapping/>
+  </p:clrMapOvr>
+</p:sld>
+</file>
+
+<file path=ppt/slides/slide14.xml><?xml version="1.0" encoding="utf-8"?>
+<p:sld xmlns:a="http://schemas.openxmlformats.org/drawingml/2006/main" xmlns:r="http://schemas.openxmlformats.org/officeDocument/2006/relationships" xmlns:p="http://schemas.openxmlformats.org/presentationml/2006/main">
+  <p:cSld>
+    <p:spTree>
+      <p:nvGrpSpPr>
+        <p:cNvPr id="1" name="Shape 164"/>
+        <p:cNvGrpSpPr/>
+        <p:nvPr/>
+      </p:nvGrpSpPr>
+      <p:grpSpPr>
+        <a:xfrm>
+          <a:off x="0" y="0"/>
+          <a:ext cx="0" cy="0"/>
+          <a:chOff x="0" y="0"/>
+          <a:chExt cx="0" cy="0"/>
+        </a:xfrm>
+      </p:grpSpPr>
+      <p:sp>
+        <p:nvSpPr>
+          <p:cNvPr id="166" name="Google Shape;166;p18"/>
+          <p:cNvSpPr txBox="1">
+            <a:spLocks noGrp="1"/>
+          </p:cNvSpPr>
+          <p:nvPr>
+            <p:ph type="title"/>
+          </p:nvPr>
+        </p:nvSpPr>
+        <p:spPr>
+          <a:xfrm>
+            <a:off x="1304589" y="244894"/>
+            <a:ext cx="7038900" cy="914100"/>
+          </a:xfrm>
+          <a:prstGeom prst="rect">
+            <a:avLst/>
+          </a:prstGeom>
+        </p:spPr>
+        <p:txBody>
+          <a:bodyPr spcFirstLastPara="1" wrap="square" lIns="91425" tIns="91425" rIns="91425" bIns="91425" anchor="t" anchorCtr="0">
+            <a:normAutofit/>
+          </a:bodyPr>
+          <a:lstStyle/>
+          <a:p>
+            <a:pPr marL="0" lvl="0" indent="0" algn="l" rtl="0">
+              <a:spcBef>
+                <a:spcPts val="0"/>
+              </a:spcBef>
+              <a:spcAft>
+                <a:spcPts val="0"/>
+              </a:spcAft>
+              <a:buNone/>
+            </a:pPr>
+            <a:r>
+              <a:rPr lang="es-AR" dirty="0"/>
+              <a:t>Pair plot</a:t>
+            </a:r>
+            <a:endParaRPr dirty="0"/>
+          </a:p>
+        </p:txBody>
+      </p:sp>
+      <p:pic>
+        <p:nvPicPr>
+          <p:cNvPr id="6" name="Imagen 5">
+            <a:extLst>
+              <a:ext uri="{FF2B5EF4-FFF2-40B4-BE49-F238E27FC236}">
+                <a16:creationId xmlns:a16="http://schemas.microsoft.com/office/drawing/2014/main" id="{E7371474-DEA4-485C-913B-5DCB379CCC4B}"/>
+              </a:ext>
+            </a:extLst>
+          </p:cNvPr>
+          <p:cNvPicPr>
+            <a:picLocks noChangeAspect="1"/>
+          </p:cNvPicPr>
+          <p:nvPr/>
+        </p:nvPicPr>
+        <p:blipFill>
+          <a:blip r:embed="rId3"/>
+          <a:stretch>
+            <a:fillRect/>
+          </a:stretch>
+        </p:blipFill>
+        <p:spPr>
+          <a:xfrm>
+            <a:off x="1604424" y="850605"/>
+            <a:ext cx="6299110" cy="4158215"/>
+          </a:xfrm>
+          <a:prstGeom prst="rect">
+            <a:avLst/>
+          </a:prstGeom>
+        </p:spPr>
+      </p:pic>
+    </p:spTree>
+    <p:extLst>
+      <p:ext uri="{BB962C8B-B14F-4D97-AF65-F5344CB8AC3E}">
+        <p14:creationId xmlns:p14="http://schemas.microsoft.com/office/powerpoint/2010/main" val="3608636159"/>
+      </p:ext>
+    </p:extLst>
+  </p:cSld>
+  <p:clrMapOvr>
+    <a:masterClrMapping/>
+  </p:clrMapOvr>
+</p:sld>
+</file>
+
+<file path=ppt/slides/slide15.xml><?xml version="1.0" encoding="utf-8"?>
+<p:sld xmlns:a="http://schemas.openxmlformats.org/drawingml/2006/main" xmlns:r="http://schemas.openxmlformats.org/officeDocument/2006/relationships" xmlns:p="http://schemas.openxmlformats.org/presentationml/2006/main">
+  <p:cSld>
+    <p:spTree>
+      <p:nvGrpSpPr>
+        <p:cNvPr id="1" name="Shape 164"/>
+        <p:cNvGrpSpPr/>
+        <p:nvPr/>
+      </p:nvGrpSpPr>
+      <p:grpSpPr>
+        <a:xfrm>
+          <a:off x="0" y="0"/>
+          <a:ext cx="0" cy="0"/>
+          <a:chOff x="0" y="0"/>
+          <a:chExt cx="0" cy="0"/>
+        </a:xfrm>
+      </p:grpSpPr>
+      <p:sp>
+        <p:nvSpPr>
+          <p:cNvPr id="166" name="Google Shape;166;p18"/>
+          <p:cNvSpPr txBox="1">
+            <a:spLocks noGrp="1"/>
+          </p:cNvSpPr>
+          <p:nvPr>
+            <p:ph type="title"/>
+          </p:nvPr>
+        </p:nvSpPr>
+        <p:spPr>
+          <a:xfrm>
+            <a:off x="1304589" y="244894"/>
+            <a:ext cx="7038900" cy="914100"/>
+          </a:xfrm>
+          <a:prstGeom prst="rect">
+            <a:avLst/>
+          </a:prstGeom>
+        </p:spPr>
+        <p:txBody>
+          <a:bodyPr spcFirstLastPara="1" wrap="square" lIns="91425" tIns="91425" rIns="91425" bIns="91425" anchor="t" anchorCtr="0">
+            <a:normAutofit/>
+          </a:bodyPr>
+          <a:lstStyle/>
+          <a:p>
+            <a:pPr marL="0" lvl="0" indent="0" algn="l" rtl="0">
+              <a:spcBef>
+                <a:spcPts val="0"/>
+              </a:spcBef>
+              <a:spcAft>
+                <a:spcPts val="0"/>
+              </a:spcAft>
+              <a:buNone/>
+            </a:pPr>
+            <a:r>
+              <a:rPr lang="es-AR" dirty="0"/>
+              <a:t>Age vs nacionality</a:t>
+            </a:r>
+            <a:endParaRPr dirty="0"/>
+          </a:p>
+        </p:txBody>
+      </p:sp>
+      <p:pic>
+        <p:nvPicPr>
+          <p:cNvPr id="3" name="Imagen 2">
+            <a:extLst>
+              <a:ext uri="{FF2B5EF4-FFF2-40B4-BE49-F238E27FC236}">
+                <a16:creationId xmlns:a16="http://schemas.microsoft.com/office/drawing/2014/main" id="{9B57ABC3-AFD1-4583-A08B-FF6851E4F688}"/>
+              </a:ext>
+            </a:extLst>
+          </p:cNvPr>
+          <p:cNvPicPr>
+            <a:picLocks noChangeAspect="1"/>
+          </p:cNvPicPr>
+          <p:nvPr/>
+        </p:nvPicPr>
+        <p:blipFill>
+          <a:blip r:embed="rId3"/>
+          <a:stretch>
+            <a:fillRect/>
+          </a:stretch>
+        </p:blipFill>
+        <p:spPr>
+          <a:xfrm>
+            <a:off x="1304589" y="891313"/>
+            <a:ext cx="7513674" cy="4007293"/>
+          </a:xfrm>
+          <a:prstGeom prst="rect">
+            <a:avLst/>
+          </a:prstGeom>
+        </p:spPr>
+      </p:pic>
+    </p:spTree>
+    <p:extLst>
+      <p:ext uri="{BB962C8B-B14F-4D97-AF65-F5344CB8AC3E}">
+        <p14:creationId xmlns:p14="http://schemas.microsoft.com/office/powerpoint/2010/main" val="3560016733"/>
+      </p:ext>
+    </p:extLst>
+  </p:cSld>
+  <p:clrMapOvr>
+    <a:masterClrMapping/>
+  </p:clrMapOvr>
+</p:sld>
+</file>
+
+<file path=ppt/slides/slide16.xml><?xml version="1.0" encoding="utf-8"?>
+<p:sld xmlns:a="http://schemas.openxmlformats.org/drawingml/2006/main" xmlns:r="http://schemas.openxmlformats.org/officeDocument/2006/relationships" xmlns:p="http://schemas.openxmlformats.org/presentationml/2006/main">
+  <p:cSld>
+    <p:spTree>
+      <p:nvGrpSpPr>
+        <p:cNvPr id="1" name="Shape 164"/>
+        <p:cNvGrpSpPr/>
+        <p:nvPr/>
+      </p:nvGrpSpPr>
+      <p:grpSpPr>
+        <a:xfrm>
+          <a:off x="0" y="0"/>
+          <a:ext cx="0" cy="0"/>
+          <a:chOff x="0" y="0"/>
+          <a:chExt cx="0" cy="0"/>
+        </a:xfrm>
+      </p:grpSpPr>
+      <p:sp>
+        <p:nvSpPr>
+          <p:cNvPr id="166" name="Google Shape;166;p18"/>
+          <p:cNvSpPr txBox="1">
+            <a:spLocks noGrp="1"/>
+          </p:cNvSpPr>
+          <p:nvPr>
+            <p:ph type="title"/>
+          </p:nvPr>
+        </p:nvSpPr>
+        <p:spPr>
+          <a:xfrm>
+            <a:off x="1304589" y="244894"/>
+            <a:ext cx="7038900" cy="914100"/>
+          </a:xfrm>
+          <a:prstGeom prst="rect">
+            <a:avLst/>
+          </a:prstGeom>
+        </p:spPr>
+        <p:txBody>
+          <a:bodyPr spcFirstLastPara="1" wrap="square" lIns="91425" tIns="91425" rIns="91425" bIns="91425" anchor="t" anchorCtr="0">
+            <a:normAutofit/>
+          </a:bodyPr>
+          <a:lstStyle/>
+          <a:p>
+            <a:pPr marL="0" lvl="0" indent="0" algn="l" rtl="0">
+              <a:spcBef>
+                <a:spcPts val="0"/>
+              </a:spcBef>
+              <a:spcAft>
+                <a:spcPts val="0"/>
+              </a:spcAft>
+              <a:buNone/>
+            </a:pPr>
+            <a:r>
+              <a:rPr lang="es-AR" dirty="0"/>
+              <a:t>Salary y Balance</a:t>
+            </a:r>
+            <a:endParaRPr dirty="0"/>
+          </a:p>
+        </p:txBody>
+      </p:sp>
+      <p:pic>
+        <p:nvPicPr>
+          <p:cNvPr id="4" name="Imagen 3">
+            <a:extLst>
+              <a:ext uri="{FF2B5EF4-FFF2-40B4-BE49-F238E27FC236}">
+                <a16:creationId xmlns:a16="http://schemas.microsoft.com/office/drawing/2014/main" id="{8C880059-B17D-42B4-9CD8-835F1CEF7571}"/>
+              </a:ext>
+            </a:extLst>
+          </p:cNvPr>
+          <p:cNvPicPr>
+            <a:picLocks noChangeAspect="1"/>
+          </p:cNvPicPr>
+          <p:nvPr/>
+        </p:nvPicPr>
+        <p:blipFill>
+          <a:blip r:embed="rId3"/>
+          <a:stretch>
+            <a:fillRect/>
+          </a:stretch>
+        </p:blipFill>
+        <p:spPr>
+          <a:xfrm>
+            <a:off x="0" y="1643174"/>
+            <a:ext cx="9144000" cy="3048000"/>
+          </a:xfrm>
+          <a:prstGeom prst="rect">
+            <a:avLst/>
+          </a:prstGeom>
+        </p:spPr>
+      </p:pic>
+    </p:spTree>
+    <p:extLst>
+      <p:ext uri="{BB962C8B-B14F-4D97-AF65-F5344CB8AC3E}">
+        <p14:creationId xmlns:p14="http://schemas.microsoft.com/office/powerpoint/2010/main" val="2175430834"/>
+      </p:ext>
+    </p:extLst>
+  </p:cSld>
+  <p:clrMapOvr>
+    <a:masterClrMapping/>
+  </p:clrMapOvr>
+</p:sld>
+</file>
+
+<file path=ppt/slides/slide17.xml><?xml version="1.0" encoding="utf-8"?>
+<p:sld xmlns:a="http://schemas.openxmlformats.org/drawingml/2006/main" xmlns:r="http://schemas.openxmlformats.org/officeDocument/2006/relationships" xmlns:p="http://schemas.openxmlformats.org/presentationml/2006/main">
+  <p:cSld>
+    <p:spTree>
+      <p:nvGrpSpPr>
+        <p:cNvPr id="1" name="Shape 164"/>
+        <p:cNvGrpSpPr/>
+        <p:nvPr/>
+      </p:nvGrpSpPr>
+      <p:grpSpPr>
+        <a:xfrm>
+          <a:off x="0" y="0"/>
+          <a:ext cx="0" cy="0"/>
+          <a:chOff x="0" y="0"/>
+          <a:chExt cx="0" cy="0"/>
+        </a:xfrm>
+      </p:grpSpPr>
+      <p:sp>
+        <p:nvSpPr>
+          <p:cNvPr id="166" name="Google Shape;166;p18"/>
+          <p:cNvSpPr txBox="1">
+            <a:spLocks noGrp="1"/>
+          </p:cNvSpPr>
+          <p:nvPr>
+            <p:ph type="title"/>
+          </p:nvPr>
+        </p:nvSpPr>
+        <p:spPr>
+          <a:xfrm>
+            <a:off x="1304589" y="244894"/>
+            <a:ext cx="7038900" cy="914100"/>
+          </a:xfrm>
+          <a:prstGeom prst="rect">
+            <a:avLst/>
+          </a:prstGeom>
+        </p:spPr>
+        <p:txBody>
+          <a:bodyPr spcFirstLastPara="1" wrap="square" lIns="91425" tIns="91425" rIns="91425" bIns="91425" anchor="t" anchorCtr="0">
+            <a:normAutofit/>
+          </a:bodyPr>
+          <a:lstStyle/>
+          <a:p>
+            <a:pPr marL="0" lvl="0" indent="0" algn="l" rtl="0">
+              <a:spcBef>
+                <a:spcPts val="0"/>
+              </a:spcBef>
+              <a:spcAft>
+                <a:spcPts val="0"/>
+              </a:spcAft>
+              <a:buNone/>
+            </a:pPr>
+            <a:r>
+              <a:rPr lang="es-AR" dirty="0"/>
+              <a:t>Gender</a:t>
+            </a:r>
+            <a:endParaRPr dirty="0"/>
+          </a:p>
+        </p:txBody>
+      </p:sp>
+      <p:pic>
+        <p:nvPicPr>
+          <p:cNvPr id="3" name="Imagen 2">
+            <a:extLst>
+              <a:ext uri="{FF2B5EF4-FFF2-40B4-BE49-F238E27FC236}">
+                <a16:creationId xmlns:a16="http://schemas.microsoft.com/office/drawing/2014/main" id="{99D76DFB-9241-4391-A070-9A34B16436B7}"/>
+              </a:ext>
+            </a:extLst>
+          </p:cNvPr>
+          <p:cNvPicPr>
+            <a:picLocks noChangeAspect="1"/>
+          </p:cNvPicPr>
+          <p:nvPr/>
+        </p:nvPicPr>
+        <p:blipFill rotWithShape="1">
+          <a:blip r:embed="rId3"/>
+          <a:srcRect l="6739" t="-3650" r="8605" b="3650"/>
+          <a:stretch/>
+        </p:blipFill>
+        <p:spPr>
+          <a:xfrm>
+            <a:off x="98432" y="1352549"/>
+            <a:ext cx="8847093" cy="3483531"/>
+          </a:xfrm>
+          <a:prstGeom prst="rect">
+            <a:avLst/>
+          </a:prstGeom>
+        </p:spPr>
+      </p:pic>
+    </p:spTree>
+    <p:extLst>
+      <p:ext uri="{BB962C8B-B14F-4D97-AF65-F5344CB8AC3E}">
+        <p14:creationId xmlns:p14="http://schemas.microsoft.com/office/powerpoint/2010/main" val="4283477264"/>
+      </p:ext>
+    </p:extLst>
+  </p:cSld>
+  <p:clrMapOvr>
+    <a:masterClrMapping/>
+  </p:clrMapOvr>
+</p:sld>
+</file>
+
+<file path=ppt/slides/slide18.xml><?xml version="1.0" encoding="utf-8"?>
+<p:sld xmlns:a="http://schemas.openxmlformats.org/drawingml/2006/main" xmlns:r="http://schemas.openxmlformats.org/officeDocument/2006/relationships" xmlns:p="http://schemas.openxmlformats.org/presentationml/2006/main">
+  <p:cSld>
+    <p:spTree>
+      <p:nvGrpSpPr>
+        <p:cNvPr id="1" name="Shape 171"/>
+        <p:cNvGrpSpPr/>
+        <p:nvPr/>
+      </p:nvGrpSpPr>
+      <p:grpSpPr>
+        <a:xfrm>
+          <a:off x="0" y="0"/>
+          <a:ext cx="0" cy="0"/>
+          <a:chOff x="0" y="0"/>
+          <a:chExt cx="0" cy="0"/>
+        </a:xfrm>
+      </p:grpSpPr>
+      <p:sp>
+        <p:nvSpPr>
+          <p:cNvPr id="172" name="Google Shape;172;p19"/>
+          <p:cNvSpPr txBox="1">
+            <a:spLocks noGrp="1"/>
+          </p:cNvSpPr>
+          <p:nvPr>
+            <p:ph type="body" idx="1"/>
+          </p:nvPr>
+        </p:nvSpPr>
+        <p:spPr>
+          <a:xfrm>
+            <a:off x="1297500" y="2430175"/>
+            <a:ext cx="7038900" cy="2550600"/>
+          </a:xfrm>
+          <a:prstGeom prst="rect">
+            <a:avLst/>
+          </a:prstGeom>
+        </p:spPr>
+        <p:txBody>
+          <a:bodyPr spcFirstLastPara="1" wrap="square" lIns="91425" tIns="91425" rIns="91425" bIns="91425" anchor="t" anchorCtr="0">
+            <a:normAutofit/>
+          </a:bodyPr>
+          <a:lstStyle/>
+          <a:p>
+            <a:pPr marL="0" marR="38100" lvl="0" indent="0" algn="l" rtl="0">
+              <a:lnSpc>
+                <a:spcPct val="128571"/>
+              </a:lnSpc>
+              <a:spcBef>
+                <a:spcPts val="0"/>
+              </a:spcBef>
+              <a:spcAft>
+                <a:spcPts val="0"/>
+              </a:spcAft>
+              <a:buNone/>
+            </a:pPr>
+            <a:r>
+              <a:rPr lang="es">
+                <a:latin typeface="Montserrat"/>
+                <a:ea typeface="Montserrat"/>
+                <a:cs typeface="Montserrat"/>
+                <a:sym typeface="Montserrat"/>
+              </a:rPr>
+              <a:t>Consiste en un modelo que predice el valor de una variable objetivo mediante el aprendizaje de reglas de decisión simples deducidas de las características de los datos.</a:t>
+            </a:r>
+            <a:endParaRPr>
+              <a:latin typeface="Montserrat"/>
+              <a:ea typeface="Montserrat"/>
+              <a:cs typeface="Montserrat"/>
+              <a:sym typeface="Montserrat"/>
+            </a:endParaRPr>
+          </a:p>
+          <a:p>
+            <a:pPr marL="0" marR="38100" lvl="0" indent="0" algn="l" rtl="0">
+              <a:lnSpc>
+                <a:spcPct val="128571"/>
+              </a:lnSpc>
+              <a:spcBef>
+                <a:spcPts val="0"/>
+              </a:spcBef>
+              <a:spcAft>
+                <a:spcPts val="0"/>
+              </a:spcAft>
+              <a:buNone/>
+            </a:pPr>
+            <a:endParaRPr>
+              <a:latin typeface="Montserrat"/>
+              <a:ea typeface="Montserrat"/>
+              <a:cs typeface="Montserrat"/>
+              <a:sym typeface="Montserrat"/>
+            </a:endParaRPr>
+          </a:p>
+          <a:p>
+            <a:pPr marL="0" marR="38100" lvl="0" indent="0" algn="l" rtl="0">
+              <a:lnSpc>
+                <a:spcPct val="128571"/>
+              </a:lnSpc>
+              <a:spcBef>
+                <a:spcPts val="0"/>
+              </a:spcBef>
+              <a:spcAft>
+                <a:spcPts val="0"/>
+              </a:spcAft>
+              <a:buNone/>
+            </a:pPr>
+            <a:r>
+              <a:rPr lang="es">
+                <a:latin typeface="Montserrat"/>
+                <a:ea typeface="Montserrat"/>
+                <a:cs typeface="Montserrat"/>
+                <a:sym typeface="Montserrat"/>
+              </a:rPr>
+              <a:t>Algunas de sus características principales son:</a:t>
+            </a:r>
+            <a:endParaRPr>
+              <a:latin typeface="Montserrat"/>
+              <a:ea typeface="Montserrat"/>
+              <a:cs typeface="Montserrat"/>
+              <a:sym typeface="Montserrat"/>
+            </a:endParaRPr>
+          </a:p>
+          <a:p>
+            <a:pPr marL="457200" marR="38100" lvl="0" indent="-311150" algn="l" rtl="0">
+              <a:lnSpc>
+                <a:spcPct val="128571"/>
+              </a:lnSpc>
+              <a:spcBef>
+                <a:spcPts val="0"/>
+              </a:spcBef>
+              <a:spcAft>
+                <a:spcPts val="0"/>
+              </a:spcAft>
+              <a:buSzPts val="1300"/>
+              <a:buFont typeface="Montserrat"/>
+              <a:buChar char="●"/>
+            </a:pPr>
+            <a:r>
+              <a:rPr lang="es">
+                <a:latin typeface="Montserrat"/>
+                <a:ea typeface="Montserrat"/>
+                <a:cs typeface="Montserrat"/>
+                <a:sym typeface="Montserrat"/>
+              </a:rPr>
+              <a:t>Requiere poca preparación de los datos.</a:t>
+            </a:r>
+            <a:endParaRPr>
+              <a:latin typeface="Montserrat"/>
+              <a:ea typeface="Montserrat"/>
+              <a:cs typeface="Montserrat"/>
+              <a:sym typeface="Montserrat"/>
+            </a:endParaRPr>
+          </a:p>
+          <a:p>
+            <a:pPr marL="457200" marR="38100" lvl="0" indent="-311150" algn="l" rtl="0">
+              <a:lnSpc>
+                <a:spcPct val="128571"/>
+              </a:lnSpc>
+              <a:spcBef>
+                <a:spcPts val="0"/>
+              </a:spcBef>
+              <a:spcAft>
+                <a:spcPts val="0"/>
+              </a:spcAft>
+              <a:buSzPts val="1300"/>
+              <a:buFont typeface="Montserrat"/>
+              <a:buChar char="●"/>
+            </a:pPr>
+            <a:r>
+              <a:rPr lang="es">
+                <a:latin typeface="Montserrat"/>
+                <a:ea typeface="Montserrat"/>
+                <a:cs typeface="Montserrat"/>
+                <a:sym typeface="Montserrat"/>
+              </a:rPr>
+              <a:t>Posibilidad de validar un modelo mediante pruebas estadísticas.</a:t>
+            </a:r>
+            <a:endParaRPr>
+              <a:latin typeface="Montserrat"/>
+              <a:ea typeface="Montserrat"/>
+              <a:cs typeface="Montserrat"/>
+              <a:sym typeface="Montserrat"/>
+            </a:endParaRPr>
+          </a:p>
+          <a:p>
+            <a:pPr marL="457200" marR="38100" lvl="0" indent="-311150" algn="l" rtl="0">
+              <a:lnSpc>
+                <a:spcPct val="128571"/>
+              </a:lnSpc>
+              <a:spcBef>
+                <a:spcPts val="0"/>
+              </a:spcBef>
+              <a:spcAft>
+                <a:spcPts val="0"/>
+              </a:spcAft>
+              <a:buSzPts val="1300"/>
+              <a:buFont typeface="Montserrat"/>
+              <a:buChar char="●"/>
+            </a:pPr>
+            <a:r>
+              <a:rPr lang="es">
+                <a:latin typeface="Montserrat"/>
+                <a:ea typeface="Montserrat"/>
+                <a:cs typeface="Montserrat"/>
+                <a:sym typeface="Montserrat"/>
+              </a:rPr>
+              <a:t>Capaz de manejar datos numéricos y categóricos.</a:t>
+            </a:r>
+            <a:endParaRPr>
+              <a:latin typeface="Montserrat"/>
+              <a:ea typeface="Montserrat"/>
+              <a:cs typeface="Montserrat"/>
+              <a:sym typeface="Montserrat"/>
+            </a:endParaRPr>
+          </a:p>
+          <a:p>
+            <a:pPr marL="457200" marR="38100" lvl="0" indent="0" algn="l" rtl="0">
+              <a:lnSpc>
+                <a:spcPct val="128571"/>
+              </a:lnSpc>
+              <a:spcBef>
+                <a:spcPts val="0"/>
+              </a:spcBef>
+              <a:spcAft>
+                <a:spcPts val="0"/>
+              </a:spcAft>
+              <a:buNone/>
+            </a:pPr>
+            <a:endParaRPr>
+              <a:latin typeface="Montserrat"/>
+              <a:ea typeface="Montserrat"/>
+              <a:cs typeface="Montserrat"/>
+              <a:sym typeface="Montserrat"/>
+            </a:endParaRPr>
+          </a:p>
+          <a:p>
+            <a:pPr marL="457200" marR="38100" lvl="0" indent="0" algn="l" rtl="0">
+              <a:lnSpc>
+                <a:spcPct val="128571"/>
+              </a:lnSpc>
+              <a:spcBef>
+                <a:spcPts val="0"/>
+              </a:spcBef>
+              <a:spcAft>
+                <a:spcPts val="0"/>
+              </a:spcAft>
+              <a:buNone/>
+            </a:pPr>
+            <a:endParaRPr>
+              <a:latin typeface="Montserrat"/>
+              <a:ea typeface="Montserrat"/>
+              <a:cs typeface="Montserrat"/>
+              <a:sym typeface="Montserrat"/>
+            </a:endParaRPr>
+          </a:p>
+          <a:p>
+            <a:pPr marL="0" marR="38100" lvl="0" indent="0" algn="l" rtl="0">
+              <a:lnSpc>
+                <a:spcPct val="128571"/>
+              </a:lnSpc>
+              <a:spcBef>
+                <a:spcPts val="0"/>
+              </a:spcBef>
+              <a:spcAft>
+                <a:spcPts val="0"/>
+              </a:spcAft>
+              <a:buNone/>
+            </a:pPr>
+            <a:endParaRPr>
+              <a:latin typeface="Montserrat"/>
+              <a:ea typeface="Montserrat"/>
+              <a:cs typeface="Montserrat"/>
+              <a:sym typeface="Montserrat"/>
+            </a:endParaRPr>
+          </a:p>
+        </p:txBody>
+      </p:sp>
+      <p:sp>
+        <p:nvSpPr>
+          <p:cNvPr id="173" name="Google Shape;173;p19"/>
+          <p:cNvSpPr txBox="1">
+            <a:spLocks noGrp="1"/>
+          </p:cNvSpPr>
+          <p:nvPr>
+            <p:ph type="title"/>
+          </p:nvPr>
+        </p:nvSpPr>
+        <p:spPr>
+          <a:xfrm>
+            <a:off x="1297500" y="393750"/>
+            <a:ext cx="7038900" cy="1317300"/>
+          </a:xfrm>
+          <a:prstGeom prst="rect">
+            <a:avLst/>
+          </a:prstGeom>
+        </p:spPr>
+        <p:txBody>
+          <a:bodyPr spcFirstLastPara="1" wrap="square" lIns="91425" tIns="91425" rIns="91425" bIns="91425" anchor="t" anchorCtr="0">
+            <a:normAutofit/>
+          </a:bodyPr>
+          <a:lstStyle/>
+          <a:p>
+            <a:pPr marL="0" lvl="0" indent="0" algn="l" rtl="0">
+              <a:spcBef>
+                <a:spcPts val="0"/>
+              </a:spcBef>
+              <a:spcAft>
+                <a:spcPts val="0"/>
+              </a:spcAft>
+              <a:buNone/>
+            </a:pPr>
+            <a:r>
+              <a:rPr lang="es"/>
+              <a:t>Modelos Implementados</a:t>
+            </a:r>
+            <a:endParaRPr/>
+          </a:p>
+          <a:p>
+            <a:pPr marL="0" lvl="0" indent="0" algn="l" rtl="0">
+              <a:spcBef>
+                <a:spcPts val="0"/>
+              </a:spcBef>
+              <a:spcAft>
+                <a:spcPts val="0"/>
+              </a:spcAft>
+              <a:buNone/>
+            </a:pPr>
+            <a:endParaRPr/>
+          </a:p>
+          <a:p>
+            <a:pPr marL="457200" lvl="0" indent="-381000" algn="l" rtl="0">
+              <a:spcBef>
+                <a:spcPts val="0"/>
+              </a:spcBef>
+              <a:spcAft>
+                <a:spcPts val="0"/>
+              </a:spcAft>
+              <a:buSzPts val="2400"/>
+              <a:buAutoNum type="arabicPeriod"/>
+            </a:pPr>
+            <a:r>
+              <a:rPr lang="es"/>
+              <a:t>DecisionTreeClassifier</a:t>
+            </a:r>
+            <a:endParaRPr/>
+          </a:p>
+        </p:txBody>
+      </p:sp>
+    </p:spTree>
+  </p:cSld>
+  <p:clrMapOvr>
+    <a:masterClrMapping/>
+  </p:clrMapOvr>
+</p:sld>
+</file>
+
+<file path=ppt/slides/slide19.xml><?xml version="1.0" encoding="utf-8"?>
+<p:sld xmlns:a="http://schemas.openxmlformats.org/drawingml/2006/main" xmlns:r="http://schemas.openxmlformats.org/officeDocument/2006/relationships" xmlns:p="http://schemas.openxmlformats.org/presentationml/2006/main">
+  <p:cSld>
+    <p:spTree>
+      <p:nvGrpSpPr>
+        <p:cNvPr id="1" name="Shape 177"/>
+        <p:cNvGrpSpPr/>
+        <p:nvPr/>
+      </p:nvGrpSpPr>
+      <p:grpSpPr>
+        <a:xfrm>
+          <a:off x="0" y="0"/>
+          <a:ext cx="0" cy="0"/>
+          <a:chOff x="0" y="0"/>
+          <a:chExt cx="0" cy="0"/>
+        </a:xfrm>
+      </p:grpSpPr>
+      <p:sp>
+        <p:nvSpPr>
+          <p:cNvPr id="178" name="Google Shape;178;p20"/>
+          <p:cNvSpPr txBox="1">
+            <a:spLocks noGrp="1"/>
+          </p:cNvSpPr>
+          <p:nvPr>
+            <p:ph type="title"/>
+          </p:nvPr>
+        </p:nvSpPr>
+        <p:spPr>
+          <a:xfrm>
+            <a:off x="1297500" y="393750"/>
+            <a:ext cx="7038900" cy="1317300"/>
+          </a:xfrm>
+          <a:prstGeom prst="rect">
+            <a:avLst/>
+          </a:prstGeom>
+        </p:spPr>
+        <p:txBody>
+          <a:bodyPr spcFirstLastPara="1" wrap="square" lIns="91425" tIns="91425" rIns="91425" bIns="91425" anchor="t" anchorCtr="0">
+            <a:noAutofit/>
+          </a:bodyPr>
+          <a:lstStyle/>
+          <a:p>
+            <a:pPr marL="0" lvl="0" indent="0" algn="l" rtl="0">
+              <a:spcBef>
+                <a:spcPts val="0"/>
+              </a:spcBef>
+              <a:spcAft>
+                <a:spcPts val="0"/>
+              </a:spcAft>
+              <a:buNone/>
+            </a:pPr>
+            <a:endParaRPr/>
+          </a:p>
+          <a:p>
+            <a:pPr marL="0" lvl="0" indent="0" algn="l" rtl="0">
+              <a:spcBef>
+                <a:spcPts val="0"/>
+              </a:spcBef>
+              <a:spcAft>
+                <a:spcPts val="0"/>
+              </a:spcAft>
+              <a:buNone/>
+            </a:pPr>
+            <a:endParaRPr/>
+          </a:p>
+          <a:p>
+            <a:pPr marL="457200" lvl="0" indent="-381000" algn="l" rtl="0">
+              <a:spcBef>
+                <a:spcPts val="0"/>
+              </a:spcBef>
+              <a:spcAft>
+                <a:spcPts val="0"/>
+              </a:spcAft>
+              <a:buSzPts val="2400"/>
+              <a:buAutoNum type="arabicPeriod" startAt="2"/>
+            </a:pPr>
+            <a:r>
+              <a:rPr lang="es"/>
+              <a:t>KNN-</a:t>
+            </a:r>
+            <a:r>
+              <a:rPr lang="es" sz="2300">
+                <a:latin typeface="Roboto"/>
+                <a:ea typeface="Roboto"/>
+                <a:cs typeface="Roboto"/>
+                <a:sym typeface="Roboto"/>
+              </a:rPr>
+              <a:t>KNeighborsClassifier</a:t>
+            </a:r>
+            <a:endParaRPr sz="2300">
+              <a:latin typeface="Roboto"/>
+              <a:ea typeface="Roboto"/>
+              <a:cs typeface="Roboto"/>
+              <a:sym typeface="Roboto"/>
+            </a:endParaRPr>
+          </a:p>
+          <a:p>
+            <a:pPr marL="457200" lvl="0" indent="0" algn="l" rtl="0">
+              <a:spcBef>
+                <a:spcPts val="0"/>
+              </a:spcBef>
+              <a:spcAft>
+                <a:spcPts val="0"/>
+              </a:spcAft>
+              <a:buNone/>
+            </a:pPr>
+            <a:r>
+              <a:rPr lang="es"/>
+              <a:t> </a:t>
+            </a:r>
+            <a:endParaRPr/>
+          </a:p>
+        </p:txBody>
+      </p:sp>
+      <p:sp>
+        <p:nvSpPr>
+          <p:cNvPr id="179" name="Google Shape;179;p20"/>
+          <p:cNvSpPr txBox="1">
+            <a:spLocks noGrp="1"/>
+          </p:cNvSpPr>
+          <p:nvPr>
+            <p:ph type="body" idx="1"/>
+          </p:nvPr>
+        </p:nvSpPr>
+        <p:spPr>
+          <a:xfrm>
+            <a:off x="1297500" y="2430175"/>
+            <a:ext cx="7038900" cy="2550600"/>
+          </a:xfrm>
+          <a:prstGeom prst="rect">
+            <a:avLst/>
+          </a:prstGeom>
+        </p:spPr>
+        <p:txBody>
+          <a:bodyPr spcFirstLastPara="1" wrap="square" lIns="91425" tIns="91425" rIns="91425" bIns="91425" anchor="t" anchorCtr="0">
+            <a:normAutofit fontScale="77500" lnSpcReduction="20000"/>
+          </a:bodyPr>
+          <a:lstStyle/>
+          <a:p>
+            <a:pPr marL="0" marR="38100" lvl="0" indent="0" algn="l" rtl="0">
+              <a:lnSpc>
+                <a:spcPct val="128571"/>
+              </a:lnSpc>
+              <a:spcBef>
+                <a:spcPts val="0"/>
+              </a:spcBef>
+              <a:spcAft>
+                <a:spcPts val="0"/>
+              </a:spcAft>
+              <a:buNone/>
+            </a:pPr>
+            <a:r>
+              <a:rPr lang="es" sz="2100">
+                <a:latin typeface="Montserrat"/>
+                <a:ea typeface="Montserrat"/>
+                <a:cs typeface="Montserrat"/>
+                <a:sym typeface="Montserrat"/>
+              </a:rPr>
+              <a:t>La clasificación basada en vecinos es un tipo de aprendizaje basado en instancias o aprendizaje no generalizador: no intenta construir un modelo interno general, sino que simplemente almacena instancias de los datos de entrenamiento. La clasificación se calcula a partir de un voto de mayoría simple de los vecinos más cercanos de cada punto: a un punto de consulta se le asigna la clase de datos que tiene la mayor cantidad de representantes dentro de los vecinos más cercanos del punto.</a:t>
+            </a:r>
+            <a:endParaRPr sz="2100">
+              <a:latin typeface="Montserrat"/>
+              <a:ea typeface="Montserrat"/>
+              <a:cs typeface="Montserrat"/>
+              <a:sym typeface="Montserrat"/>
+            </a:endParaRPr>
+          </a:p>
+          <a:p>
+            <a:pPr marL="0" marR="38100" lvl="0" indent="0" algn="l" rtl="0">
+              <a:lnSpc>
+                <a:spcPct val="128571"/>
+              </a:lnSpc>
+              <a:spcBef>
+                <a:spcPts val="0"/>
+              </a:spcBef>
+              <a:spcAft>
+                <a:spcPts val="0"/>
+              </a:spcAft>
+              <a:buNone/>
+            </a:pPr>
+            <a:endParaRPr>
+              <a:latin typeface="Montserrat"/>
+              <a:ea typeface="Montserrat"/>
+              <a:cs typeface="Montserrat"/>
+              <a:sym typeface="Montserrat"/>
+            </a:endParaRPr>
+          </a:p>
+          <a:p>
+            <a:pPr marL="0" marR="38100" lvl="0" indent="0" algn="l" rtl="0">
+              <a:lnSpc>
+                <a:spcPct val="128571"/>
+              </a:lnSpc>
+              <a:spcBef>
+                <a:spcPts val="0"/>
+              </a:spcBef>
+              <a:spcAft>
+                <a:spcPts val="0"/>
+              </a:spcAft>
+              <a:buNone/>
+            </a:pPr>
+            <a:endParaRPr>
+              <a:latin typeface="Montserrat"/>
+              <a:ea typeface="Montserrat"/>
+              <a:cs typeface="Montserrat"/>
+              <a:sym typeface="Montserrat"/>
+            </a:endParaRPr>
+          </a:p>
+          <a:p>
+            <a:pPr marL="457200" marR="38100" lvl="0" indent="0" algn="l" rtl="0">
+              <a:lnSpc>
+                <a:spcPct val="128571"/>
+              </a:lnSpc>
+              <a:spcBef>
+                <a:spcPts val="0"/>
+              </a:spcBef>
+              <a:spcAft>
+                <a:spcPts val="0"/>
+              </a:spcAft>
+              <a:buNone/>
+            </a:pPr>
+            <a:endParaRPr>
+              <a:latin typeface="Montserrat"/>
+              <a:ea typeface="Montserrat"/>
+              <a:cs typeface="Montserrat"/>
+              <a:sym typeface="Montserrat"/>
+            </a:endParaRPr>
+          </a:p>
+          <a:p>
+            <a:pPr marL="457200" marR="38100" lvl="0" indent="0" algn="l" rtl="0">
+              <a:lnSpc>
+                <a:spcPct val="128571"/>
+              </a:lnSpc>
+              <a:spcBef>
+                <a:spcPts val="0"/>
+              </a:spcBef>
+              <a:spcAft>
+                <a:spcPts val="0"/>
+              </a:spcAft>
+              <a:buNone/>
+            </a:pPr>
+            <a:endParaRPr>
+              <a:latin typeface="Montserrat"/>
+              <a:ea typeface="Montserrat"/>
+              <a:cs typeface="Montserrat"/>
+              <a:sym typeface="Montserrat"/>
+            </a:endParaRPr>
+          </a:p>
+          <a:p>
+            <a:pPr marL="0" marR="38100" lvl="0" indent="0" algn="l" rtl="0">
+              <a:lnSpc>
+                <a:spcPct val="128571"/>
+              </a:lnSpc>
+              <a:spcBef>
+                <a:spcPts val="0"/>
+              </a:spcBef>
+              <a:spcAft>
+                <a:spcPts val="0"/>
+              </a:spcAft>
+              <a:buNone/>
+            </a:pPr>
+            <a:endParaRPr>
+              <a:latin typeface="Montserrat"/>
+              <a:ea typeface="Montserrat"/>
+              <a:cs typeface="Montserrat"/>
+              <a:sym typeface="Montserrat"/>
+            </a:endParaRPr>
+          </a:p>
+        </p:txBody>
+      </p:sp>
+    </p:spTree>
+  </p:cSld>
+  <p:clrMapOvr>
+    <a:masterClrMapping/>
+  </p:clrMapOvr>
+</p:sld>
+</file>
+
+<file path=ppt/slides/slide2.xml><?xml version="1.0" encoding="utf-8"?>
+<p:sld xmlns:a="http://schemas.openxmlformats.org/drawingml/2006/main" xmlns:r="http://schemas.openxmlformats.org/officeDocument/2006/relationships" xmlns:p="http://schemas.openxmlformats.org/presentationml/2006/main">
+  <p:cSld>
+    <p:spTree>
+      <p:nvGrpSpPr>
+        <p:cNvPr id="1" name="Shape 139"/>
+        <p:cNvGrpSpPr/>
+        <p:nvPr/>
+      </p:nvGrpSpPr>
+      <p:grpSpPr>
+        <a:xfrm>
+          <a:off x="0" y="0"/>
+          <a:ext cx="0" cy="0"/>
+          <a:chOff x="0" y="0"/>
+          <a:chExt cx="0" cy="0"/>
+        </a:xfrm>
+      </p:grpSpPr>
+      <p:sp>
+        <p:nvSpPr>
+          <p:cNvPr id="140" name="Google Shape;140;p14"/>
+          <p:cNvSpPr txBox="1">
+            <a:spLocks noGrp="1"/>
+          </p:cNvSpPr>
+          <p:nvPr>
+            <p:ph type="title"/>
+          </p:nvPr>
+        </p:nvSpPr>
+        <p:spPr>
+          <a:xfrm>
+            <a:off x="1297500" y="393750"/>
+            <a:ext cx="7038900" cy="914100"/>
+          </a:xfrm>
+          <a:prstGeom prst="rect">
+            <a:avLst/>
+          </a:prstGeom>
+        </p:spPr>
+        <p:txBody>
+          <a:bodyPr spcFirstLastPara="1" wrap="square" lIns="91425" tIns="91425" rIns="91425" bIns="91425" anchor="t" anchorCtr="0">
+            <a:normAutofit/>
+          </a:bodyPr>
+          <a:lstStyle/>
+          <a:p>
+            <a:pPr marL="0" lvl="0" indent="0" algn="l" rtl="0">
+              <a:spcBef>
+                <a:spcPts val="0"/>
+              </a:spcBef>
+              <a:spcAft>
+                <a:spcPts val="0"/>
+              </a:spcAft>
+              <a:buNone/>
+            </a:pPr>
+            <a:r>
+              <a:rPr lang="es"/>
+              <a:t>Problema</a:t>
+            </a:r>
+            <a:endParaRPr/>
+          </a:p>
+        </p:txBody>
+      </p:sp>
+      <p:sp>
+        <p:nvSpPr>
+          <p:cNvPr id="141" name="Google Shape;141;p14"/>
+          <p:cNvSpPr txBox="1">
+            <a:spLocks noGrp="1"/>
+          </p:cNvSpPr>
+          <p:nvPr>
+            <p:ph type="body" idx="1"/>
+          </p:nvPr>
+        </p:nvSpPr>
+        <p:spPr>
+          <a:xfrm>
+            <a:off x="1297500" y="1567550"/>
+            <a:ext cx="7038900" cy="2911200"/>
+          </a:xfrm>
+          <a:prstGeom prst="rect">
+            <a:avLst/>
+          </a:prstGeom>
+        </p:spPr>
+        <p:txBody>
+          <a:bodyPr spcFirstLastPara="1" wrap="square" lIns="91425" tIns="91425" rIns="91425" bIns="91425" anchor="t" anchorCtr="0">
+            <a:normAutofit/>
+          </a:bodyPr>
+          <a:lstStyle/>
+          <a:p>
+            <a:pPr marL="0" lvl="0" indent="0" algn="l" rtl="0">
+              <a:lnSpc>
+                <a:spcPct val="200000"/>
+              </a:lnSpc>
+              <a:spcBef>
+                <a:spcPts val="0"/>
+              </a:spcBef>
+              <a:spcAft>
+                <a:spcPts val="0"/>
+              </a:spcAft>
+              <a:buNone/>
+            </a:pPr>
+            <a:r>
+              <a:rPr lang="es" sz="1050">
+                <a:latin typeface="Montserrat"/>
+                <a:ea typeface="Montserrat"/>
+                <a:cs typeface="Montserrat"/>
+                <a:sym typeface="Montserrat"/>
+              </a:rPr>
+              <a:t>Una empresa que vende un producto X (desconocido) y tiene una lista de </a:t>
+            </a:r>
+            <a:r>
+              <a:rPr lang="es" sz="1050">
+                <a:highlight>
+                  <a:schemeClr val="accent1"/>
+                </a:highlight>
+                <a:latin typeface="Montserrat"/>
+                <a:ea typeface="Montserrat"/>
+                <a:cs typeface="Montserrat"/>
+                <a:sym typeface="Montserrat"/>
+              </a:rPr>
+              <a:t>10000</a:t>
+            </a:r>
+            <a:r>
+              <a:rPr lang="es" sz="1050">
+                <a:latin typeface="Montserrat"/>
+                <a:ea typeface="Montserrat"/>
+                <a:cs typeface="Montserrat"/>
+                <a:sym typeface="Montserrat"/>
+              </a:rPr>
+              <a:t> clientes que han usado la plataforma para realizar una compra de dicho producto. </a:t>
+            </a:r>
+            <a:endParaRPr sz="1050">
+              <a:latin typeface="Montserrat"/>
+              <a:ea typeface="Montserrat"/>
+              <a:cs typeface="Montserrat"/>
+              <a:sym typeface="Montserrat"/>
+            </a:endParaRPr>
+          </a:p>
+          <a:p>
+            <a:pPr marL="0" lvl="0" indent="0" algn="l" rtl="0">
+              <a:lnSpc>
+                <a:spcPct val="200000"/>
+              </a:lnSpc>
+              <a:spcBef>
+                <a:spcPts val="0"/>
+              </a:spcBef>
+              <a:spcAft>
+                <a:spcPts val="0"/>
+              </a:spcAft>
+              <a:buNone/>
+            </a:pPr>
+            <a:r>
+              <a:rPr lang="es" sz="1050">
+                <a:latin typeface="Montserrat"/>
+                <a:ea typeface="Montserrat"/>
+                <a:cs typeface="Montserrat"/>
+                <a:sym typeface="Montserrat"/>
+              </a:rPr>
+              <a:t>Algunos de sus clientes desertan de la plataforma de compras y es de interés para la empresa ser capaz de predecir la deserción de clientes de la manera más precisa posible con el fin de implementar estrategias de marketing para afianzar a dichos clientes. </a:t>
+            </a:r>
+            <a:endParaRPr sz="1050">
+              <a:latin typeface="Montserrat"/>
+              <a:ea typeface="Montserrat"/>
+              <a:cs typeface="Montserrat"/>
+              <a:sym typeface="Montserrat"/>
+            </a:endParaRPr>
+          </a:p>
+          <a:p>
+            <a:pPr marL="0" lvl="0" indent="0" algn="l" rtl="0">
+              <a:lnSpc>
+                <a:spcPct val="135714"/>
+              </a:lnSpc>
+              <a:spcBef>
+                <a:spcPts val="0"/>
+              </a:spcBef>
+              <a:spcAft>
+                <a:spcPts val="0"/>
+              </a:spcAft>
+              <a:buNone/>
+            </a:pPr>
+            <a:endParaRPr sz="1050">
+              <a:latin typeface="Montserrat"/>
+              <a:ea typeface="Montserrat"/>
+              <a:cs typeface="Montserrat"/>
+              <a:sym typeface="Montserrat"/>
+            </a:endParaRPr>
+          </a:p>
+          <a:p>
+            <a:pPr marL="0" lvl="0" indent="0" algn="l" rtl="0">
+              <a:spcBef>
+                <a:spcPts val="0"/>
+              </a:spcBef>
+              <a:spcAft>
+                <a:spcPts val="1200"/>
+              </a:spcAft>
+              <a:buNone/>
+            </a:pPr>
+            <a:endParaRPr/>
+          </a:p>
+        </p:txBody>
+      </p:sp>
+    </p:spTree>
+  </p:cSld>
+  <p:clrMapOvr>
+    <a:masterClrMapping/>
+  </p:clrMapOvr>
+</p:sld>
+</file>
+
+<file path=ppt/slides/slide20.xml><?xml version="1.0" encoding="utf-8"?>
+<p:sld xmlns:a="http://schemas.openxmlformats.org/drawingml/2006/main" xmlns:r="http://schemas.openxmlformats.org/officeDocument/2006/relationships" xmlns:p="http://schemas.openxmlformats.org/presentationml/2006/main">
+  <p:cSld>
+    <p:spTree>
+      <p:nvGrpSpPr>
+        <p:cNvPr id="1" name="Shape 183"/>
+        <p:cNvGrpSpPr/>
+        <p:nvPr/>
+      </p:nvGrpSpPr>
+      <p:grpSpPr>
+        <a:xfrm>
+          <a:off x="0" y="0"/>
+          <a:ext cx="0" cy="0"/>
+          <a:chOff x="0" y="0"/>
+          <a:chExt cx="0" cy="0"/>
+        </a:xfrm>
+      </p:grpSpPr>
+      <p:sp>
+        <p:nvSpPr>
+          <p:cNvPr id="184" name="Google Shape;184;p21"/>
+          <p:cNvSpPr txBox="1">
+            <a:spLocks noGrp="1"/>
+          </p:cNvSpPr>
+          <p:nvPr>
+            <p:ph type="title"/>
+          </p:nvPr>
+        </p:nvSpPr>
+        <p:spPr>
+          <a:xfrm>
+            <a:off x="1297500" y="393750"/>
+            <a:ext cx="7038900" cy="1317300"/>
+          </a:xfrm>
+          <a:prstGeom prst="rect">
+            <a:avLst/>
+          </a:prstGeom>
+        </p:spPr>
+        <p:txBody>
+          <a:bodyPr spcFirstLastPara="1" wrap="square" lIns="91425" tIns="91425" rIns="91425" bIns="91425" anchor="t" anchorCtr="0">
+            <a:noAutofit/>
+          </a:bodyPr>
+          <a:lstStyle/>
+          <a:p>
+            <a:pPr marL="0" lvl="0" indent="0" algn="l" rtl="0">
+              <a:spcBef>
+                <a:spcPts val="0"/>
+              </a:spcBef>
+              <a:spcAft>
+                <a:spcPts val="0"/>
+              </a:spcAft>
+              <a:buNone/>
+            </a:pPr>
+            <a:endParaRPr/>
+          </a:p>
+          <a:p>
+            <a:pPr marL="0" lvl="0" indent="0" algn="l" rtl="0">
+              <a:spcBef>
+                <a:spcPts val="0"/>
+              </a:spcBef>
+              <a:spcAft>
+                <a:spcPts val="0"/>
+              </a:spcAft>
+              <a:buNone/>
+            </a:pPr>
+            <a:endParaRPr/>
+          </a:p>
+          <a:p>
+            <a:pPr marL="457200" lvl="0" indent="-381000" algn="l" rtl="0">
+              <a:spcBef>
+                <a:spcPts val="0"/>
+              </a:spcBef>
+              <a:spcAft>
+                <a:spcPts val="0"/>
+              </a:spcAft>
+              <a:buSzPts val="2400"/>
+              <a:buAutoNum type="arabicPeriod" startAt="3"/>
+            </a:pPr>
+            <a:r>
+              <a:rPr lang="es"/>
+              <a:t>Gradient Boosting Classifier</a:t>
+            </a:r>
+            <a:endParaRPr/>
+          </a:p>
+        </p:txBody>
+      </p:sp>
+      <p:sp>
+        <p:nvSpPr>
+          <p:cNvPr id="185" name="Google Shape;185;p21"/>
+          <p:cNvSpPr txBox="1">
+            <a:spLocks noGrp="1"/>
+          </p:cNvSpPr>
+          <p:nvPr>
+            <p:ph type="body" idx="1"/>
+          </p:nvPr>
+        </p:nvSpPr>
+        <p:spPr>
+          <a:xfrm>
+            <a:off x="1297500" y="2185900"/>
+            <a:ext cx="7038900" cy="2550600"/>
+          </a:xfrm>
+          <a:prstGeom prst="rect">
+            <a:avLst/>
+          </a:prstGeom>
+        </p:spPr>
+        <p:txBody>
+          <a:bodyPr spcFirstLastPara="1" wrap="square" lIns="91425" tIns="91425" rIns="91425" bIns="91425" anchor="t" anchorCtr="0">
+            <a:normAutofit fontScale="92500"/>
+          </a:bodyPr>
+          <a:lstStyle/>
+          <a:p>
+            <a:pPr marL="0" marR="38100" lvl="0" indent="0" algn="l" rtl="0">
+              <a:lnSpc>
+                <a:spcPct val="128571"/>
+              </a:lnSpc>
+              <a:spcBef>
+                <a:spcPts val="0"/>
+              </a:spcBef>
+              <a:spcAft>
+                <a:spcPts val="0"/>
+              </a:spcAft>
+              <a:buNone/>
+            </a:pPr>
+            <a:endParaRPr>
+              <a:latin typeface="Montserrat"/>
+              <a:ea typeface="Montserrat"/>
+              <a:cs typeface="Montserrat"/>
+              <a:sym typeface="Montserrat"/>
+            </a:endParaRPr>
+          </a:p>
+          <a:p>
+            <a:pPr marL="0" marR="38100" lvl="0" indent="0" algn="l" rtl="0">
+              <a:lnSpc>
+                <a:spcPct val="128571"/>
+              </a:lnSpc>
+              <a:spcBef>
+                <a:spcPts val="0"/>
+              </a:spcBef>
+              <a:spcAft>
+                <a:spcPts val="0"/>
+              </a:spcAft>
+              <a:buNone/>
+            </a:pPr>
+            <a:r>
+              <a:rPr lang="es" sz="1567">
+                <a:latin typeface="Montserrat"/>
+                <a:ea typeface="Montserrat"/>
+                <a:cs typeface="Montserrat"/>
+                <a:sym typeface="Montserrat"/>
+              </a:rPr>
+              <a:t>Gradient Boosting construye un modelo aditivo en una forma avanzada por etapas; permite la optimización de funciones de pérdida diferenciables arbitrarias.</a:t>
+            </a:r>
+            <a:endParaRPr>
+              <a:latin typeface="Montserrat"/>
+              <a:ea typeface="Montserrat"/>
+              <a:cs typeface="Montserrat"/>
+              <a:sym typeface="Montserrat"/>
+            </a:endParaRPr>
+          </a:p>
+          <a:p>
+            <a:pPr marL="0" marR="38100" lvl="0" indent="0" algn="l" rtl="0">
+              <a:lnSpc>
+                <a:spcPct val="128571"/>
+              </a:lnSpc>
+              <a:spcBef>
+                <a:spcPts val="0"/>
+              </a:spcBef>
+              <a:spcAft>
+                <a:spcPts val="0"/>
+              </a:spcAft>
+              <a:buNone/>
+            </a:pPr>
+            <a:endParaRPr>
+              <a:latin typeface="Montserrat"/>
+              <a:ea typeface="Montserrat"/>
+              <a:cs typeface="Montserrat"/>
+              <a:sym typeface="Montserrat"/>
+            </a:endParaRPr>
+          </a:p>
+          <a:p>
+            <a:pPr marL="0" marR="38100" lvl="0" indent="0" algn="l" rtl="0">
+              <a:lnSpc>
+                <a:spcPct val="128571"/>
+              </a:lnSpc>
+              <a:spcBef>
+                <a:spcPts val="0"/>
+              </a:spcBef>
+              <a:spcAft>
+                <a:spcPts val="0"/>
+              </a:spcAft>
+              <a:buNone/>
+            </a:pPr>
+            <a:r>
+              <a:rPr lang="es" sz="1535">
+                <a:latin typeface="Montserrat"/>
+                <a:ea typeface="Montserrat"/>
+                <a:cs typeface="Montserrat"/>
+                <a:sym typeface="Montserrat"/>
+              </a:rPr>
+              <a:t>Es un procedimiento listo para usar, preciso y efectivo que se puede usar tanto para problemas de regresión como de clasificación en una variedad de áreas que incluyen clasificación de búsqueda web y ecología.</a:t>
+            </a:r>
+            <a:endParaRPr sz="1535">
+              <a:latin typeface="Montserrat"/>
+              <a:ea typeface="Montserrat"/>
+              <a:cs typeface="Montserrat"/>
+              <a:sym typeface="Montserrat"/>
+            </a:endParaRPr>
+          </a:p>
+          <a:p>
+            <a:pPr marL="0" marR="38100" lvl="0" indent="0" algn="l" rtl="0">
+              <a:lnSpc>
+                <a:spcPct val="128571"/>
+              </a:lnSpc>
+              <a:spcBef>
+                <a:spcPts val="0"/>
+              </a:spcBef>
+              <a:spcAft>
+                <a:spcPts val="0"/>
+              </a:spcAft>
+              <a:buNone/>
+            </a:pPr>
+            <a:endParaRPr>
+              <a:latin typeface="Montserrat"/>
+              <a:ea typeface="Montserrat"/>
+              <a:cs typeface="Montserrat"/>
+              <a:sym typeface="Montserrat"/>
+            </a:endParaRPr>
+          </a:p>
+          <a:p>
+            <a:pPr marL="457200" marR="38100" lvl="0" indent="0" algn="l" rtl="0">
+              <a:lnSpc>
+                <a:spcPct val="128571"/>
+              </a:lnSpc>
+              <a:spcBef>
+                <a:spcPts val="0"/>
+              </a:spcBef>
+              <a:spcAft>
+                <a:spcPts val="0"/>
+              </a:spcAft>
+              <a:buNone/>
+            </a:pPr>
+            <a:endParaRPr>
+              <a:latin typeface="Montserrat"/>
+              <a:ea typeface="Montserrat"/>
+              <a:cs typeface="Montserrat"/>
+              <a:sym typeface="Montserrat"/>
+            </a:endParaRPr>
+          </a:p>
+          <a:p>
+            <a:pPr marL="457200" marR="38100" lvl="0" indent="0" algn="l" rtl="0">
+              <a:lnSpc>
+                <a:spcPct val="128571"/>
+              </a:lnSpc>
+              <a:spcBef>
+                <a:spcPts val="0"/>
+              </a:spcBef>
+              <a:spcAft>
+                <a:spcPts val="0"/>
+              </a:spcAft>
+              <a:buNone/>
+            </a:pPr>
+            <a:endParaRPr>
+              <a:latin typeface="Montserrat"/>
+              <a:ea typeface="Montserrat"/>
+              <a:cs typeface="Montserrat"/>
+              <a:sym typeface="Montserrat"/>
+            </a:endParaRPr>
+          </a:p>
+          <a:p>
+            <a:pPr marL="0" marR="38100" lvl="0" indent="0" algn="l" rtl="0">
+              <a:lnSpc>
+                <a:spcPct val="128571"/>
+              </a:lnSpc>
+              <a:spcBef>
+                <a:spcPts val="0"/>
+              </a:spcBef>
+              <a:spcAft>
+                <a:spcPts val="0"/>
+              </a:spcAft>
+              <a:buNone/>
+            </a:pPr>
+            <a:endParaRPr>
+              <a:latin typeface="Montserrat"/>
+              <a:ea typeface="Montserrat"/>
+              <a:cs typeface="Montserrat"/>
+              <a:sym typeface="Montserrat"/>
+            </a:endParaRPr>
+          </a:p>
+        </p:txBody>
+      </p:sp>
+    </p:spTree>
+  </p:cSld>
+  <p:clrMapOvr>
+    <a:masterClrMapping/>
+  </p:clrMapOvr>
+</p:sld>
+</file>
+
+<file path=ppt/slides/slide3.xml><?xml version="1.0" encoding="utf-8"?>
+<p:sld xmlns:a="http://schemas.openxmlformats.org/drawingml/2006/main" xmlns:r="http://schemas.openxmlformats.org/officeDocument/2006/relationships" xmlns:p="http://schemas.openxmlformats.org/presentationml/2006/main">
+  <p:cSld>
+    <p:spTree>
+      <p:nvGrpSpPr>
+        <p:cNvPr id="1" name="Shape 145"/>
+        <p:cNvGrpSpPr/>
+        <p:nvPr/>
+      </p:nvGrpSpPr>
+      <p:grpSpPr>
+        <a:xfrm>
+          <a:off x="0" y="0"/>
+          <a:ext cx="0" cy="0"/>
+          <a:chOff x="0" y="0"/>
+          <a:chExt cx="0" cy="0"/>
+        </a:xfrm>
+      </p:grpSpPr>
+      <p:sp>
+        <p:nvSpPr>
+          <p:cNvPr id="146" name="Google Shape;146;p15"/>
+          <p:cNvSpPr txBox="1">
+            <a:spLocks noGrp="1"/>
+          </p:cNvSpPr>
+          <p:nvPr>
+            <p:ph type="title"/>
+          </p:nvPr>
+        </p:nvSpPr>
+        <p:spPr>
+          <a:xfrm>
+            <a:off x="1297500" y="393750"/>
+            <a:ext cx="7038900" cy="914100"/>
+          </a:xfrm>
+          <a:prstGeom prst="rect">
+            <a:avLst/>
+          </a:prstGeom>
+        </p:spPr>
+        <p:txBody>
+          <a:bodyPr spcFirstLastPara="1" wrap="square" lIns="91425" tIns="91425" rIns="91425" bIns="91425" anchor="t" anchorCtr="0">
+            <a:normAutofit/>
+          </a:bodyPr>
+          <a:lstStyle/>
+          <a:p>
+            <a:pPr marL="0" lvl="0" indent="0" algn="l" rtl="0">
+              <a:spcBef>
+                <a:spcPts val="0"/>
+              </a:spcBef>
+              <a:spcAft>
+                <a:spcPts val="0"/>
+              </a:spcAft>
+              <a:buNone/>
+            </a:pPr>
+            <a:r>
+              <a:rPr lang="es"/>
+              <a:t>Dataset</a:t>
+            </a:r>
+            <a:endParaRPr/>
+          </a:p>
+        </p:txBody>
+      </p:sp>
+      <p:sp>
+        <p:nvSpPr>
+          <p:cNvPr id="147" name="Google Shape;147;p15"/>
+          <p:cNvSpPr txBox="1">
+            <a:spLocks noGrp="1"/>
+          </p:cNvSpPr>
+          <p:nvPr>
+            <p:ph type="body" idx="1"/>
+          </p:nvPr>
+        </p:nvSpPr>
+        <p:spPr>
+          <a:xfrm>
+            <a:off x="1297500" y="1567550"/>
+            <a:ext cx="7038900" cy="2911200"/>
+          </a:xfrm>
+          <a:prstGeom prst="rect">
+            <a:avLst/>
+          </a:prstGeom>
+        </p:spPr>
+        <p:txBody>
+          <a:bodyPr spcFirstLastPara="1" wrap="square" lIns="91425" tIns="91425" rIns="91425" bIns="91425" anchor="t" anchorCtr="0">
+            <a:normAutofit fontScale="25000" lnSpcReduction="20000"/>
+          </a:bodyPr>
+          <a:lstStyle/>
+          <a:p>
+            <a:pPr marL="0" lvl="0" indent="0" algn="l" rtl="0">
+              <a:lnSpc>
+                <a:spcPct val="135714"/>
+              </a:lnSpc>
+              <a:spcBef>
+                <a:spcPts val="0"/>
+              </a:spcBef>
+              <a:spcAft>
+                <a:spcPts val="0"/>
+              </a:spcAft>
+              <a:buNone/>
+            </a:pPr>
+            <a:r>
+              <a:rPr lang="es" sz="4745" dirty="0">
+                <a:solidFill>
+                  <a:srgbClr val="D4D4D4"/>
+                </a:solidFill>
+                <a:latin typeface="Montserrat"/>
+                <a:ea typeface="Montserrat"/>
+                <a:cs typeface="Montserrat"/>
+                <a:sym typeface="Montserrat"/>
+              </a:rPr>
+              <a:t>El dataset contiene 10000 registros con las siguientes columnas:</a:t>
+            </a:r>
+            <a:endParaRPr sz="4745" dirty="0">
+              <a:solidFill>
+                <a:srgbClr val="D4D4D4"/>
+              </a:solidFill>
+              <a:latin typeface="Montserrat"/>
+              <a:ea typeface="Montserrat"/>
+              <a:cs typeface="Montserrat"/>
+              <a:sym typeface="Montserrat"/>
+            </a:endParaRPr>
+          </a:p>
+          <a:p>
+            <a:pPr marL="457200" lvl="0" indent="-306315" algn="l" rtl="0">
+              <a:lnSpc>
+                <a:spcPct val="135714"/>
+              </a:lnSpc>
+              <a:spcBef>
+                <a:spcPts val="0"/>
+              </a:spcBef>
+              <a:spcAft>
+                <a:spcPts val="0"/>
+              </a:spcAft>
+              <a:buClr>
+                <a:srgbClr val="D5D5D5"/>
+              </a:buClr>
+              <a:buSzPct val="103160"/>
+              <a:buFont typeface="Roboto"/>
+              <a:buChar char="●"/>
+            </a:pPr>
+            <a:r>
+              <a:rPr lang="es" sz="4745" dirty="0">
+                <a:solidFill>
+                  <a:srgbClr val="D4D4D4"/>
+                </a:solidFill>
+                <a:latin typeface="Montserrat"/>
+                <a:ea typeface="Montserrat"/>
+                <a:cs typeface="Montserrat"/>
+                <a:sym typeface="Montserrat"/>
+              </a:rPr>
+              <a:t>Score</a:t>
+            </a:r>
+            <a:endParaRPr sz="4745" dirty="0">
+              <a:solidFill>
+                <a:srgbClr val="D4D4D4"/>
+              </a:solidFill>
+              <a:latin typeface="Montserrat"/>
+              <a:ea typeface="Montserrat"/>
+              <a:cs typeface="Montserrat"/>
+              <a:sym typeface="Montserrat"/>
+            </a:endParaRPr>
+          </a:p>
+          <a:p>
+            <a:pPr marL="457200" lvl="0" indent="-306315" algn="l" rtl="0">
+              <a:lnSpc>
+                <a:spcPct val="135714"/>
+              </a:lnSpc>
+              <a:spcBef>
+                <a:spcPts val="0"/>
+              </a:spcBef>
+              <a:spcAft>
+                <a:spcPts val="0"/>
+              </a:spcAft>
+              <a:buClr>
+                <a:srgbClr val="D5D5D5"/>
+              </a:buClr>
+              <a:buSzPct val="103160"/>
+              <a:buFont typeface="Roboto"/>
+              <a:buChar char="●"/>
+            </a:pPr>
+            <a:r>
+              <a:rPr lang="es" sz="4745" dirty="0">
+                <a:solidFill>
+                  <a:srgbClr val="D4D4D4"/>
+                </a:solidFill>
+                <a:latin typeface="Montserrat"/>
+                <a:ea typeface="Montserrat"/>
+                <a:cs typeface="Montserrat"/>
+                <a:sym typeface="Montserrat"/>
+              </a:rPr>
+              <a:t>Nationality</a:t>
+            </a:r>
+            <a:endParaRPr sz="4745" dirty="0">
+              <a:solidFill>
+                <a:srgbClr val="D4D4D4"/>
+              </a:solidFill>
+              <a:latin typeface="Montserrat"/>
+              <a:ea typeface="Montserrat"/>
+              <a:cs typeface="Montserrat"/>
+              <a:sym typeface="Montserrat"/>
+            </a:endParaRPr>
+          </a:p>
+          <a:p>
+            <a:pPr marL="457200" lvl="0" indent="-306315" algn="l" rtl="0">
+              <a:lnSpc>
+                <a:spcPct val="135714"/>
+              </a:lnSpc>
+              <a:spcBef>
+                <a:spcPts val="0"/>
+              </a:spcBef>
+              <a:spcAft>
+                <a:spcPts val="0"/>
+              </a:spcAft>
+              <a:buClr>
+                <a:srgbClr val="D5D5D5"/>
+              </a:buClr>
+              <a:buSzPct val="103160"/>
+              <a:buFont typeface="Montserrat"/>
+              <a:buChar char="●"/>
+            </a:pPr>
+            <a:r>
+              <a:rPr lang="es" sz="4745" dirty="0">
+                <a:solidFill>
+                  <a:srgbClr val="D4D4D4"/>
+                </a:solidFill>
+                <a:latin typeface="Montserrat"/>
+                <a:ea typeface="Montserrat"/>
+                <a:cs typeface="Montserrat"/>
+                <a:sym typeface="Montserrat"/>
+              </a:rPr>
+              <a:t>Gender</a:t>
+            </a:r>
+            <a:endParaRPr sz="4745" dirty="0">
+              <a:solidFill>
+                <a:srgbClr val="D4D4D4"/>
+              </a:solidFill>
+              <a:latin typeface="Montserrat"/>
+              <a:ea typeface="Montserrat"/>
+              <a:cs typeface="Montserrat"/>
+              <a:sym typeface="Montserrat"/>
+            </a:endParaRPr>
+          </a:p>
+          <a:p>
+            <a:pPr marL="457200" lvl="0" indent="-306315" algn="l" rtl="0">
+              <a:lnSpc>
+                <a:spcPct val="135714"/>
+              </a:lnSpc>
+              <a:spcBef>
+                <a:spcPts val="0"/>
+              </a:spcBef>
+              <a:spcAft>
+                <a:spcPts val="0"/>
+              </a:spcAft>
+              <a:buClr>
+                <a:srgbClr val="D5D5D5"/>
+              </a:buClr>
+              <a:buSzPct val="103160"/>
+              <a:buFont typeface="Montserrat"/>
+              <a:buChar char="●"/>
+            </a:pPr>
+            <a:r>
+              <a:rPr lang="es" sz="4745" dirty="0">
+                <a:solidFill>
+                  <a:srgbClr val="D4D4D4"/>
+                </a:solidFill>
+                <a:latin typeface="Montserrat"/>
+                <a:ea typeface="Montserrat"/>
+                <a:cs typeface="Montserrat"/>
+                <a:sym typeface="Montserrat"/>
+              </a:rPr>
+              <a:t>Age</a:t>
+            </a:r>
+            <a:endParaRPr sz="4745" dirty="0">
+              <a:solidFill>
+                <a:srgbClr val="D4D4D4"/>
+              </a:solidFill>
+              <a:latin typeface="Montserrat"/>
+              <a:ea typeface="Montserrat"/>
+              <a:cs typeface="Montserrat"/>
+              <a:sym typeface="Montserrat"/>
+            </a:endParaRPr>
+          </a:p>
+          <a:p>
+            <a:pPr marL="457200" lvl="0" indent="-306315" algn="l" rtl="0">
+              <a:lnSpc>
+                <a:spcPct val="135714"/>
+              </a:lnSpc>
+              <a:spcBef>
+                <a:spcPts val="0"/>
+              </a:spcBef>
+              <a:spcAft>
+                <a:spcPts val="0"/>
+              </a:spcAft>
+              <a:buClr>
+                <a:srgbClr val="D5D5D5"/>
+              </a:buClr>
+              <a:buSzPct val="103160"/>
+              <a:buFont typeface="Montserrat"/>
+              <a:buChar char="●"/>
+            </a:pPr>
+            <a:r>
+              <a:rPr lang="es" sz="4745" dirty="0">
+                <a:solidFill>
+                  <a:srgbClr val="D4D4D4"/>
+                </a:solidFill>
+                <a:latin typeface="Montserrat"/>
+                <a:ea typeface="Montserrat"/>
+                <a:cs typeface="Montserrat"/>
+                <a:sym typeface="Montserrat"/>
+              </a:rPr>
+              <a:t>Tenure</a:t>
+            </a:r>
+            <a:endParaRPr sz="4745" dirty="0">
+              <a:solidFill>
+                <a:srgbClr val="D4D4D4"/>
+              </a:solidFill>
+              <a:latin typeface="Montserrat"/>
+              <a:ea typeface="Montserrat"/>
+              <a:cs typeface="Montserrat"/>
+              <a:sym typeface="Montserrat"/>
+            </a:endParaRPr>
+          </a:p>
+          <a:p>
+            <a:pPr marL="457200" lvl="0" indent="-306315" algn="l" rtl="0">
+              <a:lnSpc>
+                <a:spcPct val="135714"/>
+              </a:lnSpc>
+              <a:spcBef>
+                <a:spcPts val="0"/>
+              </a:spcBef>
+              <a:spcAft>
+                <a:spcPts val="0"/>
+              </a:spcAft>
+              <a:buClr>
+                <a:srgbClr val="D5D5D5"/>
+              </a:buClr>
+              <a:buSzPct val="103160"/>
+              <a:buFont typeface="Montserrat"/>
+              <a:buChar char="●"/>
+            </a:pPr>
+            <a:r>
+              <a:rPr lang="es" sz="4745" dirty="0">
+                <a:solidFill>
+                  <a:srgbClr val="D4D4D4"/>
+                </a:solidFill>
+                <a:latin typeface="Montserrat"/>
+                <a:ea typeface="Montserrat"/>
+                <a:cs typeface="Montserrat"/>
+                <a:sym typeface="Montserrat"/>
+              </a:rPr>
+              <a:t>Balance</a:t>
+            </a:r>
+            <a:endParaRPr sz="4745" dirty="0">
+              <a:solidFill>
+                <a:srgbClr val="D4D4D4"/>
+              </a:solidFill>
+              <a:latin typeface="Montserrat"/>
+              <a:ea typeface="Montserrat"/>
+              <a:cs typeface="Montserrat"/>
+              <a:sym typeface="Montserrat"/>
+            </a:endParaRPr>
+          </a:p>
+          <a:p>
+            <a:pPr marL="457200" lvl="0" indent="-306315" algn="l" rtl="0">
+              <a:lnSpc>
+                <a:spcPct val="135714"/>
+              </a:lnSpc>
+              <a:spcBef>
+                <a:spcPts val="0"/>
+              </a:spcBef>
+              <a:spcAft>
+                <a:spcPts val="0"/>
+              </a:spcAft>
+              <a:buClr>
+                <a:srgbClr val="D5D5D5"/>
+              </a:buClr>
+              <a:buSzPct val="103160"/>
+              <a:buFont typeface="Montserrat"/>
+              <a:buChar char="●"/>
+            </a:pPr>
+            <a:r>
+              <a:rPr lang="es" sz="4745" dirty="0">
+                <a:solidFill>
+                  <a:srgbClr val="D4D4D4"/>
+                </a:solidFill>
+                <a:latin typeface="Montserrat"/>
+                <a:ea typeface="Montserrat"/>
+                <a:cs typeface="Montserrat"/>
+                <a:sym typeface="Montserrat"/>
+              </a:rPr>
+              <a:t>Products</a:t>
+            </a:r>
+            <a:endParaRPr sz="4745" dirty="0">
+              <a:solidFill>
+                <a:srgbClr val="D4D4D4"/>
+              </a:solidFill>
+              <a:latin typeface="Montserrat"/>
+              <a:ea typeface="Montserrat"/>
+              <a:cs typeface="Montserrat"/>
+              <a:sym typeface="Montserrat"/>
+            </a:endParaRPr>
+          </a:p>
+          <a:p>
+            <a:pPr marL="457200" lvl="0" indent="-306315" algn="l" rtl="0">
+              <a:lnSpc>
+                <a:spcPct val="135714"/>
+              </a:lnSpc>
+              <a:spcBef>
+                <a:spcPts val="0"/>
+              </a:spcBef>
+              <a:spcAft>
+                <a:spcPts val="0"/>
+              </a:spcAft>
+              <a:buClr>
+                <a:srgbClr val="D5D5D5"/>
+              </a:buClr>
+              <a:buSzPct val="103160"/>
+              <a:buFont typeface="Montserrat"/>
+              <a:buChar char="●"/>
+            </a:pPr>
+            <a:r>
+              <a:rPr lang="es" sz="4745" dirty="0">
+                <a:solidFill>
+                  <a:srgbClr val="D4D4D4"/>
+                </a:solidFill>
+                <a:latin typeface="Montserrat"/>
+                <a:ea typeface="Montserrat"/>
+                <a:cs typeface="Montserrat"/>
+                <a:sym typeface="Montserrat"/>
+              </a:rPr>
+              <a:t>Card</a:t>
+            </a:r>
+            <a:endParaRPr sz="4745" dirty="0">
+              <a:solidFill>
+                <a:srgbClr val="D4D4D4"/>
+              </a:solidFill>
+              <a:latin typeface="Montserrat"/>
+              <a:ea typeface="Montserrat"/>
+              <a:cs typeface="Montserrat"/>
+              <a:sym typeface="Montserrat"/>
+            </a:endParaRPr>
+          </a:p>
+          <a:p>
+            <a:pPr marL="457200" lvl="0" indent="-306315" algn="l" rtl="0">
+              <a:lnSpc>
+                <a:spcPct val="135714"/>
+              </a:lnSpc>
+              <a:spcBef>
+                <a:spcPts val="0"/>
+              </a:spcBef>
+              <a:spcAft>
+                <a:spcPts val="0"/>
+              </a:spcAft>
+              <a:buClr>
+                <a:srgbClr val="D5D5D5"/>
+              </a:buClr>
+              <a:buSzPct val="103160"/>
+              <a:buFont typeface="Montserrat"/>
+              <a:buChar char="●"/>
+            </a:pPr>
+            <a:r>
+              <a:rPr lang="es" sz="4745" dirty="0">
+                <a:solidFill>
+                  <a:srgbClr val="D4D4D4"/>
+                </a:solidFill>
+                <a:latin typeface="Montserrat"/>
+                <a:ea typeface="Montserrat"/>
+                <a:cs typeface="Montserrat"/>
+                <a:sym typeface="Montserrat"/>
+              </a:rPr>
+              <a:t>Active</a:t>
+            </a:r>
+            <a:endParaRPr sz="4745" dirty="0">
+              <a:solidFill>
+                <a:srgbClr val="D4D4D4"/>
+              </a:solidFill>
+              <a:latin typeface="Montserrat"/>
+              <a:ea typeface="Montserrat"/>
+              <a:cs typeface="Montserrat"/>
+              <a:sym typeface="Montserrat"/>
+            </a:endParaRPr>
+          </a:p>
+          <a:p>
+            <a:pPr marL="457200" lvl="0" indent="-306315" algn="l" rtl="0">
+              <a:lnSpc>
+                <a:spcPct val="135714"/>
+              </a:lnSpc>
+              <a:spcBef>
+                <a:spcPts val="0"/>
+              </a:spcBef>
+              <a:spcAft>
+                <a:spcPts val="0"/>
+              </a:spcAft>
+              <a:buClr>
+                <a:srgbClr val="D5D5D5"/>
+              </a:buClr>
+              <a:buSzPct val="103160"/>
+              <a:buFont typeface="Montserrat"/>
+              <a:buChar char="●"/>
+            </a:pPr>
+            <a:r>
+              <a:rPr lang="es" sz="4745" dirty="0">
+                <a:solidFill>
+                  <a:srgbClr val="D4D4D4"/>
+                </a:solidFill>
+                <a:latin typeface="Montserrat"/>
+                <a:ea typeface="Montserrat"/>
+                <a:cs typeface="Montserrat"/>
+                <a:sym typeface="Montserrat"/>
+              </a:rPr>
+              <a:t>Salary</a:t>
+            </a:r>
+            <a:br>
+              <a:rPr lang="es" sz="4745" dirty="0">
+                <a:solidFill>
+                  <a:srgbClr val="D4D4D4"/>
+                </a:solidFill>
+                <a:latin typeface="Montserrat"/>
+                <a:ea typeface="Montserrat"/>
+                <a:cs typeface="Montserrat"/>
+                <a:sym typeface="Montserrat"/>
+              </a:rPr>
+            </a:br>
+            <a:endParaRPr sz="4745" dirty="0">
+              <a:solidFill>
+                <a:srgbClr val="D4D4D4"/>
+              </a:solidFill>
+              <a:latin typeface="Montserrat"/>
+              <a:ea typeface="Montserrat"/>
+              <a:cs typeface="Montserrat"/>
+              <a:sym typeface="Montserrat"/>
+            </a:endParaRPr>
+          </a:p>
+          <a:p>
+            <a:pPr marL="457200" lvl="0" indent="-306315" algn="l" rtl="0">
+              <a:lnSpc>
+                <a:spcPct val="135714"/>
+              </a:lnSpc>
+              <a:spcBef>
+                <a:spcPts val="0"/>
+              </a:spcBef>
+              <a:spcAft>
+                <a:spcPts val="0"/>
+              </a:spcAft>
+              <a:buClr>
+                <a:schemeClr val="lt1"/>
+              </a:buClr>
+              <a:buSzPct val="103160"/>
+              <a:buFont typeface="Montserrat"/>
+              <a:buChar char="●"/>
+            </a:pPr>
+            <a:r>
+              <a:rPr lang="es" sz="4745" dirty="0">
+                <a:highlight>
+                  <a:schemeClr val="accent1"/>
+                </a:highlight>
+                <a:latin typeface="Montserrat"/>
+                <a:ea typeface="Montserrat"/>
+                <a:cs typeface="Montserrat"/>
+                <a:sym typeface="Montserrat"/>
+              </a:rPr>
+              <a:t>Exited: variable target </a:t>
+            </a:r>
+            <a:endParaRPr sz="4745" dirty="0">
+              <a:highlight>
+                <a:schemeClr val="accent1"/>
+              </a:highlight>
+              <a:latin typeface="Montserrat"/>
+              <a:ea typeface="Montserrat"/>
+              <a:cs typeface="Montserrat"/>
+              <a:sym typeface="Montserrat"/>
+            </a:endParaRPr>
+          </a:p>
+          <a:p>
+            <a:pPr marL="457200" lvl="0" indent="0" algn="l" rtl="0">
+              <a:spcBef>
+                <a:spcPts val="600"/>
+              </a:spcBef>
+              <a:spcAft>
+                <a:spcPts val="0"/>
+              </a:spcAft>
+              <a:buNone/>
+            </a:pPr>
+            <a:endParaRPr sz="1050" dirty="0">
+              <a:solidFill>
+                <a:srgbClr val="82C6FF"/>
+              </a:solidFill>
+              <a:highlight>
+                <a:srgbClr val="1E1E1E"/>
+              </a:highlight>
+              <a:latin typeface="Montserrat"/>
+              <a:ea typeface="Montserrat"/>
+              <a:cs typeface="Montserrat"/>
+              <a:sym typeface="Montserrat"/>
+            </a:endParaRPr>
+          </a:p>
+          <a:p>
+            <a:pPr marL="0" lvl="0" indent="0" algn="l" rtl="0">
+              <a:spcBef>
+                <a:spcPts val="500"/>
+              </a:spcBef>
+              <a:spcAft>
+                <a:spcPts val="1200"/>
+              </a:spcAft>
+              <a:buNone/>
+            </a:pPr>
+            <a:endParaRPr dirty="0">
+              <a:latin typeface="Montserrat"/>
+              <a:ea typeface="Montserrat"/>
+              <a:cs typeface="Montserrat"/>
+              <a:sym typeface="Montserrat"/>
+            </a:endParaRPr>
+          </a:p>
+        </p:txBody>
+      </p:sp>
+    </p:spTree>
+  </p:cSld>
+  <p:clrMapOvr>
+    <a:masterClrMapping/>
+  </p:clrMapOvr>
+</p:sld>
+</file>
+
+<file path=ppt/slides/slide4.xml><?xml version="1.0" encoding="utf-8"?>
+<p:sld xmlns:a="http://schemas.openxmlformats.org/drawingml/2006/main" xmlns:r="http://schemas.openxmlformats.org/officeDocument/2006/relationships" xmlns:p="http://schemas.openxmlformats.org/presentationml/2006/main">
+  <p:cSld>
+    <p:spTree>
+      <p:nvGrpSpPr>
+        <p:cNvPr id="1" name="Shape 151"/>
+        <p:cNvGrpSpPr/>
+        <p:nvPr/>
+      </p:nvGrpSpPr>
+      <p:grpSpPr>
+        <a:xfrm>
+          <a:off x="0" y="0"/>
+          <a:ext cx="0" cy="0"/>
+          <a:chOff x="0" y="0"/>
+          <a:chExt cx="0" cy="0"/>
+        </a:xfrm>
+      </p:grpSpPr>
+      <p:sp>
+        <p:nvSpPr>
+          <p:cNvPr id="152" name="Google Shape;152;p16"/>
+          <p:cNvSpPr txBox="1">
+            <a:spLocks noGrp="1"/>
+          </p:cNvSpPr>
+          <p:nvPr>
+            <p:ph type="title"/>
+          </p:nvPr>
+        </p:nvSpPr>
+        <p:spPr>
+          <a:xfrm>
+            <a:off x="1297500" y="393750"/>
+            <a:ext cx="7038900" cy="914100"/>
+          </a:xfrm>
+          <a:prstGeom prst="rect">
+            <a:avLst/>
+          </a:prstGeom>
+        </p:spPr>
+        <p:txBody>
+          <a:bodyPr spcFirstLastPara="1" wrap="square" lIns="91425" tIns="91425" rIns="91425" bIns="91425" anchor="t" anchorCtr="0">
+            <a:normAutofit/>
+          </a:bodyPr>
+          <a:lstStyle/>
+          <a:p>
+            <a:pPr marL="0" lvl="0" indent="0" algn="l" rtl="0">
+              <a:spcBef>
+                <a:spcPts val="0"/>
+              </a:spcBef>
+              <a:spcAft>
+                <a:spcPts val="0"/>
+              </a:spcAft>
+              <a:buNone/>
+            </a:pPr>
+            <a:r>
+              <a:rPr lang="es"/>
+              <a:t>Datos generales</a:t>
+            </a:r>
+            <a:endParaRPr/>
+          </a:p>
+        </p:txBody>
+      </p:sp>
+      <p:sp>
+        <p:nvSpPr>
+          <p:cNvPr id="153" name="Google Shape;153;p16"/>
+          <p:cNvSpPr txBox="1">
+            <a:spLocks noGrp="1"/>
+          </p:cNvSpPr>
+          <p:nvPr>
+            <p:ph type="body" idx="1"/>
+          </p:nvPr>
+        </p:nvSpPr>
+        <p:spPr>
+          <a:xfrm>
+            <a:off x="1297500" y="1567550"/>
+            <a:ext cx="7038900" cy="2911200"/>
+          </a:xfrm>
+          <a:prstGeom prst="rect">
+            <a:avLst/>
+          </a:prstGeom>
+        </p:spPr>
+        <p:txBody>
+          <a:bodyPr spcFirstLastPara="1" wrap="square" lIns="91425" tIns="91425" rIns="91425" bIns="91425" anchor="t" anchorCtr="0">
+            <a:normAutofit/>
+          </a:bodyPr>
+          <a:lstStyle/>
+          <a:p>
+            <a:pPr marL="457200" lvl="0" indent="-311150" algn="l" rtl="0">
+              <a:spcBef>
+                <a:spcPts val="0"/>
+              </a:spcBef>
+              <a:spcAft>
+                <a:spcPts val="0"/>
+              </a:spcAft>
+              <a:buSzPts val="1300"/>
+              <a:buFont typeface="Montserrat"/>
+              <a:buChar char="●"/>
+            </a:pPr>
+            <a:r>
+              <a:rPr lang="es" dirty="0">
+                <a:latin typeface="Montserrat"/>
+                <a:ea typeface="Montserrat"/>
+                <a:cs typeface="Montserrat"/>
+                <a:sym typeface="Montserrat"/>
+              </a:rPr>
+              <a:t>El 20 % del total de clientes han abandonado la plataforma en algún momento</a:t>
+            </a:r>
+            <a:endParaRPr dirty="0">
+              <a:latin typeface="Montserrat"/>
+              <a:ea typeface="Montserrat"/>
+              <a:cs typeface="Montserrat"/>
+              <a:sym typeface="Montserrat"/>
+            </a:endParaRPr>
+          </a:p>
+          <a:p>
+            <a:pPr marL="457200" lvl="0" indent="-311150" algn="l" rtl="0">
+              <a:spcBef>
+                <a:spcPts val="0"/>
+              </a:spcBef>
+              <a:spcAft>
+                <a:spcPts val="0"/>
+              </a:spcAft>
+              <a:buSzPts val="1300"/>
+              <a:buFont typeface="Montserrat"/>
+              <a:buChar char="●"/>
+            </a:pPr>
+            <a:r>
+              <a:rPr lang="es" dirty="0">
+                <a:latin typeface="Montserrat"/>
+                <a:ea typeface="Montserrat"/>
+                <a:cs typeface="Montserrat"/>
+                <a:sym typeface="Montserrat"/>
+              </a:rPr>
+              <a:t>El 50 % son franceses, el 25 % son españoles y el otro 25 % son alemanes</a:t>
+            </a:r>
+            <a:endParaRPr dirty="0">
+              <a:latin typeface="Montserrat"/>
+              <a:ea typeface="Montserrat"/>
+              <a:cs typeface="Montserrat"/>
+              <a:sym typeface="Montserrat"/>
+            </a:endParaRPr>
+          </a:p>
+          <a:p>
+            <a:pPr marL="457200" lvl="0" indent="-311150" algn="l" rtl="0">
+              <a:spcBef>
+                <a:spcPts val="0"/>
+              </a:spcBef>
+              <a:spcAft>
+                <a:spcPts val="0"/>
+              </a:spcAft>
+              <a:buSzPts val="1300"/>
+              <a:buFont typeface="Montserrat"/>
+              <a:buChar char="●"/>
+            </a:pPr>
+            <a:r>
+              <a:rPr lang="es" dirty="0">
+                <a:latin typeface="Montserrat"/>
+                <a:ea typeface="Montserrat"/>
+                <a:cs typeface="Montserrat"/>
+                <a:sym typeface="Montserrat"/>
+              </a:rPr>
+              <a:t>Los clientes tienen entre 18 y 92 años, pero el 50 % de los clientes se encuentran entre los 32 y 44 años. De quienes desertan, el 75 % tiene más de 38 años</a:t>
+            </a:r>
+            <a:endParaRPr dirty="0">
+              <a:latin typeface="Montserrat"/>
+              <a:ea typeface="Montserrat"/>
+              <a:cs typeface="Montserrat"/>
+              <a:sym typeface="Montserrat"/>
+            </a:endParaRPr>
+          </a:p>
+          <a:p>
+            <a:pPr marL="457200" lvl="0" indent="-311150" algn="l" rtl="0">
+              <a:spcBef>
+                <a:spcPts val="0"/>
+              </a:spcBef>
+              <a:spcAft>
+                <a:spcPts val="0"/>
+              </a:spcAft>
+              <a:buSzPts val="1300"/>
+              <a:buFont typeface="Montserrat"/>
+              <a:buChar char="●"/>
+            </a:pPr>
+            <a:r>
+              <a:rPr lang="es" dirty="0">
+                <a:latin typeface="Montserrat"/>
+                <a:ea typeface="Montserrat"/>
+                <a:cs typeface="Montserrat"/>
+                <a:sym typeface="Montserrat"/>
+              </a:rPr>
+              <a:t>No existen clientes que hayan comprado más de 4 veces y todos aquellos que han comprado 4 veces han abandonado definitivamente la plataforma</a:t>
+            </a:r>
+            <a:endParaRPr dirty="0">
+              <a:latin typeface="Montserrat"/>
+              <a:ea typeface="Montserrat"/>
+              <a:cs typeface="Montserrat"/>
+              <a:sym typeface="Montserrat"/>
+            </a:endParaRPr>
+          </a:p>
+          <a:p>
+            <a:pPr marL="457200" lvl="0" indent="-311150" algn="l" rtl="0">
+              <a:spcBef>
+                <a:spcPts val="0"/>
+              </a:spcBef>
+              <a:spcAft>
+                <a:spcPts val="0"/>
+              </a:spcAft>
+              <a:buSzPts val="1300"/>
+              <a:buFont typeface="Montserrat"/>
+              <a:buChar char="●"/>
+            </a:pPr>
+            <a:r>
+              <a:rPr lang="es" dirty="0">
+                <a:latin typeface="Montserrat"/>
+                <a:ea typeface="Montserrat"/>
+                <a:cs typeface="Montserrat"/>
+                <a:sym typeface="Montserrat"/>
+              </a:rPr>
+              <a:t>Todos los clientes con un score menor a 400 han abandonado la plataforma</a:t>
+            </a:r>
+            <a:endParaRPr dirty="0">
+              <a:latin typeface="Montserrat"/>
+              <a:ea typeface="Montserrat"/>
+              <a:cs typeface="Montserrat"/>
+              <a:sym typeface="Montserrat"/>
+            </a:endParaRPr>
+          </a:p>
+        </p:txBody>
+      </p:sp>
+    </p:spTree>
+  </p:cSld>
+  <p:clrMapOvr>
+    <a:masterClrMapping/>
+  </p:clrMapOvr>
+</p:sld>
+</file>
+
+<file path=ppt/slides/slide5.xml><?xml version="1.0" encoding="utf-8"?>
+<p:sld xmlns:a="http://schemas.openxmlformats.org/drawingml/2006/main" xmlns:r="http://schemas.openxmlformats.org/officeDocument/2006/relationships" xmlns:p="http://schemas.openxmlformats.org/presentationml/2006/main">
+  <p:cSld>
+    <p:spTree>
+      <p:nvGrpSpPr>
+        <p:cNvPr id="1" name="Shape 157"/>
+        <p:cNvGrpSpPr/>
+        <p:nvPr/>
+      </p:nvGrpSpPr>
+      <p:grpSpPr>
+        <a:xfrm>
+          <a:off x="0" y="0"/>
+          <a:ext cx="0" cy="0"/>
+          <a:chOff x="0" y="0"/>
+          <a:chExt cx="0" cy="0"/>
+        </a:xfrm>
+      </p:grpSpPr>
+      <p:sp>
+        <p:nvSpPr>
+          <p:cNvPr id="159" name="Google Shape;159;p17"/>
+          <p:cNvSpPr txBox="1">
+            <a:spLocks noGrp="1"/>
+          </p:cNvSpPr>
+          <p:nvPr>
+            <p:ph type="title"/>
+          </p:nvPr>
+        </p:nvSpPr>
+        <p:spPr>
+          <a:xfrm>
+            <a:off x="1297500" y="393750"/>
+            <a:ext cx="7038900" cy="914100"/>
+          </a:xfrm>
+          <a:prstGeom prst="rect">
+            <a:avLst/>
+          </a:prstGeom>
+        </p:spPr>
+        <p:txBody>
+          <a:bodyPr spcFirstLastPara="1" wrap="square" lIns="91425" tIns="91425" rIns="91425" bIns="91425" anchor="t" anchorCtr="0">
+            <a:normAutofit/>
+          </a:bodyPr>
+          <a:lstStyle/>
+          <a:p>
+            <a:pPr marL="0" lvl="0" indent="0" algn="l" rtl="0">
+              <a:spcBef>
+                <a:spcPts val="0"/>
+              </a:spcBef>
+              <a:spcAft>
+                <a:spcPts val="0"/>
+              </a:spcAft>
+              <a:buNone/>
+            </a:pPr>
+            <a:r>
+              <a:rPr lang="es-AR" dirty="0"/>
+              <a:t>Balance</a:t>
+            </a:r>
+            <a:endParaRPr dirty="0"/>
+          </a:p>
+        </p:txBody>
+      </p:sp>
+      <p:pic>
+        <p:nvPicPr>
+          <p:cNvPr id="3" name="Imagen 2">
+            <a:extLst>
+              <a:ext uri="{FF2B5EF4-FFF2-40B4-BE49-F238E27FC236}">
+                <a16:creationId xmlns:a16="http://schemas.microsoft.com/office/drawing/2014/main" id="{96017862-7373-48E0-B4B8-C1D301F7B4DC}"/>
+              </a:ext>
+            </a:extLst>
+          </p:cNvPr>
+          <p:cNvPicPr>
+            <a:picLocks noChangeAspect="1"/>
+          </p:cNvPicPr>
+          <p:nvPr/>
+        </p:nvPicPr>
+        <p:blipFill>
+          <a:blip r:embed="rId3"/>
+          <a:stretch>
+            <a:fillRect/>
+          </a:stretch>
+        </p:blipFill>
+        <p:spPr>
+          <a:xfrm>
+            <a:off x="2925465" y="1224959"/>
+            <a:ext cx="3293070" cy="3293070"/>
+          </a:xfrm>
+          <a:prstGeom prst="rect">
+            <a:avLst/>
+          </a:prstGeom>
+        </p:spPr>
+      </p:pic>
+    </p:spTree>
+  </p:cSld>
+  <p:clrMapOvr>
+    <a:masterClrMapping/>
+  </p:clrMapOvr>
+</p:sld>
+</file>
+
+<file path=ppt/slides/slide6.xml><?xml version="1.0" encoding="utf-8"?>
+<p:sld xmlns:a="http://schemas.openxmlformats.org/drawingml/2006/main" xmlns:r="http://schemas.openxmlformats.org/officeDocument/2006/relationships" xmlns:p="http://schemas.openxmlformats.org/presentationml/2006/main">
+  <p:cSld>
+    <p:spTree>
+      <p:nvGrpSpPr>
+        <p:cNvPr id="1" name="Shape 157"/>
+        <p:cNvGrpSpPr/>
+        <p:nvPr/>
+      </p:nvGrpSpPr>
+      <p:grpSpPr>
+        <a:xfrm>
+          <a:off x="0" y="0"/>
+          <a:ext cx="0" cy="0"/>
+          <a:chOff x="0" y="0"/>
+          <a:chExt cx="0" cy="0"/>
+        </a:xfrm>
+      </p:grpSpPr>
+      <p:sp>
+        <p:nvSpPr>
+          <p:cNvPr id="158" name="Google Shape;158;p17"/>
+          <p:cNvSpPr/>
+          <p:nvPr/>
+        </p:nvSpPr>
+        <p:spPr>
+          <a:xfrm>
+            <a:off x="1287725" y="1346925"/>
+            <a:ext cx="7200900" cy="3641100"/>
+          </a:xfrm>
+          <a:prstGeom prst="rect">
+            <a:avLst/>
+          </a:prstGeom>
+          <a:solidFill>
+            <a:schemeClr val="lt1"/>
+          </a:solidFill>
+          <a:ln w="9525" cap="flat" cmpd="sng">
+            <a:solidFill>
+              <a:schemeClr val="dk2"/>
+            </a:solidFill>
+            <a:prstDash val="solid"/>
+            <a:round/>
+            <a:headEnd type="none" w="sm" len="sm"/>
+            <a:tailEnd type="none" w="sm" len="sm"/>
+          </a:ln>
+        </p:spPr>
+        <p:txBody>
+          <a:bodyPr spcFirstLastPara="1" wrap="square" lIns="91425" tIns="91425" rIns="91425" bIns="91425" anchor="ctr" anchorCtr="0">
+            <a:noAutofit/>
+          </a:bodyPr>
+          <a:lstStyle/>
+          <a:p>
+            <a:pPr marL="0" lvl="0" indent="0" algn="l" rtl="0">
+              <a:spcBef>
+                <a:spcPts val="0"/>
+              </a:spcBef>
+              <a:spcAft>
+                <a:spcPts val="0"/>
+              </a:spcAft>
+              <a:buNone/>
+            </a:pPr>
+            <a:endParaRPr/>
+          </a:p>
+        </p:txBody>
+      </p:sp>
+      <p:sp>
+        <p:nvSpPr>
+          <p:cNvPr id="159" name="Google Shape;159;p17"/>
+          <p:cNvSpPr txBox="1">
+            <a:spLocks noGrp="1"/>
+          </p:cNvSpPr>
+          <p:nvPr>
+            <p:ph type="title"/>
+          </p:nvPr>
+        </p:nvSpPr>
+        <p:spPr>
+          <a:xfrm>
+            <a:off x="1297500" y="393750"/>
+            <a:ext cx="7038900" cy="914100"/>
+          </a:xfrm>
+          <a:prstGeom prst="rect">
+            <a:avLst/>
+          </a:prstGeom>
+        </p:spPr>
+        <p:txBody>
+          <a:bodyPr spcFirstLastPara="1" wrap="square" lIns="91425" tIns="91425" rIns="91425" bIns="91425" anchor="t" anchorCtr="0">
+            <a:normAutofit/>
+          </a:bodyPr>
+          <a:lstStyle/>
+          <a:p>
+            <a:pPr marL="0" lvl="0" indent="0" algn="l" rtl="0">
+              <a:spcBef>
+                <a:spcPts val="0"/>
+              </a:spcBef>
+              <a:spcAft>
+                <a:spcPts val="0"/>
+              </a:spcAft>
+              <a:buNone/>
+            </a:pPr>
+            <a:r>
+              <a:rPr lang="es"/>
+              <a:t>Edad</a:t>
+            </a:r>
+            <a:endParaRPr/>
+          </a:p>
+        </p:txBody>
+      </p:sp>
+      <p:pic>
+        <p:nvPicPr>
+          <p:cNvPr id="160" name="Google Shape;160;p17"/>
+          <p:cNvPicPr preferRelativeResize="0"/>
+          <p:nvPr/>
+        </p:nvPicPr>
+        <p:blipFill>
+          <a:blip r:embed="rId3">
+            <a:alphaModFix/>
+          </a:blip>
+          <a:stretch>
+            <a:fillRect/>
+          </a:stretch>
+        </p:blipFill>
+        <p:spPr>
+          <a:xfrm>
+            <a:off x="1271725" y="1349250"/>
+            <a:ext cx="7090440" cy="3530850"/>
+          </a:xfrm>
+          <a:prstGeom prst="rect">
+            <a:avLst/>
+          </a:prstGeom>
+          <a:noFill/>
+          <a:ln>
+            <a:noFill/>
+          </a:ln>
+        </p:spPr>
+      </p:pic>
+    </p:spTree>
+    <p:extLst>
+      <p:ext uri="{BB962C8B-B14F-4D97-AF65-F5344CB8AC3E}">
+        <p14:creationId xmlns:p14="http://schemas.microsoft.com/office/powerpoint/2010/main" val="2920563245"/>
+      </p:ext>
+    </p:extLst>
+  </p:cSld>
+  <p:clrMapOvr>
+    <a:masterClrMapping/>
+  </p:clrMapOvr>
+</p:sld>
+</file>
+
+<file path=ppt/slides/slide7.xml><?xml version="1.0" encoding="utf-8"?>
+<p:sld xmlns:a="http://schemas.openxmlformats.org/drawingml/2006/main" xmlns:r="http://schemas.openxmlformats.org/officeDocument/2006/relationships" xmlns:p="http://schemas.openxmlformats.org/presentationml/2006/main">
+  <p:cSld>
+    <p:spTree>
+      <p:nvGrpSpPr>
+        <p:cNvPr id="1" name="Shape 164"/>
+        <p:cNvGrpSpPr/>
+        <p:nvPr/>
+      </p:nvGrpSpPr>
+      <p:grpSpPr>
+        <a:xfrm>
+          <a:off x="0" y="0"/>
+          <a:ext cx="0" cy="0"/>
+          <a:chOff x="0" y="0"/>
+          <a:chExt cx="0" cy="0"/>
+        </a:xfrm>
+      </p:grpSpPr>
+      <p:sp>
+        <p:nvSpPr>
+          <p:cNvPr id="165" name="Google Shape;165;p18"/>
+          <p:cNvSpPr/>
+          <p:nvPr/>
+        </p:nvSpPr>
+        <p:spPr>
+          <a:xfrm>
+            <a:off x="3232825" y="1652700"/>
+            <a:ext cx="3289200" cy="3028800"/>
+          </a:xfrm>
+          <a:prstGeom prst="rect">
+            <a:avLst/>
+          </a:prstGeom>
+          <a:solidFill>
+            <a:schemeClr val="lt1"/>
+          </a:solidFill>
+          <a:ln w="9525" cap="flat" cmpd="sng">
+            <a:solidFill>
+              <a:schemeClr val="dk2"/>
+            </a:solidFill>
+            <a:prstDash val="solid"/>
+            <a:round/>
+            <a:headEnd type="none" w="sm" len="sm"/>
+            <a:tailEnd type="none" w="sm" len="sm"/>
+          </a:ln>
+        </p:spPr>
+        <p:txBody>
+          <a:bodyPr spcFirstLastPara="1" wrap="square" lIns="91425" tIns="91425" rIns="91425" bIns="91425" anchor="ctr" anchorCtr="0">
+            <a:noAutofit/>
+          </a:bodyPr>
+          <a:lstStyle/>
+          <a:p>
+            <a:pPr marL="0" lvl="0" indent="0" algn="l" rtl="0">
+              <a:spcBef>
+                <a:spcPts val="0"/>
+              </a:spcBef>
+              <a:spcAft>
+                <a:spcPts val="0"/>
+              </a:spcAft>
+              <a:buNone/>
+            </a:pPr>
+            <a:endParaRPr/>
+          </a:p>
+        </p:txBody>
+      </p:sp>
+      <p:sp>
+        <p:nvSpPr>
+          <p:cNvPr id="166" name="Google Shape;166;p18"/>
+          <p:cNvSpPr txBox="1">
+            <a:spLocks noGrp="1"/>
+          </p:cNvSpPr>
+          <p:nvPr>
+            <p:ph type="title"/>
+          </p:nvPr>
+        </p:nvSpPr>
+        <p:spPr>
+          <a:xfrm>
+            <a:off x="1297500" y="393750"/>
+            <a:ext cx="7038900" cy="914100"/>
+          </a:xfrm>
+          <a:prstGeom prst="rect">
+            <a:avLst/>
+          </a:prstGeom>
+        </p:spPr>
+        <p:txBody>
+          <a:bodyPr spcFirstLastPara="1" wrap="square" lIns="91425" tIns="91425" rIns="91425" bIns="91425" anchor="t" anchorCtr="0">
+            <a:normAutofit/>
+          </a:bodyPr>
+          <a:lstStyle/>
+          <a:p>
+            <a:pPr marL="0" lvl="0" indent="0" algn="l" rtl="0">
+              <a:spcBef>
+                <a:spcPts val="0"/>
+              </a:spcBef>
+              <a:spcAft>
+                <a:spcPts val="0"/>
+              </a:spcAft>
+              <a:buNone/>
+            </a:pPr>
+            <a:r>
+              <a:rPr lang="es"/>
+              <a:t>Score vs Products</a:t>
+            </a:r>
+            <a:endParaRPr/>
+          </a:p>
+        </p:txBody>
+      </p:sp>
+      <p:pic>
+        <p:nvPicPr>
+          <p:cNvPr id="167" name="Google Shape;167;p18"/>
+          <p:cNvPicPr preferRelativeResize="0"/>
+          <p:nvPr/>
+        </p:nvPicPr>
+        <p:blipFill>
+          <a:blip r:embed="rId3">
+            <a:alphaModFix/>
+          </a:blip>
+          <a:stretch>
+            <a:fillRect/>
+          </a:stretch>
+        </p:blipFill>
+        <p:spPr>
+          <a:xfrm>
+            <a:off x="3235800" y="1671450"/>
+            <a:ext cx="3162300" cy="3009900"/>
+          </a:xfrm>
+          <a:prstGeom prst="rect">
+            <a:avLst/>
+          </a:prstGeom>
+          <a:noFill/>
+          <a:ln>
+            <a:noFill/>
+          </a:ln>
+        </p:spPr>
+      </p:pic>
+    </p:spTree>
+  </p:cSld>
+  <p:clrMapOvr>
+    <a:masterClrMapping/>
+  </p:clrMapOvr>
+</p:sld>
+</file>
+
+<file path=ppt/slides/slide8.xml><?xml version="1.0" encoding="utf-8"?>
+<p:sld xmlns:a="http://schemas.openxmlformats.org/drawingml/2006/main" xmlns:r="http://schemas.openxmlformats.org/officeDocument/2006/relationships" xmlns:p="http://schemas.openxmlformats.org/presentationml/2006/main">
+  <p:cSld>
+    <p:spTree>
+      <p:nvGrpSpPr>
+        <p:cNvPr id="1" name="Shape 164"/>
+        <p:cNvGrpSpPr/>
+        <p:nvPr/>
+      </p:nvGrpSpPr>
+      <p:grpSpPr>
+        <a:xfrm>
+          <a:off x="0" y="0"/>
+          <a:ext cx="0" cy="0"/>
+          <a:chOff x="0" y="0"/>
+          <a:chExt cx="0" cy="0"/>
+        </a:xfrm>
+      </p:grpSpPr>
+      <p:sp>
+        <p:nvSpPr>
+          <p:cNvPr id="166" name="Google Shape;166;p18"/>
+          <p:cNvSpPr txBox="1">
+            <a:spLocks noGrp="1"/>
+          </p:cNvSpPr>
+          <p:nvPr>
+            <p:ph type="title"/>
+          </p:nvPr>
+        </p:nvSpPr>
+        <p:spPr>
+          <a:xfrm>
+            <a:off x="1297500" y="393750"/>
+            <a:ext cx="7038900" cy="914100"/>
+          </a:xfrm>
+          <a:prstGeom prst="rect">
+            <a:avLst/>
+          </a:prstGeom>
+        </p:spPr>
+        <p:txBody>
+          <a:bodyPr spcFirstLastPara="1" wrap="square" lIns="91425" tIns="91425" rIns="91425" bIns="91425" anchor="t" anchorCtr="0">
+            <a:normAutofit/>
+          </a:bodyPr>
+          <a:lstStyle/>
+          <a:p>
+            <a:pPr marL="0" lvl="0" indent="0" algn="l" rtl="0">
+              <a:spcBef>
+                <a:spcPts val="0"/>
+              </a:spcBef>
+              <a:spcAft>
+                <a:spcPts val="0"/>
+              </a:spcAft>
+              <a:buNone/>
+            </a:pPr>
+            <a:r>
+              <a:rPr lang="es-AR" dirty="0"/>
+              <a:t>Modelos de predicción analizados</a:t>
+            </a:r>
+            <a:endParaRPr dirty="0"/>
+          </a:p>
+        </p:txBody>
+      </p:sp>
+      <p:sp>
+        <p:nvSpPr>
+          <p:cNvPr id="5" name="Google Shape;153;p16">
+            <a:extLst>
+              <a:ext uri="{FF2B5EF4-FFF2-40B4-BE49-F238E27FC236}">
+                <a16:creationId xmlns:a16="http://schemas.microsoft.com/office/drawing/2014/main" id="{F4530497-4234-4C55-8CD6-835F547B8810}"/>
+              </a:ext>
+            </a:extLst>
+          </p:cNvPr>
+          <p:cNvSpPr txBox="1">
+            <a:spLocks noGrp="1"/>
+          </p:cNvSpPr>
+          <p:nvPr>
+            <p:ph type="body" idx="1"/>
+          </p:nvPr>
+        </p:nvSpPr>
+        <p:spPr>
+          <a:xfrm>
+            <a:off x="1297500" y="1567550"/>
+            <a:ext cx="7038900" cy="2911200"/>
+          </a:xfrm>
+          <a:prstGeom prst="rect">
+            <a:avLst/>
+          </a:prstGeom>
+        </p:spPr>
+        <p:txBody>
+          <a:bodyPr spcFirstLastPara="1" wrap="square" lIns="91425" tIns="91425" rIns="91425" bIns="91425" anchor="t" anchorCtr="0">
+            <a:normAutofit lnSpcReduction="10000"/>
+          </a:bodyPr>
+          <a:lstStyle/>
+          <a:p>
+            <a:pPr>
+              <a:lnSpc>
+                <a:spcPct val="200000"/>
+              </a:lnSpc>
+            </a:pPr>
+            <a:r>
+              <a:rPr lang="es-AR" dirty="0"/>
+              <a:t>KNN: este modelo demostró tener la menor precisión y recall de los modelos probados.</a:t>
+            </a:r>
+          </a:p>
+          <a:p>
+            <a:pPr>
+              <a:lnSpc>
+                <a:spcPct val="200000"/>
+              </a:lnSpc>
+            </a:pPr>
+            <a:r>
+              <a:rPr lang="es-AR" dirty="0"/>
+              <a:t>Decision Tree Classifier: este modelo tuvo la mayor capacidad para  predecir aquellos clientes que abandonan la plataforma. Por otro  lado, este modelo sobreestima a los potenciales clientes que abandonan la plataforma.</a:t>
+            </a:r>
+          </a:p>
+          <a:p>
+            <a:pPr>
+              <a:lnSpc>
+                <a:spcPct val="200000"/>
+              </a:lnSpc>
+            </a:pPr>
+            <a:r>
+              <a:rPr lang="es-AR" dirty="0"/>
+              <a:t>Gradient Boosting Classifier: Este modelo tuvo un recall más bajo respecto al Decision Tree Classifier, pero no sobreestima en la misma medida la cantidad de clientes que abandonan la plataforma.</a:t>
+            </a:r>
+          </a:p>
+          <a:p>
+            <a:pPr marL="146050" indent="0">
+              <a:buNone/>
+            </a:pPr>
+            <a:endParaRPr dirty="0">
+              <a:latin typeface="Montserrat"/>
+              <a:ea typeface="Montserrat"/>
+              <a:cs typeface="Montserrat"/>
+              <a:sym typeface="Montserrat"/>
+            </a:endParaRPr>
+          </a:p>
+        </p:txBody>
+      </p:sp>
+    </p:spTree>
+    <p:extLst>
+      <p:ext uri="{BB962C8B-B14F-4D97-AF65-F5344CB8AC3E}">
+        <p14:creationId xmlns:p14="http://schemas.microsoft.com/office/powerpoint/2010/main" val="2900473979"/>
+      </p:ext>
+    </p:extLst>
+  </p:cSld>
+  <p:clrMapOvr>
+    <a:masterClrMapping/>
+  </p:clrMapOvr>
+</p:sld>
+</file>
+
+<file path=ppt/slides/slide9.xml><?xml version="1.0" encoding="utf-8"?>
+<p:sld xmlns:a="http://schemas.openxmlformats.org/drawingml/2006/main" xmlns:r="http://schemas.openxmlformats.org/officeDocument/2006/relationships" xmlns:p="http://schemas.openxmlformats.org/presentationml/2006/main">
+  <p:cSld>
+    <p:spTree>
+      <p:nvGrpSpPr>
+        <p:cNvPr id="1" name=""/>
+        <p:cNvGrpSpPr/>
+        <p:nvPr/>
+      </p:nvGrpSpPr>
+      <p:grpSpPr>
+        <a:xfrm>
+          <a:off x="0" y="0"/>
+          <a:ext cx="0" cy="0"/>
+          <a:chOff x="0" y="0"/>
+          <a:chExt cx="0" cy="0"/>
+        </a:xfrm>
+      </p:grpSpPr>
+      <p:graphicFrame>
+        <p:nvGraphicFramePr>
+          <p:cNvPr id="4" name="Tabla 4">
+            <a:extLst>
+              <a:ext uri="{FF2B5EF4-FFF2-40B4-BE49-F238E27FC236}">
+                <a16:creationId xmlns:a16="http://schemas.microsoft.com/office/drawing/2014/main" id="{414077D9-915E-498C-94CB-71F78D44C99E}"/>
+              </a:ext>
+            </a:extLst>
+          </p:cNvPr>
+          <p:cNvGraphicFramePr>
+            <a:graphicFrameLocks noGrp="1"/>
+          </p:cNvGraphicFramePr>
+          <p:nvPr>
+            <p:extLst>
+              <p:ext uri="{D42A27DB-BD31-4B8C-83A1-F6EECF244321}">
+                <p14:modId xmlns:p14="http://schemas.microsoft.com/office/powerpoint/2010/main" val="4066349866"/>
+              </p:ext>
+            </p:extLst>
+          </p:nvPr>
+        </p:nvGraphicFramePr>
+        <p:xfrm>
+          <a:off x="1524000" y="539750"/>
+          <a:ext cx="6096000" cy="370840"/>
+        </p:xfrm>
+        <a:graphic>
+          <a:graphicData uri="http://schemas.openxmlformats.org/drawingml/2006/table">
+            <a:tbl>
+              <a:tblPr firstRow="1" bandRow="1">
+                <a:tableStyleId>{5C22544A-7EE6-4342-B048-85BDC9FD1C3A}</a:tableStyleId>
+              </a:tblPr>
+              <a:tblGrid>
+                <a:gridCol w="3048000">
+                  <a:extLst>
+                    <a:ext uri="{9D8B030D-6E8A-4147-A177-3AD203B41FA5}">
+                      <a16:colId xmlns:a16="http://schemas.microsoft.com/office/drawing/2014/main" val="1899004143"/>
+                    </a:ext>
+                  </a:extLst>
+                </a:gridCol>
+                <a:gridCol w="3048000">
+                  <a:extLst>
+                    <a:ext uri="{9D8B030D-6E8A-4147-A177-3AD203B41FA5}">
+                      <a16:colId xmlns:a16="http://schemas.microsoft.com/office/drawing/2014/main" val="920999742"/>
+                    </a:ext>
+                  </a:extLst>
+                </a:gridCol>
+              </a:tblGrid>
+              <a:tr h="370840">
+                <a:tc>
+                  <a:txBody>
+                    <a:bodyPr/>
+                    <a:lstStyle/>
+                    <a:p>
+                      <a:r>
+                        <a:rPr lang="es-AR" dirty="0"/>
+                        <a:t>Gradient Boosting Classifier</a:t>
+                      </a:r>
+                    </a:p>
+                  </a:txBody>
+                  <a:tcPr/>
+                </a:tc>
+                <a:tc>
+                  <a:txBody>
+                    <a:bodyPr/>
+                    <a:lstStyle/>
+                    <a:p>
+                      <a:r>
+                        <a:rPr lang="es-AR" dirty="0"/>
+                        <a:t>Decision Tree Classifier</a:t>
+                      </a:r>
+                    </a:p>
+                  </a:txBody>
+                  <a:tcPr/>
+                </a:tc>
+                <a:extLst>
+                  <a:ext uri="{0D108BD9-81ED-4DB2-BD59-A6C34878D82A}">
+                    <a16:rowId xmlns:a16="http://schemas.microsoft.com/office/drawing/2014/main" val="2284280743"/>
+                  </a:ext>
+                </a:extLst>
+              </a:tr>
+            </a:tbl>
+          </a:graphicData>
+        </a:graphic>
+      </p:graphicFrame>
+      <p:pic>
+        <p:nvPicPr>
+          <p:cNvPr id="6" name="Imagen 5">
+            <a:extLst>
+              <a:ext uri="{FF2B5EF4-FFF2-40B4-BE49-F238E27FC236}">
+                <a16:creationId xmlns:a16="http://schemas.microsoft.com/office/drawing/2014/main" id="{163EFC5A-FB27-455C-B018-DC85ED19D6B7}"/>
+              </a:ext>
+            </a:extLst>
+          </p:cNvPr>
+          <p:cNvPicPr>
+            <a:picLocks noChangeAspect="1"/>
+          </p:cNvPicPr>
+          <p:nvPr/>
+        </p:nvPicPr>
+        <p:blipFill>
+          <a:blip r:embed="rId2"/>
+          <a:stretch>
+            <a:fillRect/>
+          </a:stretch>
+        </p:blipFill>
+        <p:spPr>
+          <a:xfrm>
+            <a:off x="1524000" y="910590"/>
+            <a:ext cx="3028950" cy="3200400"/>
+          </a:xfrm>
+          <a:prstGeom prst="rect">
+            <a:avLst/>
+          </a:prstGeom>
+        </p:spPr>
+      </p:pic>
+      <p:pic>
+        <p:nvPicPr>
+          <p:cNvPr id="7" name="Imagen 6">
+            <a:extLst>
+              <a:ext uri="{FF2B5EF4-FFF2-40B4-BE49-F238E27FC236}">
+                <a16:creationId xmlns:a16="http://schemas.microsoft.com/office/drawing/2014/main" id="{FBDE4D8A-3E36-46C3-A111-AA17DA92BA31}"/>
+              </a:ext>
+            </a:extLst>
+          </p:cNvPr>
+          <p:cNvPicPr>
+            <a:picLocks noChangeAspect="1"/>
+          </p:cNvPicPr>
+          <p:nvPr/>
+        </p:nvPicPr>
+        <p:blipFill>
+          <a:blip r:embed="rId3"/>
+          <a:stretch>
+            <a:fillRect/>
+          </a:stretch>
+        </p:blipFill>
+        <p:spPr>
+          <a:xfrm>
+            <a:off x="4591052" y="901065"/>
+            <a:ext cx="3019425" cy="3209925"/>
+          </a:xfrm>
+          <a:prstGeom prst="rect">
+            <a:avLst/>
+          </a:prstGeom>
+        </p:spPr>
+      </p:pic>
+    </p:spTree>
+    <p:extLst>
+      <p:ext uri="{BB962C8B-B14F-4D97-AF65-F5344CB8AC3E}">
+        <p14:creationId xmlns:p14="http://schemas.microsoft.com/office/powerpoint/2010/main" val="1238639256"/>
       </p:ext>
     </p:extLst>
   </p:cSld>

--- a/Presentación.pptx
+++ b/Presentación.pptx
@@ -5,7 +5,7 @@
     <p:sldMasterId id="2147483659" r:id="rId1"/>
   </p:sldMasterIdLst>
   <p:notesMasterIdLst>
-    <p:notesMasterId r:id="rId22"/>
+    <p:notesMasterId r:id="rId23"/>
   </p:notesMasterIdLst>
   <p:sldIdLst>
     <p:sldId id="256" r:id="rId2"/>
@@ -21,37 +21,38 @@
     <p:sldId id="268" r:id="rId12"/>
     <p:sldId id="274" r:id="rId13"/>
     <p:sldId id="275" r:id="rId14"/>
-    <p:sldId id="269" r:id="rId15"/>
-    <p:sldId id="270" r:id="rId16"/>
-    <p:sldId id="271" r:id="rId17"/>
-    <p:sldId id="272" r:id="rId18"/>
-    <p:sldId id="262" r:id="rId19"/>
-    <p:sldId id="263" r:id="rId20"/>
-    <p:sldId id="264" r:id="rId21"/>
+    <p:sldId id="276" r:id="rId15"/>
+    <p:sldId id="269" r:id="rId16"/>
+    <p:sldId id="270" r:id="rId17"/>
+    <p:sldId id="271" r:id="rId18"/>
+    <p:sldId id="272" r:id="rId19"/>
+    <p:sldId id="262" r:id="rId20"/>
+    <p:sldId id="263" r:id="rId21"/>
+    <p:sldId id="264" r:id="rId22"/>
   </p:sldIdLst>
   <p:sldSz cx="9144000" cy="5143500" type="screen16x9"/>
   <p:notesSz cx="6858000" cy="9144000"/>
   <p:embeddedFontLst>
     <p:embeddedFont>
       <p:font typeface="Lato" panose="020B0604020202020204" charset="0"/>
-      <p:regular r:id="rId23"/>
-      <p:bold r:id="rId24"/>
-      <p:italic r:id="rId25"/>
-      <p:boldItalic r:id="rId26"/>
+      <p:regular r:id="rId24"/>
+      <p:bold r:id="rId25"/>
+      <p:italic r:id="rId26"/>
+      <p:boldItalic r:id="rId27"/>
     </p:embeddedFont>
     <p:embeddedFont>
       <p:font typeface="Montserrat" panose="020B0604020202020204" charset="0"/>
-      <p:regular r:id="rId27"/>
-      <p:bold r:id="rId28"/>
-      <p:italic r:id="rId29"/>
-      <p:boldItalic r:id="rId30"/>
+      <p:regular r:id="rId28"/>
+      <p:bold r:id="rId29"/>
+      <p:italic r:id="rId30"/>
+      <p:boldItalic r:id="rId31"/>
     </p:embeddedFont>
     <p:embeddedFont>
       <p:font typeface="Roboto" panose="020B0604020202020204" charset="0"/>
-      <p:regular r:id="rId31"/>
-      <p:bold r:id="rId32"/>
-      <p:italic r:id="rId33"/>
-      <p:boldItalic r:id="rId34"/>
+      <p:regular r:id="rId32"/>
+      <p:bold r:id="rId33"/>
+      <p:italic r:id="rId34"/>
+      <p:boldItalic r:id="rId35"/>
     </p:embeddedFont>
   </p:embeddedFontLst>
   <p:defaultTextStyle>
@@ -301,6 +302,7 @@
             <p14:sldId id="268"/>
             <p14:sldId id="274"/>
             <p14:sldId id="275"/>
+            <p14:sldId id="276"/>
           </p14:sldIdLst>
         </p14:section>
         <p14:section name="Gráficos de ayuda" id="{0B90B45D-5C42-4C9B-A7CB-9C05738A94DC}">
@@ -1200,7 +1202,7 @@
     </p:spTree>
     <p:extLst>
       <p:ext uri="{BB962C8B-B14F-4D97-AF65-F5344CB8AC3E}">
-        <p14:creationId xmlns:p14="http://schemas.microsoft.com/office/powerpoint/2010/main" val="3596503171"/>
+        <p14:creationId xmlns:p14="http://schemas.microsoft.com/office/powerpoint/2010/main" val="175564789"/>
       </p:ext>
     </p:extLst>
   </p:cSld>
@@ -1309,7 +1311,7 @@
     </p:spTree>
     <p:extLst>
       <p:ext uri="{BB962C8B-B14F-4D97-AF65-F5344CB8AC3E}">
-        <p14:creationId xmlns:p14="http://schemas.microsoft.com/office/powerpoint/2010/main" val="2139892513"/>
+        <p14:creationId xmlns:p14="http://schemas.microsoft.com/office/powerpoint/2010/main" val="3596503171"/>
       </p:ext>
     </p:extLst>
   </p:cSld>
@@ -1418,7 +1420,7 @@
     </p:spTree>
     <p:extLst>
       <p:ext uri="{BB962C8B-B14F-4D97-AF65-F5344CB8AC3E}">
-        <p14:creationId xmlns:p14="http://schemas.microsoft.com/office/powerpoint/2010/main" val="4166701826"/>
+        <p14:creationId xmlns:p14="http://schemas.microsoft.com/office/powerpoint/2010/main" val="2139892513"/>
       </p:ext>
     </p:extLst>
   </p:cSld>
@@ -1527,6 +1529,115 @@
     </p:spTree>
     <p:extLst>
       <p:ext uri="{BB962C8B-B14F-4D97-AF65-F5344CB8AC3E}">
+        <p14:creationId xmlns:p14="http://schemas.microsoft.com/office/powerpoint/2010/main" val="4166701826"/>
+      </p:ext>
+    </p:extLst>
+  </p:cSld>
+  <p:clrMapOvr>
+    <a:masterClrMapping/>
+  </p:clrMapOvr>
+</p:notes>
+</file>
+
+<file path=ppt/notesSlides/notesSlide16.xml><?xml version="1.0" encoding="utf-8"?>
+<p:notes xmlns:a="http://schemas.openxmlformats.org/drawingml/2006/main" xmlns:r="http://schemas.openxmlformats.org/officeDocument/2006/relationships" xmlns:p="http://schemas.openxmlformats.org/presentationml/2006/main" showMasterSp="0" showMasterPhAnim="0">
+  <p:cSld>
+    <p:spTree>
+      <p:nvGrpSpPr>
+        <p:cNvPr id="1" name="Shape 161"/>
+        <p:cNvGrpSpPr/>
+        <p:nvPr/>
+      </p:nvGrpSpPr>
+      <p:grpSpPr>
+        <a:xfrm>
+          <a:off x="0" y="0"/>
+          <a:ext cx="0" cy="0"/>
+          <a:chOff x="0" y="0"/>
+          <a:chExt cx="0" cy="0"/>
+        </a:xfrm>
+      </p:grpSpPr>
+      <p:sp>
+        <p:nvSpPr>
+          <p:cNvPr id="162" name="Google Shape;162;g12f747b4c7f_0_153:notes"/>
+          <p:cNvSpPr>
+            <a:spLocks noGrp="1" noRot="1" noChangeAspect="1"/>
+          </p:cNvSpPr>
+          <p:nvPr>
+            <p:ph type="sldImg" idx="2"/>
+          </p:nvPr>
+        </p:nvSpPr>
+        <p:spPr>
+          <a:xfrm>
+            <a:off x="381000" y="685800"/>
+            <a:ext cx="6096000" cy="3429000"/>
+          </a:xfrm>
+          <a:custGeom>
+            <a:avLst/>
+            <a:gdLst/>
+            <a:ahLst/>
+            <a:cxnLst/>
+            <a:rect l="l" t="t" r="r" b="b"/>
+            <a:pathLst>
+              <a:path w="120000" h="120000" extrusionOk="0">
+                <a:moveTo>
+                  <a:pt x="0" y="0"/>
+                </a:moveTo>
+                <a:lnTo>
+                  <a:pt x="120000" y="0"/>
+                </a:lnTo>
+                <a:lnTo>
+                  <a:pt x="120000" y="120000"/>
+                </a:lnTo>
+                <a:lnTo>
+                  <a:pt x="0" y="120000"/>
+                </a:lnTo>
+                <a:close/>
+              </a:path>
+            </a:pathLst>
+          </a:custGeom>
+        </p:spPr>
+      </p:sp>
+      <p:sp>
+        <p:nvSpPr>
+          <p:cNvPr id="163" name="Google Shape;163;g12f747b4c7f_0_153:notes"/>
+          <p:cNvSpPr txBox="1">
+            <a:spLocks noGrp="1"/>
+          </p:cNvSpPr>
+          <p:nvPr>
+            <p:ph type="body" idx="1"/>
+          </p:nvPr>
+        </p:nvSpPr>
+        <p:spPr>
+          <a:xfrm>
+            <a:off x="685800" y="4343400"/>
+            <a:ext cx="5486400" cy="4114800"/>
+          </a:xfrm>
+          <a:prstGeom prst="rect">
+            <a:avLst/>
+          </a:prstGeom>
+        </p:spPr>
+        <p:txBody>
+          <a:bodyPr spcFirstLastPara="1" wrap="square" lIns="91425" tIns="91425" rIns="91425" bIns="91425" anchor="t" anchorCtr="0">
+            <a:noAutofit/>
+          </a:bodyPr>
+          <a:lstStyle/>
+          <a:p>
+            <a:pPr marL="0" lvl="0" indent="0" algn="l" rtl="0">
+              <a:spcBef>
+                <a:spcPts val="0"/>
+              </a:spcBef>
+              <a:spcAft>
+                <a:spcPts val="0"/>
+              </a:spcAft>
+              <a:buNone/>
+            </a:pPr>
+            <a:endParaRPr/>
+          </a:p>
+        </p:txBody>
+      </p:sp>
+    </p:spTree>
+    <p:extLst>
+      <p:ext uri="{BB962C8B-B14F-4D97-AF65-F5344CB8AC3E}">
         <p14:creationId xmlns:p14="http://schemas.microsoft.com/office/powerpoint/2010/main" val="2285486978"/>
       </p:ext>
     </p:extLst>
@@ -1537,7 +1648,7 @@
 </p:notes>
 </file>
 
-<file path=ppt/notesSlides/notesSlide16.xml><?xml version="1.0" encoding="utf-8"?>
+<file path=ppt/notesSlides/notesSlide17.xml><?xml version="1.0" encoding="utf-8"?>
 <p:notes xmlns:a="http://schemas.openxmlformats.org/drawingml/2006/main" xmlns:r="http://schemas.openxmlformats.org/officeDocument/2006/relationships" xmlns:p="http://schemas.openxmlformats.org/presentationml/2006/main" showMasterSp="0" showMasterPhAnim="0">
   <p:cSld>
     <p:spTree>
@@ -1641,7 +1752,7 @@
 </p:notes>
 </file>
 
-<file path=ppt/notesSlides/notesSlide17.xml><?xml version="1.0" encoding="utf-8"?>
+<file path=ppt/notesSlides/notesSlide18.xml><?xml version="1.0" encoding="utf-8"?>
 <p:notes xmlns:a="http://schemas.openxmlformats.org/drawingml/2006/main" xmlns:r="http://schemas.openxmlformats.org/officeDocument/2006/relationships" xmlns:p="http://schemas.openxmlformats.org/presentationml/2006/main" showMasterSp="0" showMasterPhAnim="0">
   <p:cSld>
     <p:spTree>
@@ -1745,7 +1856,7 @@
 </p:notes>
 </file>
 
-<file path=ppt/notesSlides/notesSlide18.xml><?xml version="1.0" encoding="utf-8"?>
+<file path=ppt/notesSlides/notesSlide19.xml><?xml version="1.0" encoding="utf-8"?>
 <p:notes xmlns:a="http://schemas.openxmlformats.org/drawingml/2006/main" xmlns:r="http://schemas.openxmlformats.org/officeDocument/2006/relationships" xmlns:p="http://schemas.openxmlformats.org/presentationml/2006/main" showMasterSp="0" showMasterPhAnim="0">
   <p:cSld>
     <p:spTree>
@@ -11845,73 +11956,16 @@
             </a:pPr>
             <a:r>
               <a:rPr lang="es-AR" dirty="0"/>
-              <a:t>Gradient Boosting Classifier parámetros:</a:t>
+              <a:t>Gradient Boosting Classifier resultados:</a:t>
             </a:r>
           </a:p>
           <a:p>
-            <a:pPr lvl="1">
+            <a:pPr marL="615950" lvl="1" indent="0">
               <a:lnSpc>
                 <a:spcPct val="200000"/>
               </a:lnSpc>
+              <a:buNone/>
             </a:pPr>
-            <a:r>
-              <a:rPr lang="es-AR" dirty="0"/>
-              <a:t>learning_rate = 0,1</a:t>
-            </a:r>
-          </a:p>
-          <a:p>
-            <a:pPr lvl="1">
-              <a:lnSpc>
-                <a:spcPct val="200000"/>
-              </a:lnSpc>
-            </a:pPr>
-            <a:r>
-              <a:rPr lang="es-AR" dirty="0"/>
-              <a:t>max_depth = 3</a:t>
-            </a:r>
-          </a:p>
-          <a:p>
-            <a:pPr lvl="1">
-              <a:lnSpc>
-                <a:spcPct val="200000"/>
-              </a:lnSpc>
-            </a:pPr>
-            <a:r>
-              <a:rPr lang="es-AR" dirty="0"/>
-              <a:t>n_estimators = 200</a:t>
-            </a:r>
-          </a:p>
-          <a:p>
-            <a:pPr lvl="1">
-              <a:lnSpc>
-                <a:spcPct val="200000"/>
-              </a:lnSpc>
-            </a:pPr>
-            <a:r>
-              <a:rPr lang="es-AR" dirty="0">
-                <a:latin typeface="Montserrat"/>
-                <a:ea typeface="Montserrat"/>
-                <a:cs typeface="Montserrat"/>
-                <a:sym typeface="Montserrat"/>
-              </a:rPr>
-              <a:t>random_state = 42</a:t>
-            </a:r>
-          </a:p>
-          <a:p>
-            <a:pPr lvl="1">
-              <a:lnSpc>
-                <a:spcPct val="200000"/>
-              </a:lnSpc>
-            </a:pPr>
-            <a:r>
-              <a:rPr lang="es-AR" dirty="0">
-                <a:latin typeface="Montserrat"/>
-                <a:ea typeface="Montserrat"/>
-                <a:cs typeface="Montserrat"/>
-                <a:sym typeface="Montserrat"/>
-              </a:rPr>
-              <a:t>Subsample = 0,5</a:t>
-            </a:r>
             <a:endParaRPr dirty="0">
               <a:latin typeface="Montserrat"/>
               <a:ea typeface="Montserrat"/>
@@ -11921,6 +11975,36 @@
           </a:p>
         </p:txBody>
       </p:sp>
+      <p:pic>
+        <p:nvPicPr>
+          <p:cNvPr id="2" name="Imagen 1">
+            <a:extLst>
+              <a:ext uri="{FF2B5EF4-FFF2-40B4-BE49-F238E27FC236}">
+                <a16:creationId xmlns:a16="http://schemas.microsoft.com/office/drawing/2014/main" id="{EE31DC51-F335-47F9-8F37-FF39C31E894E}"/>
+              </a:ext>
+            </a:extLst>
+          </p:cNvPr>
+          <p:cNvPicPr>
+            <a:picLocks noChangeAspect="1"/>
+          </p:cNvPicPr>
+          <p:nvPr/>
+        </p:nvPicPr>
+        <p:blipFill>
+          <a:blip r:embed="rId3"/>
+          <a:stretch>
+            <a:fillRect/>
+          </a:stretch>
+        </p:blipFill>
+        <p:spPr>
+          <a:xfrm>
+            <a:off x="2157412" y="2390601"/>
+            <a:ext cx="4829175" cy="1857375"/>
+          </a:xfrm>
+          <a:prstGeom prst="rect">
+            <a:avLst/>
+          </a:prstGeom>
+        </p:spPr>
+      </p:pic>
     </p:spTree>
     <p:extLst>
       <p:ext uri="{BB962C8B-B14F-4D97-AF65-F5344CB8AC3E}">
@@ -11935,6 +12019,152 @@
 </file>
 
 <file path=ppt/slides/slide14.xml><?xml version="1.0" encoding="utf-8"?>
+<p:sld xmlns:a="http://schemas.openxmlformats.org/drawingml/2006/main" xmlns:r="http://schemas.openxmlformats.org/officeDocument/2006/relationships" xmlns:p="http://schemas.openxmlformats.org/presentationml/2006/main">
+  <p:cSld>
+    <p:spTree>
+      <p:nvGrpSpPr>
+        <p:cNvPr id="1" name="Shape 164"/>
+        <p:cNvGrpSpPr/>
+        <p:nvPr/>
+      </p:nvGrpSpPr>
+      <p:grpSpPr>
+        <a:xfrm>
+          <a:off x="0" y="0"/>
+          <a:ext cx="0" cy="0"/>
+          <a:chOff x="0" y="0"/>
+          <a:chExt cx="0" cy="0"/>
+        </a:xfrm>
+      </p:grpSpPr>
+      <p:sp>
+        <p:nvSpPr>
+          <p:cNvPr id="166" name="Google Shape;166;p18"/>
+          <p:cNvSpPr txBox="1">
+            <a:spLocks noGrp="1"/>
+          </p:cNvSpPr>
+          <p:nvPr>
+            <p:ph type="title"/>
+          </p:nvPr>
+        </p:nvSpPr>
+        <p:spPr>
+          <a:xfrm>
+            <a:off x="1297500" y="393750"/>
+            <a:ext cx="7038900" cy="914100"/>
+          </a:xfrm>
+          <a:prstGeom prst="rect">
+            <a:avLst/>
+          </a:prstGeom>
+        </p:spPr>
+        <p:txBody>
+          <a:bodyPr spcFirstLastPara="1" wrap="square" lIns="91425" tIns="91425" rIns="91425" bIns="91425" anchor="t" anchorCtr="0">
+            <a:normAutofit/>
+          </a:bodyPr>
+          <a:lstStyle/>
+          <a:p>
+            <a:pPr marL="0" lvl="0" indent="0" algn="l" rtl="0">
+              <a:spcBef>
+                <a:spcPts val="0"/>
+              </a:spcBef>
+              <a:spcAft>
+                <a:spcPts val="0"/>
+              </a:spcAft>
+              <a:buNone/>
+            </a:pPr>
+            <a:r>
+              <a:rPr lang="es-AR" dirty="0"/>
+              <a:t>Conclusión </a:t>
+            </a:r>
+            <a:endParaRPr dirty="0"/>
+          </a:p>
+        </p:txBody>
+      </p:sp>
+      <p:pic>
+        <p:nvPicPr>
+          <p:cNvPr id="6" name="Imagen 5">
+            <a:extLst>
+              <a:ext uri="{FF2B5EF4-FFF2-40B4-BE49-F238E27FC236}">
+                <a16:creationId xmlns:a16="http://schemas.microsoft.com/office/drawing/2014/main" id="{41AD7E10-F302-4204-B005-D8519F1F88CF}"/>
+              </a:ext>
+            </a:extLst>
+          </p:cNvPr>
+          <p:cNvPicPr>
+            <a:picLocks noChangeAspect="1"/>
+          </p:cNvPicPr>
+          <p:nvPr/>
+        </p:nvPicPr>
+        <p:blipFill>
+          <a:blip r:embed="rId3"/>
+          <a:stretch>
+            <a:fillRect/>
+          </a:stretch>
+        </p:blipFill>
+        <p:spPr>
+          <a:xfrm>
+            <a:off x="1695311" y="1794701"/>
+            <a:ext cx="6334055" cy="2955049"/>
+          </a:xfrm>
+          <a:prstGeom prst="rect">
+            <a:avLst/>
+          </a:prstGeom>
+        </p:spPr>
+      </p:pic>
+      <p:sp>
+        <p:nvSpPr>
+          <p:cNvPr id="7" name="CuadroTexto 6">
+            <a:extLst>
+              <a:ext uri="{FF2B5EF4-FFF2-40B4-BE49-F238E27FC236}">
+                <a16:creationId xmlns:a16="http://schemas.microsoft.com/office/drawing/2014/main" id="{58E6D86B-90F5-463E-8927-03B9C49243E3}"/>
+              </a:ext>
+            </a:extLst>
+          </p:cNvPr>
+          <p:cNvSpPr txBox="1"/>
+          <p:nvPr/>
+        </p:nvSpPr>
+        <p:spPr>
+          <a:xfrm>
+            <a:off x="2037041" y="1028056"/>
+            <a:ext cx="5559818" cy="523220"/>
+          </a:xfrm>
+          <a:prstGeom prst="rect">
+            <a:avLst/>
+          </a:prstGeom>
+          <a:noFill/>
+        </p:spPr>
+        <p:txBody>
+          <a:bodyPr wrap="square" rtlCol="0">
+            <a:spAutoFit/>
+          </a:bodyPr>
+          <a:lstStyle/>
+          <a:p>
+            <a:r>
+              <a:rPr lang="es-ES" dirty="0">
+                <a:solidFill>
+                  <a:schemeClr val="bg1"/>
+                </a:solidFill>
+              </a:rPr>
+              <a:t>El modelo es utilizable cuando el valor de las acciones de marketin son tienen un costo mayor al 13 % del valor del producto.</a:t>
+            </a:r>
+            <a:endParaRPr lang="es-AR" dirty="0">
+              <a:solidFill>
+                <a:schemeClr val="bg1"/>
+              </a:solidFill>
+            </a:endParaRPr>
+          </a:p>
+        </p:txBody>
+      </p:sp>
+    </p:spTree>
+    <p:extLst>
+      <p:ext uri="{BB962C8B-B14F-4D97-AF65-F5344CB8AC3E}">
+        <p14:creationId xmlns:p14="http://schemas.microsoft.com/office/powerpoint/2010/main" val="170210012"/>
+      </p:ext>
+    </p:extLst>
+  </p:cSld>
+  <p:clrMapOvr>
+    <a:masterClrMapping/>
+  </p:clrMapOvr>
+</p:sld>
+</file>
+
+<file path=ppt/slides/slide15.xml><?xml version="1.0" encoding="utf-8"?>
 <p:sld xmlns:a="http://schemas.openxmlformats.org/drawingml/2006/main" xmlns:r="http://schemas.openxmlformats.org/officeDocument/2006/relationships" xmlns:p="http://schemas.openxmlformats.org/presentationml/2006/main">
   <p:cSld>
     <p:spTree>
@@ -12036,7 +12266,7 @@
 </p:sld>
 </file>
 
-<file path=ppt/slides/slide15.xml><?xml version="1.0" encoding="utf-8"?>
+<file path=ppt/slides/slide16.xml><?xml version="1.0" encoding="utf-8"?>
 <p:sld xmlns:a="http://schemas.openxmlformats.org/drawingml/2006/main" xmlns:r="http://schemas.openxmlformats.org/officeDocument/2006/relationships" xmlns:p="http://schemas.openxmlformats.org/presentationml/2006/main">
   <p:cSld>
     <p:spTree>
@@ -12138,7 +12368,7 @@
 </p:sld>
 </file>
 
-<file path=ppt/slides/slide16.xml><?xml version="1.0" encoding="utf-8"?>
+<file path=ppt/slides/slide17.xml><?xml version="1.0" encoding="utf-8"?>
 <p:sld xmlns:a="http://schemas.openxmlformats.org/drawingml/2006/main" xmlns:r="http://schemas.openxmlformats.org/officeDocument/2006/relationships" xmlns:p="http://schemas.openxmlformats.org/presentationml/2006/main">
   <p:cSld>
     <p:spTree>
@@ -12240,7 +12470,7 @@
 </p:sld>
 </file>
 
-<file path=ppt/slides/slide17.xml><?xml version="1.0" encoding="utf-8"?>
+<file path=ppt/slides/slide18.xml><?xml version="1.0" encoding="utf-8"?>
 <p:sld xmlns:a="http://schemas.openxmlformats.org/drawingml/2006/main" xmlns:r="http://schemas.openxmlformats.org/officeDocument/2006/relationships" xmlns:p="http://schemas.openxmlformats.org/presentationml/2006/main">
   <p:cSld>
     <p:spTree>
@@ -12341,7 +12571,7 @@
 </p:sld>
 </file>
 
-<file path=ppt/slides/slide18.xml><?xml version="1.0" encoding="utf-8"?>
+<file path=ppt/slides/slide19.xml><?xml version="1.0" encoding="utf-8"?>
 <p:sld xmlns:a="http://schemas.openxmlformats.org/drawingml/2006/main" xmlns:r="http://schemas.openxmlformats.org/officeDocument/2006/relationships" xmlns:p="http://schemas.openxmlformats.org/presentationml/2006/main">
   <p:cSld>
     <p:spTree>
@@ -12683,283 +12913,6 @@
               <a:t>DecisionTreeClassifier</a:t>
             </a:r>
             <a:endParaRPr/>
-          </a:p>
-        </p:txBody>
-      </p:sp>
-    </p:spTree>
-  </p:cSld>
-  <p:clrMapOvr>
-    <a:masterClrMapping/>
-  </p:clrMapOvr>
-</p:sld>
-</file>
-
-<file path=ppt/slides/slide19.xml><?xml version="1.0" encoding="utf-8"?>
-<p:sld xmlns:a="http://schemas.openxmlformats.org/drawingml/2006/main" xmlns:r="http://schemas.openxmlformats.org/officeDocument/2006/relationships" xmlns:p="http://schemas.openxmlformats.org/presentationml/2006/main">
-  <p:cSld>
-    <p:spTree>
-      <p:nvGrpSpPr>
-        <p:cNvPr id="1" name="Shape 177"/>
-        <p:cNvGrpSpPr/>
-        <p:nvPr/>
-      </p:nvGrpSpPr>
-      <p:grpSpPr>
-        <a:xfrm>
-          <a:off x="0" y="0"/>
-          <a:ext cx="0" cy="0"/>
-          <a:chOff x="0" y="0"/>
-          <a:chExt cx="0" cy="0"/>
-        </a:xfrm>
-      </p:grpSpPr>
-      <p:sp>
-        <p:nvSpPr>
-          <p:cNvPr id="178" name="Google Shape;178;p20"/>
-          <p:cNvSpPr txBox="1">
-            <a:spLocks noGrp="1"/>
-          </p:cNvSpPr>
-          <p:nvPr>
-            <p:ph type="title"/>
-          </p:nvPr>
-        </p:nvSpPr>
-        <p:spPr>
-          <a:xfrm>
-            <a:off x="1297500" y="393750"/>
-            <a:ext cx="7038900" cy="1317300"/>
-          </a:xfrm>
-          <a:prstGeom prst="rect">
-            <a:avLst/>
-          </a:prstGeom>
-        </p:spPr>
-        <p:txBody>
-          <a:bodyPr spcFirstLastPara="1" wrap="square" lIns="91425" tIns="91425" rIns="91425" bIns="91425" anchor="t" anchorCtr="0">
-            <a:noAutofit/>
-          </a:bodyPr>
-          <a:lstStyle/>
-          <a:p>
-            <a:pPr marL="0" lvl="0" indent="0" algn="l" rtl="0">
-              <a:spcBef>
-                <a:spcPts val="0"/>
-              </a:spcBef>
-              <a:spcAft>
-                <a:spcPts val="0"/>
-              </a:spcAft>
-              <a:buNone/>
-            </a:pPr>
-            <a:endParaRPr/>
-          </a:p>
-          <a:p>
-            <a:pPr marL="0" lvl="0" indent="0" algn="l" rtl="0">
-              <a:spcBef>
-                <a:spcPts val="0"/>
-              </a:spcBef>
-              <a:spcAft>
-                <a:spcPts val="0"/>
-              </a:spcAft>
-              <a:buNone/>
-            </a:pPr>
-            <a:endParaRPr/>
-          </a:p>
-          <a:p>
-            <a:pPr marL="457200" lvl="0" indent="-381000" algn="l" rtl="0">
-              <a:spcBef>
-                <a:spcPts val="0"/>
-              </a:spcBef>
-              <a:spcAft>
-                <a:spcPts val="0"/>
-              </a:spcAft>
-              <a:buSzPts val="2400"/>
-              <a:buAutoNum type="arabicPeriod" startAt="2"/>
-            </a:pPr>
-            <a:r>
-              <a:rPr lang="es"/>
-              <a:t>KNN-</a:t>
-            </a:r>
-            <a:r>
-              <a:rPr lang="es" sz="2300">
-                <a:latin typeface="Roboto"/>
-                <a:ea typeface="Roboto"/>
-                <a:cs typeface="Roboto"/>
-                <a:sym typeface="Roboto"/>
-              </a:rPr>
-              <a:t>KNeighborsClassifier</a:t>
-            </a:r>
-            <a:endParaRPr sz="2300">
-              <a:latin typeface="Roboto"/>
-              <a:ea typeface="Roboto"/>
-              <a:cs typeface="Roboto"/>
-              <a:sym typeface="Roboto"/>
-            </a:endParaRPr>
-          </a:p>
-          <a:p>
-            <a:pPr marL="457200" lvl="0" indent="0" algn="l" rtl="0">
-              <a:spcBef>
-                <a:spcPts val="0"/>
-              </a:spcBef>
-              <a:spcAft>
-                <a:spcPts val="0"/>
-              </a:spcAft>
-              <a:buNone/>
-            </a:pPr>
-            <a:r>
-              <a:rPr lang="es"/>
-              <a:t> </a:t>
-            </a:r>
-            <a:endParaRPr/>
-          </a:p>
-        </p:txBody>
-      </p:sp>
-      <p:sp>
-        <p:nvSpPr>
-          <p:cNvPr id="179" name="Google Shape;179;p20"/>
-          <p:cNvSpPr txBox="1">
-            <a:spLocks noGrp="1"/>
-          </p:cNvSpPr>
-          <p:nvPr>
-            <p:ph type="body" idx="1"/>
-          </p:nvPr>
-        </p:nvSpPr>
-        <p:spPr>
-          <a:xfrm>
-            <a:off x="1297500" y="2430175"/>
-            <a:ext cx="7038900" cy="2550600"/>
-          </a:xfrm>
-          <a:prstGeom prst="rect">
-            <a:avLst/>
-          </a:prstGeom>
-        </p:spPr>
-        <p:txBody>
-          <a:bodyPr spcFirstLastPara="1" wrap="square" lIns="91425" tIns="91425" rIns="91425" bIns="91425" anchor="t" anchorCtr="0">
-            <a:normAutofit fontScale="77500" lnSpcReduction="20000"/>
-          </a:bodyPr>
-          <a:lstStyle/>
-          <a:p>
-            <a:pPr marL="0" marR="38100" lvl="0" indent="0" algn="l" rtl="0">
-              <a:lnSpc>
-                <a:spcPct val="128571"/>
-              </a:lnSpc>
-              <a:spcBef>
-                <a:spcPts val="0"/>
-              </a:spcBef>
-              <a:spcAft>
-                <a:spcPts val="0"/>
-              </a:spcAft>
-              <a:buNone/>
-            </a:pPr>
-            <a:r>
-              <a:rPr lang="es" sz="2100">
-                <a:latin typeface="Montserrat"/>
-                <a:ea typeface="Montserrat"/>
-                <a:cs typeface="Montserrat"/>
-                <a:sym typeface="Montserrat"/>
-              </a:rPr>
-              <a:t>La clasificación basada en vecinos es un tipo de aprendizaje basado en instancias o aprendizaje no generalizador: no intenta construir un modelo interno general, sino que simplemente almacena instancias de los datos de entrenamiento. La clasificación se calcula a partir de un voto de mayoría simple de los vecinos más cercanos de cada punto: a un punto de consulta se le asigna la clase de datos que tiene la mayor cantidad de representantes dentro de los vecinos más cercanos del punto.</a:t>
-            </a:r>
-            <a:endParaRPr sz="2100">
-              <a:latin typeface="Montserrat"/>
-              <a:ea typeface="Montserrat"/>
-              <a:cs typeface="Montserrat"/>
-              <a:sym typeface="Montserrat"/>
-            </a:endParaRPr>
-          </a:p>
-          <a:p>
-            <a:pPr marL="0" marR="38100" lvl="0" indent="0" algn="l" rtl="0">
-              <a:lnSpc>
-                <a:spcPct val="128571"/>
-              </a:lnSpc>
-              <a:spcBef>
-                <a:spcPts val="0"/>
-              </a:spcBef>
-              <a:spcAft>
-                <a:spcPts val="0"/>
-              </a:spcAft>
-              <a:buNone/>
-            </a:pPr>
-            <a:endParaRPr>
-              <a:latin typeface="Montserrat"/>
-              <a:ea typeface="Montserrat"/>
-              <a:cs typeface="Montserrat"/>
-              <a:sym typeface="Montserrat"/>
-            </a:endParaRPr>
-          </a:p>
-          <a:p>
-            <a:pPr marL="0" marR="38100" lvl="0" indent="0" algn="l" rtl="0">
-              <a:lnSpc>
-                <a:spcPct val="128571"/>
-              </a:lnSpc>
-              <a:spcBef>
-                <a:spcPts val="0"/>
-              </a:spcBef>
-              <a:spcAft>
-                <a:spcPts val="0"/>
-              </a:spcAft>
-              <a:buNone/>
-            </a:pPr>
-            <a:endParaRPr>
-              <a:latin typeface="Montserrat"/>
-              <a:ea typeface="Montserrat"/>
-              <a:cs typeface="Montserrat"/>
-              <a:sym typeface="Montserrat"/>
-            </a:endParaRPr>
-          </a:p>
-          <a:p>
-            <a:pPr marL="457200" marR="38100" lvl="0" indent="0" algn="l" rtl="0">
-              <a:lnSpc>
-                <a:spcPct val="128571"/>
-              </a:lnSpc>
-              <a:spcBef>
-                <a:spcPts val="0"/>
-              </a:spcBef>
-              <a:spcAft>
-                <a:spcPts val="0"/>
-              </a:spcAft>
-              <a:buNone/>
-            </a:pPr>
-            <a:endParaRPr>
-              <a:latin typeface="Montserrat"/>
-              <a:ea typeface="Montserrat"/>
-              <a:cs typeface="Montserrat"/>
-              <a:sym typeface="Montserrat"/>
-            </a:endParaRPr>
-          </a:p>
-          <a:p>
-            <a:pPr marL="457200" marR="38100" lvl="0" indent="0" algn="l" rtl="0">
-              <a:lnSpc>
-                <a:spcPct val="128571"/>
-              </a:lnSpc>
-              <a:spcBef>
-                <a:spcPts val="0"/>
-              </a:spcBef>
-              <a:spcAft>
-                <a:spcPts val="0"/>
-              </a:spcAft>
-              <a:buNone/>
-            </a:pPr>
-            <a:endParaRPr>
-              <a:latin typeface="Montserrat"/>
-              <a:ea typeface="Montserrat"/>
-              <a:cs typeface="Montserrat"/>
-              <a:sym typeface="Montserrat"/>
-            </a:endParaRPr>
-          </a:p>
-          <a:p>
-            <a:pPr marL="0" marR="38100" lvl="0" indent="0" algn="l" rtl="0">
-              <a:lnSpc>
-                <a:spcPct val="128571"/>
-              </a:lnSpc>
-              <a:spcBef>
-                <a:spcPts val="0"/>
-              </a:spcBef>
-              <a:spcAft>
-                <a:spcPts val="0"/>
-              </a:spcAft>
-              <a:buNone/>
-            </a:pPr>
-            <a:endParaRPr>
-              <a:latin typeface="Montserrat"/>
-              <a:ea typeface="Montserrat"/>
-              <a:cs typeface="Montserrat"/>
-              <a:sym typeface="Montserrat"/>
-            </a:endParaRPr>
           </a:p>
         </p:txBody>
       </p:sp>
@@ -13176,6 +13129,283 @@
 </file>
 
 <file path=ppt/slides/slide20.xml><?xml version="1.0" encoding="utf-8"?>
+<p:sld xmlns:a="http://schemas.openxmlformats.org/drawingml/2006/main" xmlns:r="http://schemas.openxmlformats.org/officeDocument/2006/relationships" xmlns:p="http://schemas.openxmlformats.org/presentationml/2006/main">
+  <p:cSld>
+    <p:spTree>
+      <p:nvGrpSpPr>
+        <p:cNvPr id="1" name="Shape 177"/>
+        <p:cNvGrpSpPr/>
+        <p:nvPr/>
+      </p:nvGrpSpPr>
+      <p:grpSpPr>
+        <a:xfrm>
+          <a:off x="0" y="0"/>
+          <a:ext cx="0" cy="0"/>
+          <a:chOff x="0" y="0"/>
+          <a:chExt cx="0" cy="0"/>
+        </a:xfrm>
+      </p:grpSpPr>
+      <p:sp>
+        <p:nvSpPr>
+          <p:cNvPr id="178" name="Google Shape;178;p20"/>
+          <p:cNvSpPr txBox="1">
+            <a:spLocks noGrp="1"/>
+          </p:cNvSpPr>
+          <p:nvPr>
+            <p:ph type="title"/>
+          </p:nvPr>
+        </p:nvSpPr>
+        <p:spPr>
+          <a:xfrm>
+            <a:off x="1297500" y="393750"/>
+            <a:ext cx="7038900" cy="1317300"/>
+          </a:xfrm>
+          <a:prstGeom prst="rect">
+            <a:avLst/>
+          </a:prstGeom>
+        </p:spPr>
+        <p:txBody>
+          <a:bodyPr spcFirstLastPara="1" wrap="square" lIns="91425" tIns="91425" rIns="91425" bIns="91425" anchor="t" anchorCtr="0">
+            <a:noAutofit/>
+          </a:bodyPr>
+          <a:lstStyle/>
+          <a:p>
+            <a:pPr marL="0" lvl="0" indent="0" algn="l" rtl="0">
+              <a:spcBef>
+                <a:spcPts val="0"/>
+              </a:spcBef>
+              <a:spcAft>
+                <a:spcPts val="0"/>
+              </a:spcAft>
+              <a:buNone/>
+            </a:pPr>
+            <a:endParaRPr/>
+          </a:p>
+          <a:p>
+            <a:pPr marL="0" lvl="0" indent="0" algn="l" rtl="0">
+              <a:spcBef>
+                <a:spcPts val="0"/>
+              </a:spcBef>
+              <a:spcAft>
+                <a:spcPts val="0"/>
+              </a:spcAft>
+              <a:buNone/>
+            </a:pPr>
+            <a:endParaRPr/>
+          </a:p>
+          <a:p>
+            <a:pPr marL="457200" lvl="0" indent="-381000" algn="l" rtl="0">
+              <a:spcBef>
+                <a:spcPts val="0"/>
+              </a:spcBef>
+              <a:spcAft>
+                <a:spcPts val="0"/>
+              </a:spcAft>
+              <a:buSzPts val="2400"/>
+              <a:buAutoNum type="arabicPeriod" startAt="2"/>
+            </a:pPr>
+            <a:r>
+              <a:rPr lang="es"/>
+              <a:t>KNN-</a:t>
+            </a:r>
+            <a:r>
+              <a:rPr lang="es" sz="2300">
+                <a:latin typeface="Roboto"/>
+                <a:ea typeface="Roboto"/>
+                <a:cs typeface="Roboto"/>
+                <a:sym typeface="Roboto"/>
+              </a:rPr>
+              <a:t>KNeighborsClassifier</a:t>
+            </a:r>
+            <a:endParaRPr sz="2300">
+              <a:latin typeface="Roboto"/>
+              <a:ea typeface="Roboto"/>
+              <a:cs typeface="Roboto"/>
+              <a:sym typeface="Roboto"/>
+            </a:endParaRPr>
+          </a:p>
+          <a:p>
+            <a:pPr marL="457200" lvl="0" indent="0" algn="l" rtl="0">
+              <a:spcBef>
+                <a:spcPts val="0"/>
+              </a:spcBef>
+              <a:spcAft>
+                <a:spcPts val="0"/>
+              </a:spcAft>
+              <a:buNone/>
+            </a:pPr>
+            <a:r>
+              <a:rPr lang="es"/>
+              <a:t> </a:t>
+            </a:r>
+            <a:endParaRPr/>
+          </a:p>
+        </p:txBody>
+      </p:sp>
+      <p:sp>
+        <p:nvSpPr>
+          <p:cNvPr id="179" name="Google Shape;179;p20"/>
+          <p:cNvSpPr txBox="1">
+            <a:spLocks noGrp="1"/>
+          </p:cNvSpPr>
+          <p:nvPr>
+            <p:ph type="body" idx="1"/>
+          </p:nvPr>
+        </p:nvSpPr>
+        <p:spPr>
+          <a:xfrm>
+            <a:off x="1297500" y="2430175"/>
+            <a:ext cx="7038900" cy="2550600"/>
+          </a:xfrm>
+          <a:prstGeom prst="rect">
+            <a:avLst/>
+          </a:prstGeom>
+        </p:spPr>
+        <p:txBody>
+          <a:bodyPr spcFirstLastPara="1" wrap="square" lIns="91425" tIns="91425" rIns="91425" bIns="91425" anchor="t" anchorCtr="0">
+            <a:normAutofit fontScale="77500" lnSpcReduction="20000"/>
+          </a:bodyPr>
+          <a:lstStyle/>
+          <a:p>
+            <a:pPr marL="0" marR="38100" lvl="0" indent="0" algn="l" rtl="0">
+              <a:lnSpc>
+                <a:spcPct val="128571"/>
+              </a:lnSpc>
+              <a:spcBef>
+                <a:spcPts val="0"/>
+              </a:spcBef>
+              <a:spcAft>
+                <a:spcPts val="0"/>
+              </a:spcAft>
+              <a:buNone/>
+            </a:pPr>
+            <a:r>
+              <a:rPr lang="es" sz="2100">
+                <a:latin typeface="Montserrat"/>
+                <a:ea typeface="Montserrat"/>
+                <a:cs typeface="Montserrat"/>
+                <a:sym typeface="Montserrat"/>
+              </a:rPr>
+              <a:t>La clasificación basada en vecinos es un tipo de aprendizaje basado en instancias o aprendizaje no generalizador: no intenta construir un modelo interno general, sino que simplemente almacena instancias de los datos de entrenamiento. La clasificación se calcula a partir de un voto de mayoría simple de los vecinos más cercanos de cada punto: a un punto de consulta se le asigna la clase de datos que tiene la mayor cantidad de representantes dentro de los vecinos más cercanos del punto.</a:t>
+            </a:r>
+            <a:endParaRPr sz="2100">
+              <a:latin typeface="Montserrat"/>
+              <a:ea typeface="Montserrat"/>
+              <a:cs typeface="Montserrat"/>
+              <a:sym typeface="Montserrat"/>
+            </a:endParaRPr>
+          </a:p>
+          <a:p>
+            <a:pPr marL="0" marR="38100" lvl="0" indent="0" algn="l" rtl="0">
+              <a:lnSpc>
+                <a:spcPct val="128571"/>
+              </a:lnSpc>
+              <a:spcBef>
+                <a:spcPts val="0"/>
+              </a:spcBef>
+              <a:spcAft>
+                <a:spcPts val="0"/>
+              </a:spcAft>
+              <a:buNone/>
+            </a:pPr>
+            <a:endParaRPr>
+              <a:latin typeface="Montserrat"/>
+              <a:ea typeface="Montserrat"/>
+              <a:cs typeface="Montserrat"/>
+              <a:sym typeface="Montserrat"/>
+            </a:endParaRPr>
+          </a:p>
+          <a:p>
+            <a:pPr marL="0" marR="38100" lvl="0" indent="0" algn="l" rtl="0">
+              <a:lnSpc>
+                <a:spcPct val="128571"/>
+              </a:lnSpc>
+              <a:spcBef>
+                <a:spcPts val="0"/>
+              </a:spcBef>
+              <a:spcAft>
+                <a:spcPts val="0"/>
+              </a:spcAft>
+              <a:buNone/>
+            </a:pPr>
+            <a:endParaRPr>
+              <a:latin typeface="Montserrat"/>
+              <a:ea typeface="Montserrat"/>
+              <a:cs typeface="Montserrat"/>
+              <a:sym typeface="Montserrat"/>
+            </a:endParaRPr>
+          </a:p>
+          <a:p>
+            <a:pPr marL="457200" marR="38100" lvl="0" indent="0" algn="l" rtl="0">
+              <a:lnSpc>
+                <a:spcPct val="128571"/>
+              </a:lnSpc>
+              <a:spcBef>
+                <a:spcPts val="0"/>
+              </a:spcBef>
+              <a:spcAft>
+                <a:spcPts val="0"/>
+              </a:spcAft>
+              <a:buNone/>
+            </a:pPr>
+            <a:endParaRPr>
+              <a:latin typeface="Montserrat"/>
+              <a:ea typeface="Montserrat"/>
+              <a:cs typeface="Montserrat"/>
+              <a:sym typeface="Montserrat"/>
+            </a:endParaRPr>
+          </a:p>
+          <a:p>
+            <a:pPr marL="457200" marR="38100" lvl="0" indent="0" algn="l" rtl="0">
+              <a:lnSpc>
+                <a:spcPct val="128571"/>
+              </a:lnSpc>
+              <a:spcBef>
+                <a:spcPts val="0"/>
+              </a:spcBef>
+              <a:spcAft>
+                <a:spcPts val="0"/>
+              </a:spcAft>
+              <a:buNone/>
+            </a:pPr>
+            <a:endParaRPr>
+              <a:latin typeface="Montserrat"/>
+              <a:ea typeface="Montserrat"/>
+              <a:cs typeface="Montserrat"/>
+              <a:sym typeface="Montserrat"/>
+            </a:endParaRPr>
+          </a:p>
+          <a:p>
+            <a:pPr marL="0" marR="38100" lvl="0" indent="0" algn="l" rtl="0">
+              <a:lnSpc>
+                <a:spcPct val="128571"/>
+              </a:lnSpc>
+              <a:spcBef>
+                <a:spcPts val="0"/>
+              </a:spcBef>
+              <a:spcAft>
+                <a:spcPts val="0"/>
+              </a:spcAft>
+              <a:buNone/>
+            </a:pPr>
+            <a:endParaRPr>
+              <a:latin typeface="Montserrat"/>
+              <a:ea typeface="Montserrat"/>
+              <a:cs typeface="Montserrat"/>
+              <a:sym typeface="Montserrat"/>
+            </a:endParaRPr>
+          </a:p>
+        </p:txBody>
+      </p:sp>
+    </p:spTree>
+  </p:cSld>
+  <p:clrMapOvr>
+    <a:masterClrMapping/>
+  </p:clrMapOvr>
+</p:sld>
+</file>
+
+<file path=ppt/slides/slide21.xml><?xml version="1.0" encoding="utf-8"?>
 <p:sld xmlns:a="http://schemas.openxmlformats.org/drawingml/2006/main" xmlns:r="http://schemas.openxmlformats.org/officeDocument/2006/relationships" xmlns:p="http://schemas.openxmlformats.org/presentationml/2006/main">
   <p:cSld>
     <p:spTree>
